--- a/geometryandappearances/figures.pptx
+++ b/geometryandappearances/figures.pptx
@@ -6,6 +6,7 @@
   </p:sldMasterIdLst>
   <p:sldIdLst>
     <p:sldId id="257" r:id="rId2"/>
+    <p:sldId id="258" r:id="rId3"/>
   </p:sldIdLst>
   <p:sldSz cx="9144000" cy="6858000" type="screen4x3"/>
   <p:notesSz cx="6858000" cy="9144000"/>
@@ -3527,11 +3528,6 @@
               </a:rPr>
               <a:t>1</a:t>
             </a:r>
-            <a:endParaRPr lang="en-US" dirty="0">
-              <a:solidFill>
-                <a:schemeClr val="accent1"/>
-              </a:solidFill>
-            </a:endParaRPr>
           </a:p>
         </p:txBody>
       </p:sp>
@@ -3571,14 +3567,6 @@
               </a:rPr>
               <a:t>1</a:t>
             </a:r>
-            <a:endParaRPr lang="en-US" dirty="0">
-              <a:solidFill>
-                <a:schemeClr val="tx2">
-                  <a:lumMod val="40000"/>
-                  <a:lumOff val="60000"/>
-                </a:schemeClr>
-              </a:solidFill>
-            </a:endParaRPr>
           </a:p>
         </p:txBody>
       </p:sp>
@@ -3615,11 +3603,6 @@
               </a:rPr>
               <a:t>1</a:t>
             </a:r>
-            <a:endParaRPr lang="en-US" dirty="0">
-              <a:solidFill>
-                <a:schemeClr val="accent1"/>
-              </a:solidFill>
-            </a:endParaRPr>
           </a:p>
         </p:txBody>
       </p:sp>
@@ -3675,6 +3658,475 @@
     <p:extLst>
       <p:ext uri="{BB962C8B-B14F-4D97-AF65-F5344CB8AC3E}">
         <p14:creationId xmlns:p14="http://schemas.microsoft.com/office/powerpoint/2010/main" val="1538436060"/>
+      </p:ext>
+    </p:extLst>
+  </p:cSld>
+  <p:clrMapOvr>
+    <a:masterClrMapping/>
+  </p:clrMapOvr>
+</p:sld>
+</file>
+
+<file path=ppt/slides/slide2.xml><?xml version="1.0" encoding="utf-8"?>
+<p:sld xmlns:a="http://schemas.openxmlformats.org/drawingml/2006/main" xmlns:r="http://schemas.openxmlformats.org/officeDocument/2006/relationships" xmlns:p="http://schemas.openxmlformats.org/presentationml/2006/main">
+  <p:cSld>
+    <p:spTree>
+      <p:nvGrpSpPr>
+        <p:cNvPr id="1" name=""/>
+        <p:cNvGrpSpPr/>
+        <p:nvPr/>
+      </p:nvGrpSpPr>
+      <p:grpSpPr>
+        <a:xfrm>
+          <a:off x="0" y="0"/>
+          <a:ext cx="0" cy="0"/>
+          <a:chOff x="0" y="0"/>
+          <a:chExt cx="0" cy="0"/>
+        </a:xfrm>
+      </p:grpSpPr>
+      <p:sp>
+        <p:nvSpPr>
+          <p:cNvPr id="5" name="Oval 4"/>
+          <p:cNvSpPr/>
+          <p:nvPr/>
+        </p:nvSpPr>
+        <p:spPr>
+          <a:xfrm>
+            <a:off x="3846270" y="2387500"/>
+            <a:ext cx="1521735" cy="683154"/>
+          </a:xfrm>
+          <a:prstGeom prst="ellipse">
+            <a:avLst/>
+          </a:prstGeom>
+        </p:spPr>
+        <p:style>
+          <a:lnRef idx="1">
+            <a:schemeClr val="accent1"/>
+          </a:lnRef>
+          <a:fillRef idx="3">
+            <a:schemeClr val="accent1"/>
+          </a:fillRef>
+          <a:effectRef idx="2">
+            <a:schemeClr val="accent1"/>
+          </a:effectRef>
+          <a:fontRef idx="minor">
+            <a:schemeClr val="lt1"/>
+          </a:fontRef>
+        </p:style>
+        <p:txBody>
+          <a:bodyPr rtlCol="0" anchor="ctr"/>
+          <a:lstStyle/>
+          <a:p>
+            <a:pPr algn="ctr"/>
+            <a:r>
+              <a:rPr lang="en-US" sz="1400" dirty="0" smtClean="0">
+                <a:latin typeface="Courier"/>
+                <a:cs typeface="Courier"/>
+              </a:rPr>
+              <a:t>Geometry</a:t>
+            </a:r>
+            <a:endParaRPr lang="en-US" sz="1400" dirty="0">
+              <a:latin typeface="Courier"/>
+              <a:cs typeface="Courier"/>
+            </a:endParaRPr>
+          </a:p>
+        </p:txBody>
+      </p:sp>
+      <p:sp>
+        <p:nvSpPr>
+          <p:cNvPr id="6" name="Oval 5"/>
+          <p:cNvSpPr/>
+          <p:nvPr/>
+        </p:nvSpPr>
+        <p:spPr>
+          <a:xfrm>
+            <a:off x="3258589" y="968711"/>
+            <a:ext cx="2697098" cy="683154"/>
+          </a:xfrm>
+          <a:prstGeom prst="ellipse">
+            <a:avLst/>
+          </a:prstGeom>
+        </p:spPr>
+        <p:style>
+          <a:lnRef idx="2">
+            <a:schemeClr val="accent4">
+              <a:shade val="50000"/>
+            </a:schemeClr>
+          </a:lnRef>
+          <a:fillRef idx="1">
+            <a:schemeClr val="accent4"/>
+          </a:fillRef>
+          <a:effectRef idx="0">
+            <a:schemeClr val="accent4"/>
+          </a:effectRef>
+          <a:fontRef idx="minor">
+            <a:schemeClr val="lt1"/>
+          </a:fontRef>
+        </p:style>
+        <p:txBody>
+          <a:bodyPr rtlCol="0" anchor="ctr"/>
+          <a:lstStyle/>
+          <a:p>
+            <a:pPr algn="ctr"/>
+            <a:r>
+              <a:rPr lang="en-US" sz="1400" dirty="0" smtClean="0">
+                <a:latin typeface="Courier"/>
+                <a:cs typeface="Courier"/>
+              </a:rPr>
+              <a:t>GeometryInstance</a:t>
+            </a:r>
+            <a:endParaRPr lang="en-US" sz="1400" dirty="0">
+              <a:latin typeface="Courier"/>
+              <a:cs typeface="Courier"/>
+            </a:endParaRPr>
+          </a:p>
+        </p:txBody>
+      </p:sp>
+      <p:cxnSp>
+        <p:nvCxnSpPr>
+          <p:cNvPr id="12" name="Straight Arrow Connector 11"/>
+          <p:cNvCxnSpPr>
+            <a:stCxn id="6" idx="4"/>
+            <a:endCxn id="5" idx="0"/>
+          </p:cNvCxnSpPr>
+          <p:nvPr/>
+        </p:nvCxnSpPr>
+        <p:spPr>
+          <a:xfrm>
+            <a:off x="4607138" y="1651865"/>
+            <a:ext cx="0" cy="735635"/>
+          </a:xfrm>
+          <a:prstGeom prst="straightConnector1">
+            <a:avLst/>
+          </a:prstGeom>
+          <a:ln>
+            <a:tailEnd type="arrow"/>
+          </a:ln>
+        </p:spPr>
+        <p:style>
+          <a:lnRef idx="2">
+            <a:schemeClr val="accent4">
+              <a:shade val="50000"/>
+            </a:schemeClr>
+          </a:lnRef>
+          <a:fillRef idx="1">
+            <a:schemeClr val="accent4"/>
+          </a:fillRef>
+          <a:effectRef idx="0">
+            <a:schemeClr val="accent4"/>
+          </a:effectRef>
+          <a:fontRef idx="minor">
+            <a:schemeClr val="lt1"/>
+          </a:fontRef>
+        </p:style>
+      </p:cxnSp>
+      <p:sp>
+        <p:nvSpPr>
+          <p:cNvPr id="22" name="Oval 21"/>
+          <p:cNvSpPr/>
+          <p:nvPr/>
+        </p:nvSpPr>
+        <p:spPr>
+          <a:xfrm>
+            <a:off x="426327" y="955308"/>
+            <a:ext cx="2697098" cy="683154"/>
+          </a:xfrm>
+          <a:prstGeom prst="ellipse">
+            <a:avLst/>
+          </a:prstGeom>
+        </p:spPr>
+        <p:style>
+          <a:lnRef idx="2">
+            <a:schemeClr val="accent6">
+              <a:shade val="50000"/>
+            </a:schemeClr>
+          </a:lnRef>
+          <a:fillRef idx="1">
+            <a:schemeClr val="accent6"/>
+          </a:fillRef>
+          <a:effectRef idx="0">
+            <a:schemeClr val="accent6"/>
+          </a:effectRef>
+          <a:fontRef idx="minor">
+            <a:schemeClr val="lt1"/>
+          </a:fontRef>
+        </p:style>
+        <p:txBody>
+          <a:bodyPr rtlCol="0" anchor="ctr"/>
+          <a:lstStyle/>
+          <a:p>
+            <a:pPr algn="ctr"/>
+            <a:r>
+              <a:rPr lang="en-US" sz="1400" dirty="0" smtClean="0">
+                <a:latin typeface="Courier"/>
+                <a:cs typeface="Courier"/>
+              </a:rPr>
+              <a:t>GeometryInstance</a:t>
+            </a:r>
+            <a:endParaRPr lang="en-US" sz="1400" dirty="0">
+              <a:latin typeface="Courier"/>
+              <a:cs typeface="Courier"/>
+            </a:endParaRPr>
+          </a:p>
+        </p:txBody>
+      </p:sp>
+      <p:cxnSp>
+        <p:nvCxnSpPr>
+          <p:cNvPr id="23" name="Straight Arrow Connector 22"/>
+          <p:cNvCxnSpPr>
+            <a:stCxn id="22" idx="4"/>
+            <a:endCxn id="5" idx="1"/>
+          </p:cNvCxnSpPr>
+          <p:nvPr/>
+        </p:nvCxnSpPr>
+        <p:spPr>
+          <a:xfrm>
+            <a:off x="1774876" y="1638462"/>
+            <a:ext cx="2294247" cy="849084"/>
+          </a:xfrm>
+          <a:prstGeom prst="straightConnector1">
+            <a:avLst/>
+          </a:prstGeom>
+          <a:ln>
+            <a:tailEnd type="arrow"/>
+          </a:ln>
+        </p:spPr>
+        <p:style>
+          <a:lnRef idx="2">
+            <a:schemeClr val="accent6">
+              <a:shade val="50000"/>
+            </a:schemeClr>
+          </a:lnRef>
+          <a:fillRef idx="1">
+            <a:schemeClr val="accent6"/>
+          </a:fillRef>
+          <a:effectRef idx="0">
+            <a:schemeClr val="accent6"/>
+          </a:effectRef>
+          <a:fontRef idx="minor">
+            <a:schemeClr val="lt1"/>
+          </a:fontRef>
+        </p:style>
+      </p:cxnSp>
+      <p:sp>
+        <p:nvSpPr>
+          <p:cNvPr id="24" name="Oval 23"/>
+          <p:cNvSpPr/>
+          <p:nvPr/>
+        </p:nvSpPr>
+        <p:spPr>
+          <a:xfrm>
+            <a:off x="6085756" y="955308"/>
+            <a:ext cx="2697098" cy="683154"/>
+          </a:xfrm>
+          <a:prstGeom prst="ellipse">
+            <a:avLst/>
+          </a:prstGeom>
+        </p:spPr>
+        <p:style>
+          <a:lnRef idx="2">
+            <a:schemeClr val="accent2">
+              <a:shade val="50000"/>
+            </a:schemeClr>
+          </a:lnRef>
+          <a:fillRef idx="1">
+            <a:schemeClr val="accent2"/>
+          </a:fillRef>
+          <a:effectRef idx="0">
+            <a:schemeClr val="accent2"/>
+          </a:effectRef>
+          <a:fontRef idx="minor">
+            <a:schemeClr val="lt1"/>
+          </a:fontRef>
+        </p:style>
+        <p:txBody>
+          <a:bodyPr rtlCol="0" anchor="ctr"/>
+          <a:lstStyle/>
+          <a:p>
+            <a:pPr algn="ctr"/>
+            <a:r>
+              <a:rPr lang="en-US" sz="1400" dirty="0" smtClean="0">
+                <a:latin typeface="Courier"/>
+                <a:cs typeface="Courier"/>
+              </a:rPr>
+              <a:t>GeometryInstance</a:t>
+            </a:r>
+            <a:endParaRPr lang="en-US" sz="1400" dirty="0">
+              <a:latin typeface="Courier"/>
+              <a:cs typeface="Courier"/>
+            </a:endParaRPr>
+          </a:p>
+        </p:txBody>
+      </p:sp>
+      <p:cxnSp>
+        <p:nvCxnSpPr>
+          <p:cNvPr id="25" name="Straight Arrow Connector 24"/>
+          <p:cNvCxnSpPr>
+            <a:stCxn id="24" idx="4"/>
+            <a:endCxn id="5" idx="7"/>
+          </p:cNvCxnSpPr>
+          <p:nvPr/>
+        </p:nvCxnSpPr>
+        <p:spPr>
+          <a:xfrm flipH="1">
+            <a:off x="5145152" y="1638462"/>
+            <a:ext cx="2289153" cy="849084"/>
+          </a:xfrm>
+          <a:prstGeom prst="straightConnector1">
+            <a:avLst/>
+          </a:prstGeom>
+          <a:ln>
+            <a:tailEnd type="arrow"/>
+          </a:ln>
+        </p:spPr>
+        <p:style>
+          <a:lnRef idx="2">
+            <a:schemeClr val="accent2">
+              <a:shade val="50000"/>
+            </a:schemeClr>
+          </a:lnRef>
+          <a:fillRef idx="1">
+            <a:schemeClr val="accent2"/>
+          </a:fillRef>
+          <a:effectRef idx="0">
+            <a:schemeClr val="accent2"/>
+          </a:effectRef>
+          <a:fontRef idx="minor">
+            <a:schemeClr val="lt1"/>
+          </a:fontRef>
+        </p:style>
+      </p:cxnSp>
+      <p:sp>
+        <p:nvSpPr>
+          <p:cNvPr id="3" name="TextBox 2"/>
+          <p:cNvSpPr txBox="1"/>
+          <p:nvPr/>
+        </p:nvSpPr>
+        <p:spPr>
+          <a:xfrm>
+            <a:off x="401990" y="1685238"/>
+            <a:ext cx="1369799" cy="307777"/>
+          </a:xfrm>
+          <a:prstGeom prst="rect">
+            <a:avLst/>
+          </a:prstGeom>
+          <a:noFill/>
+        </p:spPr>
+        <p:txBody>
+          <a:bodyPr wrap="none" rtlCol="0">
+            <a:spAutoFit/>
+          </a:bodyPr>
+          <a:lstStyle/>
+          <a:p>
+            <a:pPr algn="r"/>
+            <a:r>
+              <a:rPr lang="en-US" sz="1400" dirty="0" smtClean="0">
+                <a:solidFill>
+                  <a:schemeClr val="accent6"/>
+                </a:solidFill>
+                <a:latin typeface="Courier"/>
+                <a:cs typeface="Courier"/>
+              </a:rPr>
+              <a:t>modelMatrix</a:t>
+            </a:r>
+            <a:endParaRPr lang="en-US" sz="1400" dirty="0">
+              <a:solidFill>
+                <a:schemeClr val="accent6"/>
+              </a:solidFill>
+              <a:latin typeface="Courier"/>
+              <a:cs typeface="Courier"/>
+            </a:endParaRPr>
+          </a:p>
+        </p:txBody>
+      </p:sp>
+      <p:sp>
+        <p:nvSpPr>
+          <p:cNvPr id="26" name="TextBox 25"/>
+          <p:cNvSpPr txBox="1"/>
+          <p:nvPr/>
+        </p:nvSpPr>
+        <p:spPr>
+          <a:xfrm>
+            <a:off x="7413065" y="1662615"/>
+            <a:ext cx="1369799" cy="307777"/>
+          </a:xfrm>
+          <a:prstGeom prst="rect">
+            <a:avLst/>
+          </a:prstGeom>
+          <a:noFill/>
+        </p:spPr>
+        <p:txBody>
+          <a:bodyPr wrap="none" rtlCol="0">
+            <a:spAutoFit/>
+          </a:bodyPr>
+          <a:lstStyle/>
+          <a:p>
+            <a:r>
+              <a:rPr lang="en-US" sz="1400" dirty="0" smtClean="0">
+                <a:solidFill>
+                  <a:schemeClr val="accent2"/>
+                </a:solidFill>
+                <a:latin typeface="Courier"/>
+                <a:cs typeface="Courier"/>
+              </a:rPr>
+              <a:t>modelMatrix</a:t>
+            </a:r>
+            <a:endParaRPr lang="en-US" sz="1400" dirty="0">
+              <a:solidFill>
+                <a:schemeClr val="accent2"/>
+              </a:solidFill>
+              <a:latin typeface="Courier"/>
+              <a:cs typeface="Courier"/>
+            </a:endParaRPr>
+          </a:p>
+        </p:txBody>
+      </p:sp>
+      <p:sp>
+        <p:nvSpPr>
+          <p:cNvPr id="27" name="TextBox 26"/>
+          <p:cNvSpPr txBox="1"/>
+          <p:nvPr/>
+        </p:nvSpPr>
+        <p:spPr>
+          <a:xfrm>
+            <a:off x="4585888" y="1685238"/>
+            <a:ext cx="1369799" cy="307777"/>
+          </a:xfrm>
+          <a:prstGeom prst="rect">
+            <a:avLst/>
+          </a:prstGeom>
+          <a:noFill/>
+        </p:spPr>
+        <p:txBody>
+          <a:bodyPr wrap="none" rtlCol="0">
+            <a:spAutoFit/>
+          </a:bodyPr>
+          <a:lstStyle/>
+          <a:p>
+            <a:r>
+              <a:rPr lang="en-US" sz="1400" dirty="0" smtClean="0">
+                <a:solidFill>
+                  <a:schemeClr val="accent4"/>
+                </a:solidFill>
+                <a:latin typeface="Courier"/>
+                <a:cs typeface="Courier"/>
+              </a:rPr>
+              <a:t>modelMatrix</a:t>
+            </a:r>
+            <a:endParaRPr lang="en-US" sz="1400" dirty="0">
+              <a:solidFill>
+                <a:schemeClr val="accent4"/>
+              </a:solidFill>
+              <a:latin typeface="Courier"/>
+              <a:cs typeface="Courier"/>
+            </a:endParaRPr>
+          </a:p>
+        </p:txBody>
+      </p:sp>
+    </p:spTree>
+    <p:extLst>
+      <p:ext uri="{BB962C8B-B14F-4D97-AF65-F5344CB8AC3E}">
+        <p14:creationId xmlns:p14="http://schemas.microsoft.com/office/powerpoint/2010/main" val="3246329162"/>
       </p:ext>
     </p:extLst>
   </p:cSld>

--- a/geometryandappearances/figures.pptx
+++ b/geometryandappearances/figures.pptx
@@ -7,6 +7,9 @@
   <p:sldIdLst>
     <p:sldId id="257" r:id="rId2"/>
     <p:sldId id="258" r:id="rId3"/>
+    <p:sldId id="259" r:id="rId4"/>
+    <p:sldId id="260" r:id="rId5"/>
+    <p:sldId id="261" r:id="rId6"/>
   </p:sldIdLst>
   <p:sldSz cx="9144000" cy="6858000" type="screen4x3"/>
   <p:notesSz cx="6858000" cy="9144000"/>
@@ -289,7 +292,7 @@
           <a:p>
             <a:fld id="{D099881E-C376-5245-9839-40D0BEEA1124}" type="datetimeFigureOut">
               <a:rPr lang="en-US" smtClean="0"/>
-              <a:t>6/24/13</a:t>
+              <a:t>6/25/13</a:t>
             </a:fld>
             <a:endParaRPr lang="en-US"/>
           </a:p>
@@ -459,7 +462,7 @@
           <a:p>
             <a:fld id="{D099881E-C376-5245-9839-40D0BEEA1124}" type="datetimeFigureOut">
               <a:rPr lang="en-US" smtClean="0"/>
-              <a:t>6/24/13</a:t>
+              <a:t>6/25/13</a:t>
             </a:fld>
             <a:endParaRPr lang="en-US"/>
           </a:p>
@@ -639,7 +642,7 @@
           <a:p>
             <a:fld id="{D099881E-C376-5245-9839-40D0BEEA1124}" type="datetimeFigureOut">
               <a:rPr lang="en-US" smtClean="0"/>
-              <a:t>6/24/13</a:t>
+              <a:t>6/25/13</a:t>
             </a:fld>
             <a:endParaRPr lang="en-US"/>
           </a:p>
@@ -809,7 +812,7 @@
           <a:p>
             <a:fld id="{D099881E-C376-5245-9839-40D0BEEA1124}" type="datetimeFigureOut">
               <a:rPr lang="en-US" smtClean="0"/>
-              <a:t>6/24/13</a:t>
+              <a:t>6/25/13</a:t>
             </a:fld>
             <a:endParaRPr lang="en-US"/>
           </a:p>
@@ -1055,7 +1058,7 @@
           <a:p>
             <a:fld id="{D099881E-C376-5245-9839-40D0BEEA1124}" type="datetimeFigureOut">
               <a:rPr lang="en-US" smtClean="0"/>
-              <a:t>6/24/13</a:t>
+              <a:t>6/25/13</a:t>
             </a:fld>
             <a:endParaRPr lang="en-US"/>
           </a:p>
@@ -1343,7 +1346,7 @@
           <a:p>
             <a:fld id="{D099881E-C376-5245-9839-40D0BEEA1124}" type="datetimeFigureOut">
               <a:rPr lang="en-US" smtClean="0"/>
-              <a:t>6/24/13</a:t>
+              <a:t>6/25/13</a:t>
             </a:fld>
             <a:endParaRPr lang="en-US"/>
           </a:p>
@@ -1765,7 +1768,7 @@
           <a:p>
             <a:fld id="{D099881E-C376-5245-9839-40D0BEEA1124}" type="datetimeFigureOut">
               <a:rPr lang="en-US" smtClean="0"/>
-              <a:t>6/24/13</a:t>
+              <a:t>6/25/13</a:t>
             </a:fld>
             <a:endParaRPr lang="en-US"/>
           </a:p>
@@ -1883,7 +1886,7 @@
           <a:p>
             <a:fld id="{D099881E-C376-5245-9839-40D0BEEA1124}" type="datetimeFigureOut">
               <a:rPr lang="en-US" smtClean="0"/>
-              <a:t>6/24/13</a:t>
+              <a:t>6/25/13</a:t>
             </a:fld>
             <a:endParaRPr lang="en-US"/>
           </a:p>
@@ -1978,7 +1981,7 @@
           <a:p>
             <a:fld id="{D099881E-C376-5245-9839-40D0BEEA1124}" type="datetimeFigureOut">
               <a:rPr lang="en-US" smtClean="0"/>
-              <a:t>6/24/13</a:t>
+              <a:t>6/25/13</a:t>
             </a:fld>
             <a:endParaRPr lang="en-US"/>
           </a:p>
@@ -2255,7 +2258,7 @@
           <a:p>
             <a:fld id="{D099881E-C376-5245-9839-40D0BEEA1124}" type="datetimeFigureOut">
               <a:rPr lang="en-US" smtClean="0"/>
-              <a:t>6/24/13</a:t>
+              <a:t>6/25/13</a:t>
             </a:fld>
             <a:endParaRPr lang="en-US"/>
           </a:p>
@@ -2508,7 +2511,7 @@
           <a:p>
             <a:fld id="{D099881E-C376-5245-9839-40D0BEEA1124}" type="datetimeFigureOut">
               <a:rPr lang="en-US" smtClean="0"/>
-              <a:t>6/24/13</a:t>
+              <a:t>6/25/13</a:t>
             </a:fld>
             <a:endParaRPr lang="en-US"/>
           </a:p>
@@ -2721,7 +2724,7 @@
           <a:p>
             <a:fld id="{D099881E-C376-5245-9839-40D0BEEA1124}" type="datetimeFigureOut">
               <a:rPr lang="en-US" smtClean="0"/>
-              <a:t>6/24/13</a:t>
+              <a:t>6/25/13</a:t>
             </a:fld>
             <a:endParaRPr lang="en-US"/>
           </a:p>
@@ -4127,6 +4130,3578 @@
     <p:extLst>
       <p:ext uri="{BB962C8B-B14F-4D97-AF65-F5344CB8AC3E}">
         <p14:creationId xmlns:p14="http://schemas.microsoft.com/office/powerpoint/2010/main" val="3246329162"/>
+      </p:ext>
+    </p:extLst>
+  </p:cSld>
+  <p:clrMapOvr>
+    <a:masterClrMapping/>
+  </p:clrMapOvr>
+</p:sld>
+</file>
+
+<file path=ppt/slides/slide3.xml><?xml version="1.0" encoding="utf-8"?>
+<p:sld xmlns:a="http://schemas.openxmlformats.org/drawingml/2006/main" xmlns:r="http://schemas.openxmlformats.org/officeDocument/2006/relationships" xmlns:p="http://schemas.openxmlformats.org/presentationml/2006/main">
+  <p:cSld>
+    <p:spTree>
+      <p:nvGrpSpPr>
+        <p:cNvPr id="1" name=""/>
+        <p:cNvGrpSpPr/>
+        <p:nvPr/>
+      </p:nvGrpSpPr>
+      <p:grpSpPr>
+        <a:xfrm>
+          <a:off x="0" y="0"/>
+          <a:ext cx="0" cy="0"/>
+          <a:chOff x="0" y="0"/>
+          <a:chExt cx="0" cy="0"/>
+        </a:xfrm>
+      </p:grpSpPr>
+      <p:sp>
+        <p:nvSpPr>
+          <p:cNvPr id="12" name="Rounded Rectangle 11"/>
+          <p:cNvSpPr/>
+          <p:nvPr/>
+        </p:nvSpPr>
+        <p:spPr>
+          <a:xfrm>
+            <a:off x="3587220" y="426536"/>
+            <a:ext cx="1856943" cy="2097572"/>
+          </a:xfrm>
+          <a:prstGeom prst="roundRect">
+            <a:avLst/>
+          </a:prstGeom>
+        </p:spPr>
+        <p:style>
+          <a:lnRef idx="1">
+            <a:schemeClr val="dk1"/>
+          </a:lnRef>
+          <a:fillRef idx="2">
+            <a:schemeClr val="dk1"/>
+          </a:fillRef>
+          <a:effectRef idx="1">
+            <a:schemeClr val="dk1"/>
+          </a:effectRef>
+          <a:fontRef idx="minor">
+            <a:schemeClr val="dk1"/>
+          </a:fontRef>
+        </p:style>
+        <p:txBody>
+          <a:bodyPr rtlCol="0" anchor="ctr"/>
+          <a:lstStyle/>
+          <a:p>
+            <a:pPr algn="ctr"/>
+            <a:endParaRPr lang="en-US"/>
+          </a:p>
+        </p:txBody>
+      </p:sp>
+      <p:sp>
+        <p:nvSpPr>
+          <p:cNvPr id="11" name="Rounded Rectangle 10"/>
+          <p:cNvSpPr/>
+          <p:nvPr/>
+        </p:nvSpPr>
+        <p:spPr>
+          <a:xfrm>
+            <a:off x="827446" y="426536"/>
+            <a:ext cx="1856943" cy="2097572"/>
+          </a:xfrm>
+          <a:prstGeom prst="roundRect">
+            <a:avLst/>
+          </a:prstGeom>
+        </p:spPr>
+        <p:style>
+          <a:lnRef idx="1">
+            <a:schemeClr val="dk1"/>
+          </a:lnRef>
+          <a:fillRef idx="2">
+            <a:schemeClr val="dk1"/>
+          </a:fillRef>
+          <a:effectRef idx="1">
+            <a:schemeClr val="dk1"/>
+          </a:effectRef>
+          <a:fontRef idx="minor">
+            <a:schemeClr val="dk1"/>
+          </a:fontRef>
+        </p:style>
+        <p:txBody>
+          <a:bodyPr rtlCol="0" anchor="ctr"/>
+          <a:lstStyle/>
+          <a:p>
+            <a:pPr algn="ctr"/>
+            <a:endParaRPr lang="en-US"/>
+          </a:p>
+        </p:txBody>
+      </p:sp>
+      <p:sp>
+        <p:nvSpPr>
+          <p:cNvPr id="4" name="TextBox 3"/>
+          <p:cNvSpPr txBox="1"/>
+          <p:nvPr/>
+        </p:nvSpPr>
+        <p:spPr>
+          <a:xfrm>
+            <a:off x="1231548" y="426536"/>
+            <a:ext cx="1046581" cy="307777"/>
+          </a:xfrm>
+          <a:prstGeom prst="rect">
+            <a:avLst/>
+          </a:prstGeom>
+          <a:noFill/>
+        </p:spPr>
+        <p:txBody>
+          <a:bodyPr wrap="none" rtlCol="0">
+            <a:spAutoFit/>
+          </a:bodyPr>
+          <a:lstStyle/>
+          <a:p>
+            <a:r>
+              <a:rPr lang="en-US" sz="1400" dirty="0" smtClean="0">
+                <a:latin typeface="Courier"/>
+                <a:cs typeface="Courier"/>
+              </a:rPr>
+              <a:t>Geometry</a:t>
+            </a:r>
+            <a:endParaRPr lang="en-US" sz="1400" dirty="0">
+              <a:latin typeface="Courier"/>
+              <a:cs typeface="Courier"/>
+            </a:endParaRPr>
+          </a:p>
+        </p:txBody>
+      </p:sp>
+      <p:sp>
+        <p:nvSpPr>
+          <p:cNvPr id="5" name="TextBox 4"/>
+          <p:cNvSpPr txBox="1"/>
+          <p:nvPr/>
+        </p:nvSpPr>
+        <p:spPr>
+          <a:xfrm>
+            <a:off x="3884662" y="426536"/>
+            <a:ext cx="1262059" cy="307777"/>
+          </a:xfrm>
+          <a:prstGeom prst="rect">
+            <a:avLst/>
+          </a:prstGeom>
+          <a:noFill/>
+        </p:spPr>
+        <p:txBody>
+          <a:bodyPr wrap="none" rtlCol="0">
+            <a:spAutoFit/>
+          </a:bodyPr>
+          <a:lstStyle/>
+          <a:p>
+            <a:r>
+              <a:rPr lang="en-US" sz="1400" dirty="0" smtClean="0">
+                <a:latin typeface="Courier"/>
+                <a:cs typeface="Courier"/>
+              </a:rPr>
+              <a:t>Appearance</a:t>
+            </a:r>
+            <a:endParaRPr lang="en-US" sz="1400" dirty="0">
+              <a:latin typeface="Courier"/>
+              <a:cs typeface="Courier"/>
+            </a:endParaRPr>
+          </a:p>
+        </p:txBody>
+      </p:sp>
+      <p:sp>
+        <p:nvSpPr>
+          <p:cNvPr id="6" name="TextBox 5"/>
+          <p:cNvSpPr txBox="1"/>
+          <p:nvPr/>
+        </p:nvSpPr>
+        <p:spPr>
+          <a:xfrm>
+            <a:off x="1451298" y="1011921"/>
+            <a:ext cx="1046581" cy="307777"/>
+          </a:xfrm>
+          <a:prstGeom prst="rect">
+            <a:avLst/>
+          </a:prstGeom>
+        </p:spPr>
+        <p:style>
+          <a:lnRef idx="2">
+            <a:schemeClr val="accent1">
+              <a:shade val="50000"/>
+            </a:schemeClr>
+          </a:lnRef>
+          <a:fillRef idx="1">
+            <a:schemeClr val="accent1"/>
+          </a:fillRef>
+          <a:effectRef idx="0">
+            <a:schemeClr val="accent1"/>
+          </a:effectRef>
+          <a:fontRef idx="minor">
+            <a:schemeClr val="lt1"/>
+          </a:fontRef>
+        </p:style>
+        <p:txBody>
+          <a:bodyPr wrap="none" rtlCol="0">
+            <a:spAutoFit/>
+          </a:bodyPr>
+          <a:lstStyle/>
+          <a:p>
+            <a:pPr algn="r"/>
+            <a:r>
+              <a:rPr lang="en-US" sz="1400" dirty="0" smtClean="0">
+                <a:latin typeface="Courier"/>
+                <a:cs typeface="Courier"/>
+              </a:rPr>
+              <a:t>position</a:t>
+            </a:r>
+            <a:endParaRPr lang="en-US" sz="1400" dirty="0">
+              <a:latin typeface="Courier"/>
+              <a:cs typeface="Courier"/>
+            </a:endParaRPr>
+          </a:p>
+        </p:txBody>
+      </p:sp>
+      <p:sp>
+        <p:nvSpPr>
+          <p:cNvPr id="7" name="TextBox 6"/>
+          <p:cNvSpPr txBox="1"/>
+          <p:nvPr/>
+        </p:nvSpPr>
+        <p:spPr>
+          <a:xfrm>
+            <a:off x="1666777" y="1449630"/>
+            <a:ext cx="831102" cy="307777"/>
+          </a:xfrm>
+          <a:prstGeom prst="rect">
+            <a:avLst/>
+          </a:prstGeom>
+        </p:spPr>
+        <p:style>
+          <a:lnRef idx="2">
+            <a:schemeClr val="accent1">
+              <a:shade val="50000"/>
+            </a:schemeClr>
+          </a:lnRef>
+          <a:fillRef idx="1">
+            <a:schemeClr val="accent1"/>
+          </a:fillRef>
+          <a:effectRef idx="0">
+            <a:schemeClr val="accent1"/>
+          </a:effectRef>
+          <a:fontRef idx="minor">
+            <a:schemeClr val="lt1"/>
+          </a:fontRef>
+        </p:style>
+        <p:txBody>
+          <a:bodyPr wrap="none" rtlCol="0">
+            <a:spAutoFit/>
+          </a:bodyPr>
+          <a:lstStyle/>
+          <a:p>
+            <a:pPr algn="r"/>
+            <a:r>
+              <a:rPr lang="en-US" sz="1400" dirty="0" smtClean="0">
+                <a:latin typeface="Courier"/>
+                <a:cs typeface="Courier"/>
+              </a:rPr>
+              <a:t>normal</a:t>
+            </a:r>
+            <a:endParaRPr lang="en-US" sz="1400" dirty="0">
+              <a:latin typeface="Courier"/>
+              <a:cs typeface="Courier"/>
+            </a:endParaRPr>
+          </a:p>
+        </p:txBody>
+      </p:sp>
+      <p:sp>
+        <p:nvSpPr>
+          <p:cNvPr id="8" name="TextBox 7"/>
+          <p:cNvSpPr txBox="1"/>
+          <p:nvPr/>
+        </p:nvSpPr>
+        <p:spPr>
+          <a:xfrm>
+            <a:off x="2097734" y="1917582"/>
+            <a:ext cx="400145" cy="307777"/>
+          </a:xfrm>
+          <a:prstGeom prst="rect">
+            <a:avLst/>
+          </a:prstGeom>
+        </p:spPr>
+        <p:style>
+          <a:lnRef idx="2">
+            <a:schemeClr val="accent2">
+              <a:shade val="50000"/>
+            </a:schemeClr>
+          </a:lnRef>
+          <a:fillRef idx="1">
+            <a:schemeClr val="accent2"/>
+          </a:fillRef>
+          <a:effectRef idx="0">
+            <a:schemeClr val="accent2"/>
+          </a:effectRef>
+          <a:fontRef idx="minor">
+            <a:schemeClr val="lt1"/>
+          </a:fontRef>
+        </p:style>
+        <p:txBody>
+          <a:bodyPr wrap="none" rtlCol="0">
+            <a:spAutoFit/>
+          </a:bodyPr>
+          <a:lstStyle/>
+          <a:p>
+            <a:pPr algn="r"/>
+            <a:r>
+              <a:rPr lang="en-US" sz="1400" dirty="0" smtClean="0">
+                <a:latin typeface="Courier"/>
+                <a:cs typeface="Courier"/>
+              </a:rPr>
+              <a:t>st</a:t>
+            </a:r>
+            <a:endParaRPr lang="en-US" sz="1400" dirty="0">
+              <a:latin typeface="Courier"/>
+              <a:cs typeface="Courier"/>
+            </a:endParaRPr>
+          </a:p>
+        </p:txBody>
+      </p:sp>
+      <p:sp>
+        <p:nvSpPr>
+          <p:cNvPr id="9" name="TextBox 8"/>
+          <p:cNvSpPr txBox="1"/>
+          <p:nvPr/>
+        </p:nvSpPr>
+        <p:spPr>
+          <a:xfrm>
+            <a:off x="3768527" y="1011921"/>
+            <a:ext cx="1046581" cy="307777"/>
+          </a:xfrm>
+          <a:prstGeom prst="rect">
+            <a:avLst/>
+          </a:prstGeom>
+        </p:spPr>
+        <p:style>
+          <a:lnRef idx="2">
+            <a:schemeClr val="accent1">
+              <a:shade val="50000"/>
+            </a:schemeClr>
+          </a:lnRef>
+          <a:fillRef idx="1">
+            <a:schemeClr val="accent1"/>
+          </a:fillRef>
+          <a:effectRef idx="0">
+            <a:schemeClr val="accent1"/>
+          </a:effectRef>
+          <a:fontRef idx="minor">
+            <a:schemeClr val="lt1"/>
+          </a:fontRef>
+        </p:style>
+        <p:txBody>
+          <a:bodyPr wrap="none" rtlCol="0">
+            <a:spAutoFit/>
+          </a:bodyPr>
+          <a:lstStyle/>
+          <a:p>
+            <a:r>
+              <a:rPr lang="en-US" sz="1400" dirty="0" smtClean="0">
+                <a:latin typeface="Courier"/>
+                <a:cs typeface="Courier"/>
+              </a:rPr>
+              <a:t>position</a:t>
+            </a:r>
+            <a:endParaRPr lang="en-US" sz="1400" dirty="0">
+              <a:latin typeface="Courier"/>
+              <a:cs typeface="Courier"/>
+            </a:endParaRPr>
+          </a:p>
+        </p:txBody>
+      </p:sp>
+      <p:sp>
+        <p:nvSpPr>
+          <p:cNvPr id="10" name="TextBox 9"/>
+          <p:cNvSpPr txBox="1"/>
+          <p:nvPr/>
+        </p:nvSpPr>
+        <p:spPr>
+          <a:xfrm>
+            <a:off x="3768527" y="1449630"/>
+            <a:ext cx="831102" cy="307777"/>
+          </a:xfrm>
+          <a:prstGeom prst="rect">
+            <a:avLst/>
+          </a:prstGeom>
+        </p:spPr>
+        <p:style>
+          <a:lnRef idx="2">
+            <a:schemeClr val="accent1">
+              <a:shade val="50000"/>
+            </a:schemeClr>
+          </a:lnRef>
+          <a:fillRef idx="1">
+            <a:schemeClr val="accent1"/>
+          </a:fillRef>
+          <a:effectRef idx="0">
+            <a:schemeClr val="accent1"/>
+          </a:effectRef>
+          <a:fontRef idx="minor">
+            <a:schemeClr val="lt1"/>
+          </a:fontRef>
+        </p:style>
+        <p:txBody>
+          <a:bodyPr wrap="none" rtlCol="0">
+            <a:spAutoFit/>
+          </a:bodyPr>
+          <a:lstStyle/>
+          <a:p>
+            <a:r>
+              <a:rPr lang="en-US" sz="1400" dirty="0" smtClean="0">
+                <a:latin typeface="Courier"/>
+                <a:cs typeface="Courier"/>
+              </a:rPr>
+              <a:t>normal</a:t>
+            </a:r>
+            <a:endParaRPr lang="en-US" sz="1400" dirty="0">
+              <a:latin typeface="Courier"/>
+              <a:cs typeface="Courier"/>
+            </a:endParaRPr>
+          </a:p>
+        </p:txBody>
+      </p:sp>
+      <p:cxnSp>
+        <p:nvCxnSpPr>
+          <p:cNvPr id="14" name="Straight Arrow Connector 13"/>
+          <p:cNvCxnSpPr>
+            <a:stCxn id="6" idx="3"/>
+          </p:cNvCxnSpPr>
+          <p:nvPr/>
+        </p:nvCxnSpPr>
+        <p:spPr>
+          <a:xfrm>
+            <a:off x="2497879" y="1165810"/>
+            <a:ext cx="1270648" cy="1612"/>
+          </a:xfrm>
+          <a:prstGeom prst="straightConnector1">
+            <a:avLst/>
+          </a:prstGeom>
+          <a:ln>
+            <a:tailEnd type="arrow"/>
+          </a:ln>
+        </p:spPr>
+        <p:style>
+          <a:lnRef idx="2">
+            <a:schemeClr val="accent1"/>
+          </a:lnRef>
+          <a:fillRef idx="0">
+            <a:schemeClr val="accent1"/>
+          </a:fillRef>
+          <a:effectRef idx="1">
+            <a:schemeClr val="accent1"/>
+          </a:effectRef>
+          <a:fontRef idx="minor">
+            <a:schemeClr val="tx1"/>
+          </a:fontRef>
+        </p:style>
+      </p:cxnSp>
+      <p:cxnSp>
+        <p:nvCxnSpPr>
+          <p:cNvPr id="16" name="Straight Arrow Connector 15"/>
+          <p:cNvCxnSpPr>
+            <a:stCxn id="7" idx="3"/>
+            <a:endCxn id="10" idx="1"/>
+          </p:cNvCxnSpPr>
+          <p:nvPr/>
+        </p:nvCxnSpPr>
+        <p:spPr>
+          <a:xfrm>
+            <a:off x="2497879" y="1603519"/>
+            <a:ext cx="1270648" cy="0"/>
+          </a:xfrm>
+          <a:prstGeom prst="straightConnector1">
+            <a:avLst/>
+          </a:prstGeom>
+          <a:ln>
+            <a:tailEnd type="arrow"/>
+          </a:ln>
+        </p:spPr>
+        <p:style>
+          <a:lnRef idx="2">
+            <a:schemeClr val="accent1"/>
+          </a:lnRef>
+          <a:fillRef idx="0">
+            <a:schemeClr val="accent1"/>
+          </a:fillRef>
+          <a:effectRef idx="1">
+            <a:schemeClr val="accent1"/>
+          </a:effectRef>
+          <a:fontRef idx="minor">
+            <a:schemeClr val="tx1"/>
+          </a:fontRef>
+        </p:style>
+      </p:cxnSp>
+      <p:cxnSp>
+        <p:nvCxnSpPr>
+          <p:cNvPr id="18" name="Straight Arrow Connector 17"/>
+          <p:cNvCxnSpPr>
+            <a:stCxn id="8" idx="3"/>
+          </p:cNvCxnSpPr>
+          <p:nvPr/>
+        </p:nvCxnSpPr>
+        <p:spPr>
+          <a:xfrm>
+            <a:off x="2497879" y="2071471"/>
+            <a:ext cx="407804" cy="0"/>
+          </a:xfrm>
+          <a:prstGeom prst="straightConnector1">
+            <a:avLst/>
+          </a:prstGeom>
+          <a:ln>
+            <a:tailEnd type="arrow"/>
+          </a:ln>
+        </p:spPr>
+        <p:style>
+          <a:lnRef idx="2">
+            <a:schemeClr val="accent2"/>
+          </a:lnRef>
+          <a:fillRef idx="0">
+            <a:schemeClr val="accent2"/>
+          </a:fillRef>
+          <a:effectRef idx="1">
+            <a:schemeClr val="accent2"/>
+          </a:effectRef>
+          <a:fontRef idx="minor">
+            <a:schemeClr val="tx1"/>
+          </a:fontRef>
+        </p:style>
+      </p:cxnSp>
+      <p:sp>
+        <p:nvSpPr>
+          <p:cNvPr id="19" name="TextBox 18"/>
+          <p:cNvSpPr txBox="1"/>
+          <p:nvPr/>
+        </p:nvSpPr>
+        <p:spPr>
+          <a:xfrm>
+            <a:off x="2876820" y="1917582"/>
+            <a:ext cx="400145" cy="307777"/>
+          </a:xfrm>
+          <a:prstGeom prst="rect">
+            <a:avLst/>
+          </a:prstGeom>
+          <a:noFill/>
+        </p:spPr>
+        <p:txBody>
+          <a:bodyPr wrap="none" rtlCol="0">
+            <a:spAutoFit/>
+          </a:bodyPr>
+          <a:lstStyle/>
+          <a:p>
+            <a:r>
+              <a:rPr lang="en-US" sz="1400" dirty="0" smtClean="0">
+                <a:latin typeface="Courier"/>
+                <a:cs typeface="Courier"/>
+              </a:rPr>
+              <a:t>OK</a:t>
+            </a:r>
+            <a:endParaRPr lang="en-US" sz="1400" dirty="0">
+              <a:latin typeface="Courier"/>
+              <a:cs typeface="Courier"/>
+            </a:endParaRPr>
+          </a:p>
+        </p:txBody>
+      </p:sp>
+      <p:sp>
+        <p:nvSpPr>
+          <p:cNvPr id="21" name="Rounded Rectangle 20"/>
+          <p:cNvSpPr/>
+          <p:nvPr/>
+        </p:nvSpPr>
+        <p:spPr>
+          <a:xfrm>
+            <a:off x="3587220" y="3600208"/>
+            <a:ext cx="1856943" cy="2097572"/>
+          </a:xfrm>
+          <a:prstGeom prst="roundRect">
+            <a:avLst/>
+          </a:prstGeom>
+        </p:spPr>
+        <p:style>
+          <a:lnRef idx="1">
+            <a:schemeClr val="dk1"/>
+          </a:lnRef>
+          <a:fillRef idx="2">
+            <a:schemeClr val="dk1"/>
+          </a:fillRef>
+          <a:effectRef idx="1">
+            <a:schemeClr val="dk1"/>
+          </a:effectRef>
+          <a:fontRef idx="minor">
+            <a:schemeClr val="dk1"/>
+          </a:fontRef>
+        </p:style>
+        <p:txBody>
+          <a:bodyPr rtlCol="0" anchor="ctr"/>
+          <a:lstStyle/>
+          <a:p>
+            <a:pPr algn="ctr"/>
+            <a:endParaRPr lang="en-US"/>
+          </a:p>
+        </p:txBody>
+      </p:sp>
+      <p:sp>
+        <p:nvSpPr>
+          <p:cNvPr id="22" name="Rounded Rectangle 21"/>
+          <p:cNvSpPr/>
+          <p:nvPr/>
+        </p:nvSpPr>
+        <p:spPr>
+          <a:xfrm>
+            <a:off x="827446" y="3600208"/>
+            <a:ext cx="1856943" cy="2097572"/>
+          </a:xfrm>
+          <a:prstGeom prst="roundRect">
+            <a:avLst/>
+          </a:prstGeom>
+        </p:spPr>
+        <p:style>
+          <a:lnRef idx="1">
+            <a:schemeClr val="dk1"/>
+          </a:lnRef>
+          <a:fillRef idx="2">
+            <a:schemeClr val="dk1"/>
+          </a:fillRef>
+          <a:effectRef idx="1">
+            <a:schemeClr val="dk1"/>
+          </a:effectRef>
+          <a:fontRef idx="minor">
+            <a:schemeClr val="dk1"/>
+          </a:fontRef>
+        </p:style>
+        <p:txBody>
+          <a:bodyPr rtlCol="0" anchor="ctr"/>
+          <a:lstStyle/>
+          <a:p>
+            <a:pPr algn="ctr"/>
+            <a:endParaRPr lang="en-US"/>
+          </a:p>
+        </p:txBody>
+      </p:sp>
+      <p:sp>
+        <p:nvSpPr>
+          <p:cNvPr id="23" name="TextBox 22"/>
+          <p:cNvSpPr txBox="1"/>
+          <p:nvPr/>
+        </p:nvSpPr>
+        <p:spPr>
+          <a:xfrm>
+            <a:off x="1231548" y="3600208"/>
+            <a:ext cx="1046581" cy="307777"/>
+          </a:xfrm>
+          <a:prstGeom prst="rect">
+            <a:avLst/>
+          </a:prstGeom>
+          <a:noFill/>
+        </p:spPr>
+        <p:txBody>
+          <a:bodyPr wrap="none" rtlCol="0">
+            <a:spAutoFit/>
+          </a:bodyPr>
+          <a:lstStyle/>
+          <a:p>
+            <a:r>
+              <a:rPr lang="en-US" sz="1400" dirty="0" smtClean="0">
+                <a:latin typeface="Courier"/>
+                <a:cs typeface="Courier"/>
+              </a:rPr>
+              <a:t>Geometry</a:t>
+            </a:r>
+            <a:endParaRPr lang="en-US" sz="1400" dirty="0">
+              <a:latin typeface="Courier"/>
+              <a:cs typeface="Courier"/>
+            </a:endParaRPr>
+          </a:p>
+        </p:txBody>
+      </p:sp>
+      <p:sp>
+        <p:nvSpPr>
+          <p:cNvPr id="24" name="TextBox 23"/>
+          <p:cNvSpPr txBox="1"/>
+          <p:nvPr/>
+        </p:nvSpPr>
+        <p:spPr>
+          <a:xfrm>
+            <a:off x="3884662" y="3600208"/>
+            <a:ext cx="1262059" cy="307777"/>
+          </a:xfrm>
+          <a:prstGeom prst="rect">
+            <a:avLst/>
+          </a:prstGeom>
+          <a:noFill/>
+        </p:spPr>
+        <p:txBody>
+          <a:bodyPr wrap="none" rtlCol="0">
+            <a:spAutoFit/>
+          </a:bodyPr>
+          <a:lstStyle/>
+          <a:p>
+            <a:r>
+              <a:rPr lang="en-US" sz="1400" dirty="0" smtClean="0">
+                <a:latin typeface="Courier"/>
+                <a:cs typeface="Courier"/>
+              </a:rPr>
+              <a:t>Appearance</a:t>
+            </a:r>
+            <a:endParaRPr lang="en-US" sz="1400" dirty="0">
+              <a:latin typeface="Courier"/>
+              <a:cs typeface="Courier"/>
+            </a:endParaRPr>
+          </a:p>
+        </p:txBody>
+      </p:sp>
+      <p:sp>
+        <p:nvSpPr>
+          <p:cNvPr id="25" name="TextBox 24"/>
+          <p:cNvSpPr txBox="1"/>
+          <p:nvPr/>
+        </p:nvSpPr>
+        <p:spPr>
+          <a:xfrm>
+            <a:off x="1451298" y="4185593"/>
+            <a:ext cx="1046581" cy="307777"/>
+          </a:xfrm>
+          <a:prstGeom prst="rect">
+            <a:avLst/>
+          </a:prstGeom>
+        </p:spPr>
+        <p:style>
+          <a:lnRef idx="2">
+            <a:schemeClr val="accent1">
+              <a:shade val="50000"/>
+            </a:schemeClr>
+          </a:lnRef>
+          <a:fillRef idx="1">
+            <a:schemeClr val="accent1"/>
+          </a:fillRef>
+          <a:effectRef idx="0">
+            <a:schemeClr val="accent1"/>
+          </a:effectRef>
+          <a:fontRef idx="minor">
+            <a:schemeClr val="lt1"/>
+          </a:fontRef>
+        </p:style>
+        <p:txBody>
+          <a:bodyPr wrap="none" rtlCol="0">
+            <a:spAutoFit/>
+          </a:bodyPr>
+          <a:lstStyle/>
+          <a:p>
+            <a:pPr algn="r"/>
+            <a:r>
+              <a:rPr lang="en-US" sz="1400" dirty="0" smtClean="0">
+                <a:latin typeface="Courier"/>
+                <a:cs typeface="Courier"/>
+              </a:rPr>
+              <a:t>position</a:t>
+            </a:r>
+            <a:endParaRPr lang="en-US" sz="1400" dirty="0">
+              <a:latin typeface="Courier"/>
+              <a:cs typeface="Courier"/>
+            </a:endParaRPr>
+          </a:p>
+        </p:txBody>
+      </p:sp>
+      <p:sp>
+        <p:nvSpPr>
+          <p:cNvPr id="26" name="TextBox 25"/>
+          <p:cNvSpPr txBox="1"/>
+          <p:nvPr/>
+        </p:nvSpPr>
+        <p:spPr>
+          <a:xfrm>
+            <a:off x="1666777" y="4623302"/>
+            <a:ext cx="831102" cy="307777"/>
+          </a:xfrm>
+          <a:prstGeom prst="rect">
+            <a:avLst/>
+          </a:prstGeom>
+        </p:spPr>
+        <p:style>
+          <a:lnRef idx="2">
+            <a:schemeClr val="accent1">
+              <a:shade val="50000"/>
+            </a:schemeClr>
+          </a:lnRef>
+          <a:fillRef idx="1">
+            <a:schemeClr val="accent1"/>
+          </a:fillRef>
+          <a:effectRef idx="0">
+            <a:schemeClr val="accent1"/>
+          </a:effectRef>
+          <a:fontRef idx="minor">
+            <a:schemeClr val="lt1"/>
+          </a:fontRef>
+        </p:style>
+        <p:txBody>
+          <a:bodyPr wrap="none" rtlCol="0">
+            <a:spAutoFit/>
+          </a:bodyPr>
+          <a:lstStyle/>
+          <a:p>
+            <a:pPr algn="r"/>
+            <a:r>
+              <a:rPr lang="en-US" sz="1400" dirty="0" smtClean="0">
+                <a:latin typeface="Courier"/>
+                <a:cs typeface="Courier"/>
+              </a:rPr>
+              <a:t>normal</a:t>
+            </a:r>
+            <a:endParaRPr lang="en-US" sz="1400" dirty="0">
+              <a:latin typeface="Courier"/>
+              <a:cs typeface="Courier"/>
+            </a:endParaRPr>
+          </a:p>
+        </p:txBody>
+      </p:sp>
+      <p:sp>
+        <p:nvSpPr>
+          <p:cNvPr id="27" name="TextBox 26"/>
+          <p:cNvSpPr txBox="1"/>
+          <p:nvPr/>
+        </p:nvSpPr>
+        <p:spPr>
+          <a:xfrm>
+            <a:off x="3768527" y="5091254"/>
+            <a:ext cx="400145" cy="307777"/>
+          </a:xfrm>
+          <a:prstGeom prst="rect">
+            <a:avLst/>
+          </a:prstGeom>
+        </p:spPr>
+        <p:style>
+          <a:lnRef idx="2">
+            <a:schemeClr val="accent2">
+              <a:shade val="50000"/>
+            </a:schemeClr>
+          </a:lnRef>
+          <a:fillRef idx="1">
+            <a:schemeClr val="accent2"/>
+          </a:fillRef>
+          <a:effectRef idx="0">
+            <a:schemeClr val="accent2"/>
+          </a:effectRef>
+          <a:fontRef idx="minor">
+            <a:schemeClr val="lt1"/>
+          </a:fontRef>
+        </p:style>
+        <p:txBody>
+          <a:bodyPr wrap="none" rtlCol="0">
+            <a:spAutoFit/>
+          </a:bodyPr>
+          <a:lstStyle/>
+          <a:p>
+            <a:pPr algn="r"/>
+            <a:r>
+              <a:rPr lang="en-US" sz="1400" dirty="0" smtClean="0">
+                <a:latin typeface="Courier"/>
+                <a:cs typeface="Courier"/>
+              </a:rPr>
+              <a:t>st</a:t>
+            </a:r>
+            <a:endParaRPr lang="en-US" sz="1400" dirty="0">
+              <a:latin typeface="Courier"/>
+              <a:cs typeface="Courier"/>
+            </a:endParaRPr>
+          </a:p>
+        </p:txBody>
+      </p:sp>
+      <p:sp>
+        <p:nvSpPr>
+          <p:cNvPr id="28" name="TextBox 27"/>
+          <p:cNvSpPr txBox="1"/>
+          <p:nvPr/>
+        </p:nvSpPr>
+        <p:spPr>
+          <a:xfrm>
+            <a:off x="3768527" y="4185593"/>
+            <a:ext cx="1046581" cy="307777"/>
+          </a:xfrm>
+          <a:prstGeom prst="rect">
+            <a:avLst/>
+          </a:prstGeom>
+        </p:spPr>
+        <p:style>
+          <a:lnRef idx="2">
+            <a:schemeClr val="accent1">
+              <a:shade val="50000"/>
+            </a:schemeClr>
+          </a:lnRef>
+          <a:fillRef idx="1">
+            <a:schemeClr val="accent1"/>
+          </a:fillRef>
+          <a:effectRef idx="0">
+            <a:schemeClr val="accent1"/>
+          </a:effectRef>
+          <a:fontRef idx="minor">
+            <a:schemeClr val="lt1"/>
+          </a:fontRef>
+        </p:style>
+        <p:txBody>
+          <a:bodyPr wrap="none" rtlCol="0">
+            <a:spAutoFit/>
+          </a:bodyPr>
+          <a:lstStyle/>
+          <a:p>
+            <a:r>
+              <a:rPr lang="en-US" sz="1400" dirty="0" smtClean="0">
+                <a:latin typeface="Courier"/>
+                <a:cs typeface="Courier"/>
+              </a:rPr>
+              <a:t>position</a:t>
+            </a:r>
+            <a:endParaRPr lang="en-US" sz="1400" dirty="0">
+              <a:latin typeface="Courier"/>
+              <a:cs typeface="Courier"/>
+            </a:endParaRPr>
+          </a:p>
+        </p:txBody>
+      </p:sp>
+      <p:sp>
+        <p:nvSpPr>
+          <p:cNvPr id="29" name="TextBox 28"/>
+          <p:cNvSpPr txBox="1"/>
+          <p:nvPr/>
+        </p:nvSpPr>
+        <p:spPr>
+          <a:xfrm>
+            <a:off x="3768527" y="4623302"/>
+            <a:ext cx="831102" cy="307777"/>
+          </a:xfrm>
+          <a:prstGeom prst="rect">
+            <a:avLst/>
+          </a:prstGeom>
+        </p:spPr>
+        <p:style>
+          <a:lnRef idx="2">
+            <a:schemeClr val="accent1">
+              <a:shade val="50000"/>
+            </a:schemeClr>
+          </a:lnRef>
+          <a:fillRef idx="1">
+            <a:schemeClr val="accent1"/>
+          </a:fillRef>
+          <a:effectRef idx="0">
+            <a:schemeClr val="accent1"/>
+          </a:effectRef>
+          <a:fontRef idx="minor">
+            <a:schemeClr val="lt1"/>
+          </a:fontRef>
+        </p:style>
+        <p:txBody>
+          <a:bodyPr wrap="none" rtlCol="0">
+            <a:spAutoFit/>
+          </a:bodyPr>
+          <a:lstStyle/>
+          <a:p>
+            <a:r>
+              <a:rPr lang="en-US" sz="1400" dirty="0" smtClean="0">
+                <a:latin typeface="Courier"/>
+                <a:cs typeface="Courier"/>
+              </a:rPr>
+              <a:t>normal</a:t>
+            </a:r>
+            <a:endParaRPr lang="en-US" sz="1400" dirty="0">
+              <a:latin typeface="Courier"/>
+              <a:cs typeface="Courier"/>
+            </a:endParaRPr>
+          </a:p>
+        </p:txBody>
+      </p:sp>
+      <p:cxnSp>
+        <p:nvCxnSpPr>
+          <p:cNvPr id="30" name="Straight Arrow Connector 29"/>
+          <p:cNvCxnSpPr>
+            <a:stCxn id="25" idx="3"/>
+          </p:cNvCxnSpPr>
+          <p:nvPr/>
+        </p:nvCxnSpPr>
+        <p:spPr>
+          <a:xfrm>
+            <a:off x="2497879" y="4339482"/>
+            <a:ext cx="1270648" cy="1612"/>
+          </a:xfrm>
+          <a:prstGeom prst="straightConnector1">
+            <a:avLst/>
+          </a:prstGeom>
+          <a:ln>
+            <a:tailEnd type="arrow"/>
+          </a:ln>
+        </p:spPr>
+        <p:style>
+          <a:lnRef idx="2">
+            <a:schemeClr val="accent1"/>
+          </a:lnRef>
+          <a:fillRef idx="0">
+            <a:schemeClr val="accent1"/>
+          </a:fillRef>
+          <a:effectRef idx="1">
+            <a:schemeClr val="accent1"/>
+          </a:effectRef>
+          <a:fontRef idx="minor">
+            <a:schemeClr val="tx1"/>
+          </a:fontRef>
+        </p:style>
+      </p:cxnSp>
+      <p:cxnSp>
+        <p:nvCxnSpPr>
+          <p:cNvPr id="31" name="Straight Arrow Connector 30"/>
+          <p:cNvCxnSpPr>
+            <a:stCxn id="26" idx="3"/>
+            <a:endCxn id="29" idx="1"/>
+          </p:cNvCxnSpPr>
+          <p:nvPr/>
+        </p:nvCxnSpPr>
+        <p:spPr>
+          <a:xfrm>
+            <a:off x="2497879" y="4777191"/>
+            <a:ext cx="1270648" cy="0"/>
+          </a:xfrm>
+          <a:prstGeom prst="straightConnector1">
+            <a:avLst/>
+          </a:prstGeom>
+          <a:ln>
+            <a:tailEnd type="arrow"/>
+          </a:ln>
+        </p:spPr>
+        <p:style>
+          <a:lnRef idx="2">
+            <a:schemeClr val="accent1"/>
+          </a:lnRef>
+          <a:fillRef idx="0">
+            <a:schemeClr val="accent1"/>
+          </a:fillRef>
+          <a:effectRef idx="1">
+            <a:schemeClr val="accent1"/>
+          </a:effectRef>
+          <a:fontRef idx="minor">
+            <a:schemeClr val="tx1"/>
+          </a:fontRef>
+        </p:style>
+      </p:cxnSp>
+      <p:cxnSp>
+        <p:nvCxnSpPr>
+          <p:cNvPr id="32" name="Straight Arrow Connector 31"/>
+          <p:cNvCxnSpPr/>
+          <p:nvPr/>
+        </p:nvCxnSpPr>
+        <p:spPr>
+          <a:xfrm>
+            <a:off x="3352350" y="5245143"/>
+            <a:ext cx="407804" cy="0"/>
+          </a:xfrm>
+          <a:prstGeom prst="straightConnector1">
+            <a:avLst/>
+          </a:prstGeom>
+          <a:ln>
+            <a:tailEnd type="arrow"/>
+          </a:ln>
+        </p:spPr>
+        <p:style>
+          <a:lnRef idx="2">
+            <a:schemeClr val="accent2"/>
+          </a:lnRef>
+          <a:fillRef idx="0">
+            <a:schemeClr val="accent2"/>
+          </a:fillRef>
+          <a:effectRef idx="1">
+            <a:schemeClr val="accent2"/>
+          </a:effectRef>
+          <a:fontRef idx="minor">
+            <a:schemeClr val="tx1"/>
+          </a:fontRef>
+        </p:style>
+      </p:cxnSp>
+      <p:sp>
+        <p:nvSpPr>
+          <p:cNvPr id="33" name="TextBox 32"/>
+          <p:cNvSpPr txBox="1"/>
+          <p:nvPr/>
+        </p:nvSpPr>
+        <p:spPr>
+          <a:xfrm>
+            <a:off x="2876820" y="4985412"/>
+            <a:ext cx="507884" cy="523220"/>
+          </a:xfrm>
+          <a:prstGeom prst="rect">
+            <a:avLst/>
+          </a:prstGeom>
+          <a:noFill/>
+        </p:spPr>
+        <p:txBody>
+          <a:bodyPr wrap="none" rtlCol="0">
+            <a:spAutoFit/>
+          </a:bodyPr>
+          <a:lstStyle/>
+          <a:p>
+            <a:pPr algn="ctr"/>
+            <a:r>
+              <a:rPr lang="en-US" sz="1400" dirty="0" smtClean="0">
+                <a:latin typeface="Courier"/>
+                <a:cs typeface="Courier"/>
+              </a:rPr>
+              <a:t>Not</a:t>
+            </a:r>
+          </a:p>
+          <a:p>
+            <a:pPr algn="ctr"/>
+            <a:r>
+              <a:rPr lang="en-US" sz="1400" dirty="0" smtClean="0">
+                <a:latin typeface="Courier"/>
+                <a:cs typeface="Courier"/>
+              </a:rPr>
+              <a:t>OK</a:t>
+            </a:r>
+            <a:endParaRPr lang="en-US" sz="1400" dirty="0">
+              <a:latin typeface="Courier"/>
+              <a:cs typeface="Courier"/>
+            </a:endParaRPr>
+          </a:p>
+        </p:txBody>
+      </p:sp>
+    </p:spTree>
+    <p:extLst>
+      <p:ext uri="{BB962C8B-B14F-4D97-AF65-F5344CB8AC3E}">
+        <p14:creationId xmlns:p14="http://schemas.microsoft.com/office/powerpoint/2010/main" val="3124075499"/>
+      </p:ext>
+    </p:extLst>
+  </p:cSld>
+  <p:clrMapOvr>
+    <a:masterClrMapping/>
+  </p:clrMapOvr>
+</p:sld>
+</file>
+
+<file path=ppt/slides/slide4.xml><?xml version="1.0" encoding="utf-8"?>
+<p:sld xmlns:a="http://schemas.openxmlformats.org/drawingml/2006/main" xmlns:r="http://schemas.openxmlformats.org/officeDocument/2006/relationships" xmlns:p="http://schemas.openxmlformats.org/presentationml/2006/main">
+  <p:cSld>
+    <p:spTree>
+      <p:nvGrpSpPr>
+        <p:cNvPr id="1" name=""/>
+        <p:cNvGrpSpPr/>
+        <p:nvPr/>
+      </p:nvGrpSpPr>
+      <p:grpSpPr>
+        <a:xfrm>
+          <a:off x="0" y="0"/>
+          <a:ext cx="0" cy="0"/>
+          <a:chOff x="0" y="0"/>
+          <a:chExt cx="0" cy="0"/>
+        </a:xfrm>
+      </p:grpSpPr>
+      <p:cxnSp>
+        <p:nvCxnSpPr>
+          <p:cNvPr id="5" name="Straight Arrow Connector 4"/>
+          <p:cNvCxnSpPr/>
+          <p:nvPr/>
+        </p:nvCxnSpPr>
+        <p:spPr>
+          <a:xfrm flipV="1">
+            <a:off x="3617671" y="3404598"/>
+            <a:ext cx="1828078" cy="9622"/>
+          </a:xfrm>
+          <a:prstGeom prst="straightConnector1">
+            <a:avLst/>
+          </a:prstGeom>
+          <a:ln>
+            <a:tailEnd type="arrow"/>
+          </a:ln>
+        </p:spPr>
+        <p:style>
+          <a:lnRef idx="2">
+            <a:schemeClr val="accent1"/>
+          </a:lnRef>
+          <a:fillRef idx="0">
+            <a:schemeClr val="accent1"/>
+          </a:fillRef>
+          <a:effectRef idx="1">
+            <a:schemeClr val="accent1"/>
+          </a:effectRef>
+          <a:fontRef idx="minor">
+            <a:schemeClr val="tx1"/>
+          </a:fontRef>
+        </p:style>
+      </p:cxnSp>
+      <p:cxnSp>
+        <p:nvCxnSpPr>
+          <p:cNvPr id="6" name="Straight Arrow Connector 5"/>
+          <p:cNvCxnSpPr/>
+          <p:nvPr/>
+        </p:nvCxnSpPr>
+        <p:spPr>
+          <a:xfrm flipV="1">
+            <a:off x="3617671" y="1577989"/>
+            <a:ext cx="0" cy="1826609"/>
+          </a:xfrm>
+          <a:prstGeom prst="straightConnector1">
+            <a:avLst/>
+          </a:prstGeom>
+          <a:ln>
+            <a:tailEnd type="arrow"/>
+          </a:ln>
+        </p:spPr>
+        <p:style>
+          <a:lnRef idx="2">
+            <a:schemeClr val="accent1"/>
+          </a:lnRef>
+          <a:fillRef idx="0">
+            <a:schemeClr val="accent1"/>
+          </a:fillRef>
+          <a:effectRef idx="1">
+            <a:schemeClr val="accent1"/>
+          </a:effectRef>
+          <a:fontRef idx="minor">
+            <a:schemeClr val="tx1"/>
+          </a:fontRef>
+        </p:style>
+      </p:cxnSp>
+      <p:cxnSp>
+        <p:nvCxnSpPr>
+          <p:cNvPr id="15" name="Straight Arrow Connector 14"/>
+          <p:cNvCxnSpPr/>
+          <p:nvPr/>
+        </p:nvCxnSpPr>
+        <p:spPr>
+          <a:xfrm flipH="1">
+            <a:off x="2453474" y="3414220"/>
+            <a:ext cx="1164197" cy="857898"/>
+          </a:xfrm>
+          <a:prstGeom prst="straightConnector1">
+            <a:avLst/>
+          </a:prstGeom>
+          <a:ln>
+            <a:tailEnd type="arrow"/>
+          </a:ln>
+        </p:spPr>
+        <p:style>
+          <a:lnRef idx="2">
+            <a:schemeClr val="accent1"/>
+          </a:lnRef>
+          <a:fillRef idx="0">
+            <a:schemeClr val="accent1"/>
+          </a:fillRef>
+          <a:effectRef idx="1">
+            <a:schemeClr val="accent1"/>
+          </a:effectRef>
+          <a:fontRef idx="minor">
+            <a:schemeClr val="tx1"/>
+          </a:fontRef>
+        </p:style>
+      </p:cxnSp>
+      <p:sp>
+        <p:nvSpPr>
+          <p:cNvPr id="17" name="TextBox 16"/>
+          <p:cNvSpPr txBox="1"/>
+          <p:nvPr/>
+        </p:nvSpPr>
+        <p:spPr>
+          <a:xfrm>
+            <a:off x="2309845" y="4272118"/>
+            <a:ext cx="292405" cy="307777"/>
+          </a:xfrm>
+          <a:prstGeom prst="rect">
+            <a:avLst/>
+          </a:prstGeom>
+          <a:noFill/>
+          <a:ln>
+            <a:noFill/>
+          </a:ln>
+        </p:spPr>
+        <p:txBody>
+          <a:bodyPr wrap="none" rtlCol="0">
+            <a:spAutoFit/>
+          </a:bodyPr>
+          <a:lstStyle/>
+          <a:p>
+            <a:r>
+              <a:rPr lang="en-US" sz="1400" dirty="0">
+                <a:solidFill>
+                  <a:schemeClr val="accent1"/>
+                </a:solidFill>
+                <a:latin typeface="Courier"/>
+                <a:cs typeface="Courier"/>
+              </a:rPr>
+              <a:t>x</a:t>
+            </a:r>
+            <a:endParaRPr lang="en-US" sz="1400" dirty="0">
+              <a:solidFill>
+                <a:schemeClr val="accent1"/>
+              </a:solidFill>
+              <a:latin typeface="Courier"/>
+              <a:cs typeface="Courier"/>
+            </a:endParaRPr>
+          </a:p>
+        </p:txBody>
+      </p:sp>
+      <p:sp>
+        <p:nvSpPr>
+          <p:cNvPr id="19" name="TextBox 18"/>
+          <p:cNvSpPr txBox="1"/>
+          <p:nvPr/>
+        </p:nvSpPr>
+        <p:spPr>
+          <a:xfrm>
+            <a:off x="5445749" y="3229554"/>
+            <a:ext cx="292405" cy="307777"/>
+          </a:xfrm>
+          <a:prstGeom prst="rect">
+            <a:avLst/>
+          </a:prstGeom>
+          <a:noFill/>
+          <a:ln>
+            <a:noFill/>
+          </a:ln>
+        </p:spPr>
+        <p:txBody>
+          <a:bodyPr wrap="none" rtlCol="0">
+            <a:spAutoFit/>
+          </a:bodyPr>
+          <a:lstStyle/>
+          <a:p>
+            <a:r>
+              <a:rPr lang="en-US" sz="1400" dirty="0">
+                <a:solidFill>
+                  <a:schemeClr val="accent1"/>
+                </a:solidFill>
+                <a:latin typeface="Courier"/>
+                <a:cs typeface="Courier"/>
+              </a:rPr>
+              <a:t>y</a:t>
+            </a:r>
+          </a:p>
+        </p:txBody>
+      </p:sp>
+      <p:sp>
+        <p:nvSpPr>
+          <p:cNvPr id="20" name="TextBox 19"/>
+          <p:cNvSpPr txBox="1"/>
+          <p:nvPr/>
+        </p:nvSpPr>
+        <p:spPr>
+          <a:xfrm>
+            <a:off x="3479746" y="1208657"/>
+            <a:ext cx="292405" cy="307777"/>
+          </a:xfrm>
+          <a:prstGeom prst="rect">
+            <a:avLst/>
+          </a:prstGeom>
+          <a:noFill/>
+          <a:ln>
+            <a:noFill/>
+          </a:ln>
+        </p:spPr>
+        <p:txBody>
+          <a:bodyPr wrap="none" rtlCol="0">
+            <a:spAutoFit/>
+          </a:bodyPr>
+          <a:lstStyle/>
+          <a:p>
+            <a:r>
+              <a:rPr lang="en-US" sz="1400" dirty="0">
+                <a:solidFill>
+                  <a:schemeClr val="accent1"/>
+                </a:solidFill>
+                <a:latin typeface="Courier"/>
+                <a:cs typeface="Courier"/>
+              </a:rPr>
+              <a:t>z</a:t>
+            </a:r>
+          </a:p>
+        </p:txBody>
+      </p:sp>
+      <p:cxnSp>
+        <p:nvCxnSpPr>
+          <p:cNvPr id="26" name="Straight Connector 25"/>
+          <p:cNvCxnSpPr>
+            <a:stCxn id="77" idx="5"/>
+            <a:endCxn id="76" idx="0"/>
+          </p:cNvCxnSpPr>
+          <p:nvPr/>
+        </p:nvCxnSpPr>
+        <p:spPr>
+          <a:xfrm>
+            <a:off x="3319741" y="3173115"/>
+            <a:ext cx="178606" cy="897629"/>
+          </a:xfrm>
+          <a:prstGeom prst="line">
+            <a:avLst/>
+          </a:prstGeom>
+        </p:spPr>
+        <p:style>
+          <a:lnRef idx="2">
+            <a:schemeClr val="accent3"/>
+          </a:lnRef>
+          <a:fillRef idx="0">
+            <a:schemeClr val="accent3"/>
+          </a:fillRef>
+          <a:effectRef idx="1">
+            <a:schemeClr val="accent3"/>
+          </a:effectRef>
+          <a:fontRef idx="minor">
+            <a:schemeClr val="tx1"/>
+          </a:fontRef>
+        </p:style>
+      </p:cxnSp>
+      <p:cxnSp>
+        <p:nvCxnSpPr>
+          <p:cNvPr id="30" name="Straight Connector 29"/>
+          <p:cNvCxnSpPr>
+            <a:stCxn id="76" idx="1"/>
+            <a:endCxn id="75" idx="5"/>
+          </p:cNvCxnSpPr>
+          <p:nvPr/>
+        </p:nvCxnSpPr>
+        <p:spPr>
+          <a:xfrm flipV="1">
+            <a:off x="3482182" y="3615050"/>
+            <a:ext cx="945764" cy="462389"/>
+          </a:xfrm>
+          <a:prstGeom prst="line">
+            <a:avLst/>
+          </a:prstGeom>
+        </p:spPr>
+        <p:style>
+          <a:lnRef idx="2">
+            <a:schemeClr val="accent3"/>
+          </a:lnRef>
+          <a:fillRef idx="0">
+            <a:schemeClr val="accent3"/>
+          </a:fillRef>
+          <a:effectRef idx="1">
+            <a:schemeClr val="accent3"/>
+          </a:effectRef>
+          <a:fontRef idx="minor">
+            <a:schemeClr val="tx1"/>
+          </a:fontRef>
+        </p:style>
+      </p:cxnSp>
+      <p:cxnSp>
+        <p:nvCxnSpPr>
+          <p:cNvPr id="33" name="Straight Connector 32"/>
+          <p:cNvCxnSpPr>
+            <a:stCxn id="77" idx="5"/>
+            <a:endCxn id="75" idx="3"/>
+          </p:cNvCxnSpPr>
+          <p:nvPr/>
+        </p:nvCxnSpPr>
+        <p:spPr>
+          <a:xfrm>
+            <a:off x="3319741" y="3173115"/>
+            <a:ext cx="1075876" cy="441935"/>
+          </a:xfrm>
+          <a:prstGeom prst="line">
+            <a:avLst/>
+          </a:prstGeom>
+        </p:spPr>
+        <p:style>
+          <a:lnRef idx="2">
+            <a:schemeClr val="accent3"/>
+          </a:lnRef>
+          <a:fillRef idx="0">
+            <a:schemeClr val="accent3"/>
+          </a:fillRef>
+          <a:effectRef idx="1">
+            <a:schemeClr val="accent3"/>
+          </a:effectRef>
+          <a:fontRef idx="minor">
+            <a:schemeClr val="tx1"/>
+          </a:fontRef>
+        </p:style>
+      </p:cxnSp>
+      <p:cxnSp>
+        <p:nvCxnSpPr>
+          <p:cNvPr id="36" name="Straight Connector 35"/>
+          <p:cNvCxnSpPr>
+            <a:stCxn id="78" idx="5"/>
+            <a:endCxn id="75" idx="6"/>
+          </p:cNvCxnSpPr>
+          <p:nvPr/>
+        </p:nvCxnSpPr>
+        <p:spPr>
+          <a:xfrm>
+            <a:off x="3633836" y="2477515"/>
+            <a:ext cx="800805" cy="1121371"/>
+          </a:xfrm>
+          <a:prstGeom prst="line">
+            <a:avLst/>
+          </a:prstGeom>
+        </p:spPr>
+        <p:style>
+          <a:lnRef idx="2">
+            <a:schemeClr val="accent3"/>
+          </a:lnRef>
+          <a:fillRef idx="0">
+            <a:schemeClr val="accent3"/>
+          </a:fillRef>
+          <a:effectRef idx="1">
+            <a:schemeClr val="accent3"/>
+          </a:effectRef>
+          <a:fontRef idx="minor">
+            <a:schemeClr val="tx1"/>
+          </a:fontRef>
+        </p:style>
+      </p:cxnSp>
+      <p:cxnSp>
+        <p:nvCxnSpPr>
+          <p:cNvPr id="39" name="Straight Connector 38"/>
+          <p:cNvCxnSpPr>
+            <a:stCxn id="21" idx="4"/>
+            <a:endCxn id="22" idx="0"/>
+          </p:cNvCxnSpPr>
+          <p:nvPr/>
+        </p:nvCxnSpPr>
+        <p:spPr>
+          <a:xfrm flipH="1">
+            <a:off x="3498346" y="2549798"/>
+            <a:ext cx="119325" cy="1455358"/>
+          </a:xfrm>
+          <a:prstGeom prst="line">
+            <a:avLst/>
+          </a:prstGeom>
+        </p:spPr>
+        <p:style>
+          <a:lnRef idx="2">
+            <a:schemeClr val="accent3"/>
+          </a:lnRef>
+          <a:fillRef idx="0">
+            <a:schemeClr val="accent3"/>
+          </a:fillRef>
+          <a:effectRef idx="1">
+            <a:schemeClr val="accent3"/>
+          </a:effectRef>
+          <a:fontRef idx="minor">
+            <a:schemeClr val="tx1"/>
+          </a:fontRef>
+        </p:style>
+      </p:cxnSp>
+      <p:cxnSp>
+        <p:nvCxnSpPr>
+          <p:cNvPr id="42" name="Straight Connector 41"/>
+          <p:cNvCxnSpPr>
+            <a:stCxn id="78" idx="0"/>
+            <a:endCxn id="77" idx="7"/>
+          </p:cNvCxnSpPr>
+          <p:nvPr/>
+        </p:nvCxnSpPr>
+        <p:spPr>
+          <a:xfrm flipH="1">
+            <a:off x="3319741" y="2438491"/>
+            <a:ext cx="297931" cy="702295"/>
+          </a:xfrm>
+          <a:prstGeom prst="line">
+            <a:avLst/>
+          </a:prstGeom>
+        </p:spPr>
+        <p:style>
+          <a:lnRef idx="2">
+            <a:schemeClr val="accent3"/>
+          </a:lnRef>
+          <a:fillRef idx="0">
+            <a:schemeClr val="accent3"/>
+          </a:fillRef>
+          <a:effectRef idx="1">
+            <a:schemeClr val="accent3"/>
+          </a:effectRef>
+          <a:fontRef idx="minor">
+            <a:schemeClr val="tx1"/>
+          </a:fontRef>
+        </p:style>
+      </p:cxnSp>
+      <p:sp>
+        <p:nvSpPr>
+          <p:cNvPr id="75" name="Oval 74"/>
+          <p:cNvSpPr/>
+          <p:nvPr/>
+        </p:nvSpPr>
+        <p:spPr>
+          <a:xfrm>
+            <a:off x="4388922" y="3576026"/>
+            <a:ext cx="45719" cy="45719"/>
+          </a:xfrm>
+          <a:prstGeom prst="ellipse">
+            <a:avLst/>
+          </a:prstGeom>
+        </p:spPr>
+        <p:style>
+          <a:lnRef idx="2">
+            <a:schemeClr val="dk1">
+              <a:shade val="50000"/>
+            </a:schemeClr>
+          </a:lnRef>
+          <a:fillRef idx="1">
+            <a:schemeClr val="dk1"/>
+          </a:fillRef>
+          <a:effectRef idx="0">
+            <a:schemeClr val="dk1"/>
+          </a:effectRef>
+          <a:fontRef idx="minor">
+            <a:schemeClr val="lt1"/>
+          </a:fontRef>
+        </p:style>
+        <p:txBody>
+          <a:bodyPr rtlCol="0" anchor="ctr"/>
+          <a:lstStyle/>
+          <a:p>
+            <a:pPr algn="ctr"/>
+            <a:endParaRPr lang="en-US"/>
+          </a:p>
+        </p:txBody>
+      </p:sp>
+      <p:sp>
+        <p:nvSpPr>
+          <p:cNvPr id="76" name="Oval 75"/>
+          <p:cNvSpPr/>
+          <p:nvPr/>
+        </p:nvSpPr>
+        <p:spPr>
+          <a:xfrm>
+            <a:off x="3475487" y="4070744"/>
+            <a:ext cx="45719" cy="45719"/>
+          </a:xfrm>
+          <a:prstGeom prst="ellipse">
+            <a:avLst/>
+          </a:prstGeom>
+        </p:spPr>
+        <p:style>
+          <a:lnRef idx="2">
+            <a:schemeClr val="dk1">
+              <a:shade val="50000"/>
+            </a:schemeClr>
+          </a:lnRef>
+          <a:fillRef idx="1">
+            <a:schemeClr val="dk1"/>
+          </a:fillRef>
+          <a:effectRef idx="0">
+            <a:schemeClr val="dk1"/>
+          </a:effectRef>
+          <a:fontRef idx="minor">
+            <a:schemeClr val="lt1"/>
+          </a:fontRef>
+        </p:style>
+        <p:txBody>
+          <a:bodyPr rtlCol="0" anchor="ctr"/>
+          <a:lstStyle/>
+          <a:p>
+            <a:pPr algn="ctr"/>
+            <a:endParaRPr lang="en-US"/>
+          </a:p>
+        </p:txBody>
+      </p:sp>
+      <p:sp>
+        <p:nvSpPr>
+          <p:cNvPr id="77" name="Oval 76"/>
+          <p:cNvSpPr/>
+          <p:nvPr/>
+        </p:nvSpPr>
+        <p:spPr>
+          <a:xfrm>
+            <a:off x="3280717" y="3134091"/>
+            <a:ext cx="45719" cy="45719"/>
+          </a:xfrm>
+          <a:prstGeom prst="ellipse">
+            <a:avLst/>
+          </a:prstGeom>
+        </p:spPr>
+        <p:style>
+          <a:lnRef idx="2">
+            <a:schemeClr val="dk1">
+              <a:shade val="50000"/>
+            </a:schemeClr>
+          </a:lnRef>
+          <a:fillRef idx="1">
+            <a:schemeClr val="dk1"/>
+          </a:fillRef>
+          <a:effectRef idx="0">
+            <a:schemeClr val="dk1"/>
+          </a:effectRef>
+          <a:fontRef idx="minor">
+            <a:schemeClr val="lt1"/>
+          </a:fontRef>
+        </p:style>
+        <p:txBody>
+          <a:bodyPr rtlCol="0" anchor="ctr"/>
+          <a:lstStyle/>
+          <a:p>
+            <a:pPr algn="ctr"/>
+            <a:endParaRPr lang="en-US"/>
+          </a:p>
+        </p:txBody>
+      </p:sp>
+      <p:sp>
+        <p:nvSpPr>
+          <p:cNvPr id="78" name="Oval 77"/>
+          <p:cNvSpPr/>
+          <p:nvPr/>
+        </p:nvSpPr>
+        <p:spPr>
+          <a:xfrm>
+            <a:off x="3594812" y="2438491"/>
+            <a:ext cx="45719" cy="45719"/>
+          </a:xfrm>
+          <a:prstGeom prst="ellipse">
+            <a:avLst/>
+          </a:prstGeom>
+        </p:spPr>
+        <p:style>
+          <a:lnRef idx="2">
+            <a:schemeClr val="dk1">
+              <a:shade val="50000"/>
+            </a:schemeClr>
+          </a:lnRef>
+          <a:fillRef idx="1">
+            <a:schemeClr val="dk1"/>
+          </a:fillRef>
+          <a:effectRef idx="0">
+            <a:schemeClr val="dk1"/>
+          </a:effectRef>
+          <a:fontRef idx="minor">
+            <a:schemeClr val="lt1"/>
+          </a:fontRef>
+        </p:style>
+        <p:txBody>
+          <a:bodyPr rtlCol="0" anchor="ctr"/>
+          <a:lstStyle/>
+          <a:p>
+            <a:pPr algn="ctr"/>
+            <a:endParaRPr lang="en-US"/>
+          </a:p>
+        </p:txBody>
+      </p:sp>
+      <p:sp>
+        <p:nvSpPr>
+          <p:cNvPr id="21" name="Oval 20"/>
+          <p:cNvSpPr/>
+          <p:nvPr/>
+        </p:nvSpPr>
+        <p:spPr>
+          <a:xfrm>
+            <a:off x="3508910" y="2372903"/>
+            <a:ext cx="217522" cy="176895"/>
+          </a:xfrm>
+          <a:prstGeom prst="ellipse">
+            <a:avLst/>
+          </a:prstGeom>
+        </p:spPr>
+        <p:style>
+          <a:lnRef idx="2">
+            <a:schemeClr val="accent3">
+              <a:shade val="50000"/>
+            </a:schemeClr>
+          </a:lnRef>
+          <a:fillRef idx="1">
+            <a:schemeClr val="accent3"/>
+          </a:fillRef>
+          <a:effectRef idx="0">
+            <a:schemeClr val="accent3"/>
+          </a:effectRef>
+          <a:fontRef idx="minor">
+            <a:schemeClr val="lt1"/>
+          </a:fontRef>
+        </p:style>
+        <p:txBody>
+          <a:bodyPr rtlCol="0" anchor="ctr"/>
+          <a:lstStyle/>
+          <a:p>
+            <a:pPr algn="ctr"/>
+            <a:endParaRPr lang="en-US"/>
+          </a:p>
+        </p:txBody>
+      </p:sp>
+      <p:sp>
+        <p:nvSpPr>
+          <p:cNvPr id="22" name="Oval 21"/>
+          <p:cNvSpPr/>
+          <p:nvPr/>
+        </p:nvSpPr>
+        <p:spPr>
+          <a:xfrm>
+            <a:off x="3389585" y="4005156"/>
+            <a:ext cx="217522" cy="176895"/>
+          </a:xfrm>
+          <a:prstGeom prst="ellipse">
+            <a:avLst/>
+          </a:prstGeom>
+        </p:spPr>
+        <p:style>
+          <a:lnRef idx="2">
+            <a:schemeClr val="accent3">
+              <a:shade val="50000"/>
+            </a:schemeClr>
+          </a:lnRef>
+          <a:fillRef idx="1">
+            <a:schemeClr val="accent3"/>
+          </a:fillRef>
+          <a:effectRef idx="0">
+            <a:schemeClr val="accent3"/>
+          </a:effectRef>
+          <a:fontRef idx="minor">
+            <a:schemeClr val="lt1"/>
+          </a:fontRef>
+        </p:style>
+        <p:txBody>
+          <a:bodyPr rtlCol="0" anchor="ctr"/>
+          <a:lstStyle/>
+          <a:p>
+            <a:pPr algn="ctr"/>
+            <a:endParaRPr lang="en-US"/>
+          </a:p>
+        </p:txBody>
+      </p:sp>
+      <p:sp>
+        <p:nvSpPr>
+          <p:cNvPr id="23" name="Oval 22"/>
+          <p:cNvSpPr/>
+          <p:nvPr/>
+        </p:nvSpPr>
+        <p:spPr>
+          <a:xfrm>
+            <a:off x="4303020" y="3510438"/>
+            <a:ext cx="217522" cy="176895"/>
+          </a:xfrm>
+          <a:prstGeom prst="ellipse">
+            <a:avLst/>
+          </a:prstGeom>
+        </p:spPr>
+        <p:style>
+          <a:lnRef idx="2">
+            <a:schemeClr val="accent3">
+              <a:shade val="50000"/>
+            </a:schemeClr>
+          </a:lnRef>
+          <a:fillRef idx="1">
+            <a:schemeClr val="accent3"/>
+          </a:fillRef>
+          <a:effectRef idx="0">
+            <a:schemeClr val="accent3"/>
+          </a:effectRef>
+          <a:fontRef idx="minor">
+            <a:schemeClr val="lt1"/>
+          </a:fontRef>
+        </p:style>
+        <p:txBody>
+          <a:bodyPr rtlCol="0" anchor="ctr"/>
+          <a:lstStyle/>
+          <a:p>
+            <a:pPr algn="ctr"/>
+            <a:endParaRPr lang="en-US"/>
+          </a:p>
+        </p:txBody>
+      </p:sp>
+      <p:sp>
+        <p:nvSpPr>
+          <p:cNvPr id="24" name="Oval 23"/>
+          <p:cNvSpPr/>
+          <p:nvPr/>
+        </p:nvSpPr>
+        <p:spPr>
+          <a:xfrm>
+            <a:off x="3194815" y="3068503"/>
+            <a:ext cx="217522" cy="176895"/>
+          </a:xfrm>
+          <a:prstGeom prst="ellipse">
+            <a:avLst/>
+          </a:prstGeom>
+        </p:spPr>
+        <p:style>
+          <a:lnRef idx="2">
+            <a:schemeClr val="accent3">
+              <a:shade val="50000"/>
+            </a:schemeClr>
+          </a:lnRef>
+          <a:fillRef idx="1">
+            <a:schemeClr val="accent3"/>
+          </a:fillRef>
+          <a:effectRef idx="0">
+            <a:schemeClr val="accent3"/>
+          </a:effectRef>
+          <a:fontRef idx="minor">
+            <a:schemeClr val="lt1"/>
+          </a:fontRef>
+        </p:style>
+        <p:txBody>
+          <a:bodyPr rtlCol="0" anchor="ctr"/>
+          <a:lstStyle/>
+          <a:p>
+            <a:pPr algn="ctr"/>
+            <a:endParaRPr lang="en-US"/>
+          </a:p>
+        </p:txBody>
+      </p:sp>
+      <p:sp>
+        <p:nvSpPr>
+          <p:cNvPr id="92" name="TextBox 91"/>
+          <p:cNvSpPr txBox="1"/>
+          <p:nvPr/>
+        </p:nvSpPr>
+        <p:spPr>
+          <a:xfrm>
+            <a:off x="3704254" y="2284602"/>
+            <a:ext cx="292405" cy="307777"/>
+          </a:xfrm>
+          <a:prstGeom prst="rect">
+            <a:avLst/>
+          </a:prstGeom>
+          <a:noFill/>
+          <a:ln>
+            <a:noFill/>
+          </a:ln>
+        </p:spPr>
+        <p:txBody>
+          <a:bodyPr wrap="none" rtlCol="0">
+            <a:spAutoFit/>
+          </a:bodyPr>
+          <a:lstStyle/>
+          <a:p>
+            <a:r>
+              <a:rPr lang="en-US" sz="1400" dirty="0">
+                <a:solidFill>
+                  <a:schemeClr val="accent3"/>
+                </a:solidFill>
+                <a:latin typeface="Courier"/>
+                <a:cs typeface="Courier"/>
+              </a:rPr>
+              <a:t>0</a:t>
+            </a:r>
+            <a:endParaRPr lang="en-US" sz="1400" dirty="0">
+              <a:solidFill>
+                <a:schemeClr val="accent3"/>
+              </a:solidFill>
+              <a:latin typeface="Courier"/>
+              <a:cs typeface="Courier"/>
+            </a:endParaRPr>
+          </a:p>
+        </p:txBody>
+      </p:sp>
+      <p:sp>
+        <p:nvSpPr>
+          <p:cNvPr id="93" name="TextBox 92"/>
+          <p:cNvSpPr txBox="1"/>
+          <p:nvPr/>
+        </p:nvSpPr>
+        <p:spPr>
+          <a:xfrm>
+            <a:off x="4520542" y="3444997"/>
+            <a:ext cx="292405" cy="307777"/>
+          </a:xfrm>
+          <a:prstGeom prst="rect">
+            <a:avLst/>
+          </a:prstGeom>
+          <a:noFill/>
+          <a:ln>
+            <a:noFill/>
+          </a:ln>
+        </p:spPr>
+        <p:txBody>
+          <a:bodyPr wrap="none" rtlCol="0">
+            <a:spAutoFit/>
+          </a:bodyPr>
+          <a:lstStyle/>
+          <a:p>
+            <a:r>
+              <a:rPr lang="en-US" sz="1400" dirty="0" smtClean="0">
+                <a:solidFill>
+                  <a:schemeClr val="accent3"/>
+                </a:solidFill>
+                <a:latin typeface="Courier"/>
+                <a:cs typeface="Courier"/>
+              </a:rPr>
+              <a:t>1</a:t>
+            </a:r>
+            <a:endParaRPr lang="en-US" sz="1400" dirty="0">
+              <a:solidFill>
+                <a:schemeClr val="accent3"/>
+              </a:solidFill>
+              <a:latin typeface="Courier"/>
+              <a:cs typeface="Courier"/>
+            </a:endParaRPr>
+          </a:p>
+        </p:txBody>
+      </p:sp>
+      <p:sp>
+        <p:nvSpPr>
+          <p:cNvPr id="94" name="TextBox 93"/>
+          <p:cNvSpPr txBox="1"/>
+          <p:nvPr/>
+        </p:nvSpPr>
+        <p:spPr>
+          <a:xfrm>
+            <a:off x="3092249" y="3923550"/>
+            <a:ext cx="292405" cy="307777"/>
+          </a:xfrm>
+          <a:prstGeom prst="rect">
+            <a:avLst/>
+          </a:prstGeom>
+          <a:noFill/>
+          <a:ln>
+            <a:noFill/>
+          </a:ln>
+        </p:spPr>
+        <p:txBody>
+          <a:bodyPr wrap="none" rtlCol="0">
+            <a:spAutoFit/>
+          </a:bodyPr>
+          <a:lstStyle/>
+          <a:p>
+            <a:r>
+              <a:rPr lang="en-US" sz="1400" dirty="0" smtClean="0">
+                <a:solidFill>
+                  <a:schemeClr val="accent3"/>
+                </a:solidFill>
+                <a:latin typeface="Courier"/>
+                <a:cs typeface="Courier"/>
+              </a:rPr>
+              <a:t>3</a:t>
+            </a:r>
+            <a:endParaRPr lang="en-US" sz="1400" dirty="0">
+              <a:solidFill>
+                <a:schemeClr val="accent3"/>
+              </a:solidFill>
+              <a:latin typeface="Courier"/>
+              <a:cs typeface="Courier"/>
+            </a:endParaRPr>
+          </a:p>
+        </p:txBody>
+      </p:sp>
+      <p:sp>
+        <p:nvSpPr>
+          <p:cNvPr id="95" name="TextBox 94"/>
+          <p:cNvSpPr txBox="1"/>
+          <p:nvPr/>
+        </p:nvSpPr>
+        <p:spPr>
+          <a:xfrm>
+            <a:off x="2902410" y="2986897"/>
+            <a:ext cx="292405" cy="307777"/>
+          </a:xfrm>
+          <a:prstGeom prst="rect">
+            <a:avLst/>
+          </a:prstGeom>
+          <a:noFill/>
+          <a:ln>
+            <a:noFill/>
+          </a:ln>
+        </p:spPr>
+        <p:txBody>
+          <a:bodyPr wrap="none" rtlCol="0">
+            <a:spAutoFit/>
+          </a:bodyPr>
+          <a:lstStyle/>
+          <a:p>
+            <a:r>
+              <a:rPr lang="en-US" sz="1400" dirty="0" smtClean="0">
+                <a:solidFill>
+                  <a:schemeClr val="accent3"/>
+                </a:solidFill>
+                <a:latin typeface="Courier"/>
+                <a:cs typeface="Courier"/>
+              </a:rPr>
+              <a:t>2</a:t>
+            </a:r>
+            <a:endParaRPr lang="en-US" sz="1400" dirty="0">
+              <a:solidFill>
+                <a:schemeClr val="accent3"/>
+              </a:solidFill>
+              <a:latin typeface="Courier"/>
+              <a:cs typeface="Courier"/>
+            </a:endParaRPr>
+          </a:p>
+        </p:txBody>
+      </p:sp>
+      <p:sp>
+        <p:nvSpPr>
+          <p:cNvPr id="97" name="TextBox 96"/>
+          <p:cNvSpPr txBox="1"/>
+          <p:nvPr/>
+        </p:nvSpPr>
+        <p:spPr>
+          <a:xfrm>
+            <a:off x="3968211" y="1577989"/>
+            <a:ext cx="1477538" cy="307777"/>
+          </a:xfrm>
+          <a:prstGeom prst="rect">
+            <a:avLst/>
+          </a:prstGeom>
+          <a:noFill/>
+          <a:ln>
+            <a:noFill/>
+          </a:ln>
+        </p:spPr>
+        <p:txBody>
+          <a:bodyPr wrap="none" rtlCol="0">
+            <a:spAutoFit/>
+          </a:bodyPr>
+          <a:lstStyle/>
+          <a:p>
+            <a:r>
+              <a:rPr lang="en-US" sz="1400" dirty="0" smtClean="0">
+                <a:solidFill>
+                  <a:schemeClr val="accent1"/>
+                </a:solidFill>
+                <a:latin typeface="Courier"/>
+                <a:cs typeface="Courier"/>
+              </a:rPr>
+              <a:t>Not to scale</a:t>
+            </a:r>
+            <a:endParaRPr lang="en-US" sz="1400" dirty="0">
+              <a:solidFill>
+                <a:schemeClr val="accent1"/>
+              </a:solidFill>
+              <a:latin typeface="Courier"/>
+              <a:cs typeface="Courier"/>
+            </a:endParaRPr>
+          </a:p>
+        </p:txBody>
+      </p:sp>
+    </p:spTree>
+    <p:extLst>
+      <p:ext uri="{BB962C8B-B14F-4D97-AF65-F5344CB8AC3E}">
+        <p14:creationId xmlns:p14="http://schemas.microsoft.com/office/powerpoint/2010/main" val="1084793410"/>
+      </p:ext>
+    </p:extLst>
+  </p:cSld>
+  <p:clrMapOvr>
+    <a:masterClrMapping/>
+  </p:clrMapOvr>
+</p:sld>
+</file>
+
+<file path=ppt/slides/slide5.xml><?xml version="1.0" encoding="utf-8"?>
+<p:sld xmlns:a="http://schemas.openxmlformats.org/drawingml/2006/main" xmlns:r="http://schemas.openxmlformats.org/officeDocument/2006/relationships" xmlns:p="http://schemas.openxmlformats.org/presentationml/2006/main">
+  <p:cSld>
+    <p:spTree>
+      <p:nvGrpSpPr>
+        <p:cNvPr id="1" name=""/>
+        <p:cNvGrpSpPr/>
+        <p:nvPr/>
+      </p:nvGrpSpPr>
+      <p:grpSpPr>
+        <a:xfrm>
+          <a:off x="0" y="0"/>
+          <a:ext cx="0" cy="0"/>
+          <a:chOff x="0" y="0"/>
+          <a:chExt cx="0" cy="0"/>
+        </a:xfrm>
+      </p:grpSpPr>
+      <p:grpSp>
+        <p:nvGrpSpPr>
+          <p:cNvPr id="46" name="Group 45"/>
+          <p:cNvGrpSpPr/>
+          <p:nvPr/>
+        </p:nvGrpSpPr>
+        <p:grpSpPr>
+          <a:xfrm>
+            <a:off x="304148" y="720450"/>
+            <a:ext cx="2332145" cy="1818847"/>
+            <a:chOff x="304148" y="720450"/>
+            <a:chExt cx="2332145" cy="1818847"/>
+          </a:xfrm>
+        </p:grpSpPr>
+        <p:sp>
+          <p:nvSpPr>
+            <p:cNvPr id="4" name="Isosceles Triangle 3"/>
+            <p:cNvSpPr/>
+            <p:nvPr/>
+          </p:nvSpPr>
+          <p:spPr>
+            <a:xfrm>
+              <a:off x="705314" y="1091487"/>
+              <a:ext cx="1500949" cy="1293922"/>
+            </a:xfrm>
+            <a:prstGeom prst="triangle">
+              <a:avLst/>
+            </a:prstGeom>
+            <a:noFill/>
+          </p:spPr>
+          <p:style>
+            <a:lnRef idx="2">
+              <a:schemeClr val="accent3">
+                <a:shade val="50000"/>
+              </a:schemeClr>
+            </a:lnRef>
+            <a:fillRef idx="1">
+              <a:schemeClr val="accent3"/>
+            </a:fillRef>
+            <a:effectRef idx="0">
+              <a:schemeClr val="accent3"/>
+            </a:effectRef>
+            <a:fontRef idx="minor">
+              <a:schemeClr val="lt1"/>
+            </a:fontRef>
+          </p:style>
+          <p:txBody>
+            <a:bodyPr rtlCol="0" anchor="ctr"/>
+            <a:lstStyle/>
+            <a:p>
+              <a:pPr algn="ctr"/>
+              <a:endParaRPr lang="en-US"/>
+            </a:p>
+          </p:txBody>
+        </p:sp>
+        <p:sp>
+          <p:nvSpPr>
+            <p:cNvPr id="5" name="TextBox 4"/>
+            <p:cNvSpPr txBox="1"/>
+            <p:nvPr/>
+          </p:nvSpPr>
+          <p:spPr>
+            <a:xfrm>
+              <a:off x="1323919" y="720450"/>
+              <a:ext cx="292405" cy="307777"/>
+            </a:xfrm>
+            <a:prstGeom prst="rect">
+              <a:avLst/>
+            </a:prstGeom>
+            <a:noFill/>
+            <a:ln>
+              <a:noFill/>
+            </a:ln>
+          </p:spPr>
+          <p:txBody>
+            <a:bodyPr wrap="none" rtlCol="0">
+              <a:spAutoFit/>
+            </a:bodyPr>
+            <a:lstStyle/>
+            <a:p>
+              <a:r>
+                <a:rPr lang="en-US" sz="1400" dirty="0">
+                  <a:solidFill>
+                    <a:schemeClr val="accent3"/>
+                  </a:solidFill>
+                  <a:latin typeface="Courier"/>
+                  <a:cs typeface="Courier"/>
+                </a:rPr>
+                <a:t>0</a:t>
+              </a:r>
+              <a:endParaRPr lang="en-US" sz="1400" dirty="0">
+                <a:solidFill>
+                  <a:schemeClr val="accent3"/>
+                </a:solidFill>
+                <a:latin typeface="Courier"/>
+                <a:cs typeface="Courier"/>
+              </a:endParaRPr>
+            </a:p>
+          </p:txBody>
+        </p:sp>
+        <p:sp>
+          <p:nvSpPr>
+            <p:cNvPr id="6" name="Oval 5"/>
+            <p:cNvSpPr/>
+            <p:nvPr/>
+          </p:nvSpPr>
+          <p:spPr>
+            <a:xfrm>
+              <a:off x="2097502" y="2296961"/>
+              <a:ext cx="217522" cy="176895"/>
+            </a:xfrm>
+            <a:prstGeom prst="ellipse">
+              <a:avLst/>
+            </a:prstGeom>
+          </p:spPr>
+          <p:style>
+            <a:lnRef idx="2">
+              <a:schemeClr val="accent3">
+                <a:shade val="50000"/>
+              </a:schemeClr>
+            </a:lnRef>
+            <a:fillRef idx="1">
+              <a:schemeClr val="accent3"/>
+            </a:fillRef>
+            <a:effectRef idx="0">
+              <a:schemeClr val="accent3"/>
+            </a:effectRef>
+            <a:fontRef idx="minor">
+              <a:schemeClr val="lt1"/>
+            </a:fontRef>
+          </p:style>
+          <p:txBody>
+            <a:bodyPr rtlCol="0" anchor="ctr"/>
+            <a:lstStyle/>
+            <a:p>
+              <a:pPr algn="ctr"/>
+              <a:endParaRPr lang="en-US"/>
+            </a:p>
+          </p:txBody>
+        </p:sp>
+        <p:sp>
+          <p:nvSpPr>
+            <p:cNvPr id="7" name="Oval 6"/>
+            <p:cNvSpPr/>
+            <p:nvPr/>
+          </p:nvSpPr>
+          <p:spPr>
+            <a:xfrm>
+              <a:off x="596553" y="2296961"/>
+              <a:ext cx="217522" cy="176895"/>
+            </a:xfrm>
+            <a:prstGeom prst="ellipse">
+              <a:avLst/>
+            </a:prstGeom>
+          </p:spPr>
+          <p:style>
+            <a:lnRef idx="2">
+              <a:schemeClr val="accent3">
+                <a:shade val="50000"/>
+              </a:schemeClr>
+            </a:lnRef>
+            <a:fillRef idx="1">
+              <a:schemeClr val="accent3"/>
+            </a:fillRef>
+            <a:effectRef idx="0">
+              <a:schemeClr val="accent3"/>
+            </a:effectRef>
+            <a:fontRef idx="minor">
+              <a:schemeClr val="lt1"/>
+            </a:fontRef>
+          </p:style>
+          <p:txBody>
+            <a:bodyPr rtlCol="0" anchor="ctr"/>
+            <a:lstStyle/>
+            <a:p>
+              <a:pPr algn="ctr"/>
+              <a:endParaRPr lang="en-US"/>
+            </a:p>
+          </p:txBody>
+        </p:sp>
+        <p:sp>
+          <p:nvSpPr>
+            <p:cNvPr id="8" name="Oval 7"/>
+            <p:cNvSpPr/>
+            <p:nvPr/>
+          </p:nvSpPr>
+          <p:spPr>
+            <a:xfrm>
+              <a:off x="1361360" y="1045226"/>
+              <a:ext cx="217522" cy="176895"/>
+            </a:xfrm>
+            <a:prstGeom prst="ellipse">
+              <a:avLst/>
+            </a:prstGeom>
+          </p:spPr>
+          <p:style>
+            <a:lnRef idx="2">
+              <a:schemeClr val="accent3">
+                <a:shade val="50000"/>
+              </a:schemeClr>
+            </a:lnRef>
+            <a:fillRef idx="1">
+              <a:schemeClr val="accent3"/>
+            </a:fillRef>
+            <a:effectRef idx="0">
+              <a:schemeClr val="accent3"/>
+            </a:effectRef>
+            <a:fontRef idx="minor">
+              <a:schemeClr val="lt1"/>
+            </a:fontRef>
+          </p:style>
+          <p:txBody>
+            <a:bodyPr rtlCol="0" anchor="ctr"/>
+            <a:lstStyle/>
+            <a:p>
+              <a:pPr algn="ctr"/>
+              <a:endParaRPr lang="en-US"/>
+            </a:p>
+          </p:txBody>
+        </p:sp>
+        <p:sp>
+          <p:nvSpPr>
+            <p:cNvPr id="9" name="TextBox 8"/>
+            <p:cNvSpPr txBox="1"/>
+            <p:nvPr/>
+          </p:nvSpPr>
+          <p:spPr>
+            <a:xfrm>
+              <a:off x="304148" y="2231520"/>
+              <a:ext cx="292405" cy="307777"/>
+            </a:xfrm>
+            <a:prstGeom prst="rect">
+              <a:avLst/>
+            </a:prstGeom>
+            <a:noFill/>
+            <a:ln>
+              <a:noFill/>
+            </a:ln>
+          </p:spPr>
+          <p:txBody>
+            <a:bodyPr wrap="none" rtlCol="0">
+              <a:spAutoFit/>
+            </a:bodyPr>
+            <a:lstStyle/>
+            <a:p>
+              <a:r>
+                <a:rPr lang="en-US" sz="1400" dirty="0">
+                  <a:solidFill>
+                    <a:schemeClr val="accent3"/>
+                  </a:solidFill>
+                  <a:latin typeface="Courier"/>
+                  <a:cs typeface="Courier"/>
+                </a:rPr>
+                <a:t>1</a:t>
+              </a:r>
+            </a:p>
+          </p:txBody>
+        </p:sp>
+        <p:sp>
+          <p:nvSpPr>
+            <p:cNvPr id="10" name="TextBox 9"/>
+            <p:cNvSpPr txBox="1"/>
+            <p:nvPr/>
+          </p:nvSpPr>
+          <p:spPr>
+            <a:xfrm>
+              <a:off x="2343888" y="2231520"/>
+              <a:ext cx="292405" cy="307777"/>
+            </a:xfrm>
+            <a:prstGeom prst="rect">
+              <a:avLst/>
+            </a:prstGeom>
+            <a:noFill/>
+            <a:ln>
+              <a:noFill/>
+            </a:ln>
+          </p:spPr>
+          <p:txBody>
+            <a:bodyPr wrap="none" rtlCol="0">
+              <a:spAutoFit/>
+            </a:bodyPr>
+            <a:lstStyle/>
+            <a:p>
+              <a:r>
+                <a:rPr lang="en-US" sz="1400" dirty="0">
+                  <a:solidFill>
+                    <a:schemeClr val="accent3"/>
+                  </a:solidFill>
+                  <a:latin typeface="Courier"/>
+                  <a:cs typeface="Courier"/>
+                </a:rPr>
+                <a:t>2</a:t>
+              </a:r>
+            </a:p>
+          </p:txBody>
+        </p:sp>
+      </p:grpSp>
+      <p:grpSp>
+        <p:nvGrpSpPr>
+          <p:cNvPr id="45" name="Group 44"/>
+          <p:cNvGrpSpPr/>
+          <p:nvPr/>
+        </p:nvGrpSpPr>
+        <p:grpSpPr>
+          <a:xfrm>
+            <a:off x="3169802" y="720450"/>
+            <a:ext cx="2332145" cy="1818847"/>
+            <a:chOff x="3169802" y="720450"/>
+            <a:chExt cx="2332145" cy="1818847"/>
+          </a:xfrm>
+        </p:grpSpPr>
+        <p:sp>
+          <p:nvSpPr>
+            <p:cNvPr id="18" name="Isosceles Triangle 17"/>
+            <p:cNvSpPr/>
+            <p:nvPr/>
+          </p:nvSpPr>
+          <p:spPr>
+            <a:xfrm>
+              <a:off x="3570968" y="1091487"/>
+              <a:ext cx="1500949" cy="1293922"/>
+            </a:xfrm>
+            <a:prstGeom prst="triangle">
+              <a:avLst/>
+            </a:prstGeom>
+            <a:noFill/>
+          </p:spPr>
+          <p:style>
+            <a:lnRef idx="2">
+              <a:schemeClr val="accent3">
+                <a:shade val="50000"/>
+              </a:schemeClr>
+            </a:lnRef>
+            <a:fillRef idx="1">
+              <a:schemeClr val="accent3"/>
+            </a:fillRef>
+            <a:effectRef idx="0">
+              <a:schemeClr val="accent3"/>
+            </a:effectRef>
+            <a:fontRef idx="minor">
+              <a:schemeClr val="lt1"/>
+            </a:fontRef>
+          </p:style>
+          <p:txBody>
+            <a:bodyPr rtlCol="0" anchor="ctr"/>
+            <a:lstStyle/>
+            <a:p>
+              <a:pPr algn="ctr"/>
+              <a:endParaRPr lang="en-US"/>
+            </a:p>
+          </p:txBody>
+        </p:sp>
+        <p:sp>
+          <p:nvSpPr>
+            <p:cNvPr id="19" name="TextBox 18"/>
+            <p:cNvSpPr txBox="1"/>
+            <p:nvPr/>
+          </p:nvSpPr>
+          <p:spPr>
+            <a:xfrm>
+              <a:off x="4189573" y="720450"/>
+              <a:ext cx="292405" cy="307777"/>
+            </a:xfrm>
+            <a:prstGeom prst="rect">
+              <a:avLst/>
+            </a:prstGeom>
+            <a:noFill/>
+            <a:ln>
+              <a:noFill/>
+            </a:ln>
+          </p:spPr>
+          <p:txBody>
+            <a:bodyPr wrap="none" rtlCol="0">
+              <a:spAutoFit/>
+            </a:bodyPr>
+            <a:lstStyle/>
+            <a:p>
+              <a:r>
+                <a:rPr lang="en-US" sz="1400" dirty="0">
+                  <a:solidFill>
+                    <a:schemeClr val="accent3"/>
+                  </a:solidFill>
+                  <a:latin typeface="Courier"/>
+                  <a:cs typeface="Courier"/>
+                </a:rPr>
+                <a:t>0</a:t>
+              </a:r>
+              <a:endParaRPr lang="en-US" sz="1400" dirty="0">
+                <a:solidFill>
+                  <a:schemeClr val="accent3"/>
+                </a:solidFill>
+                <a:latin typeface="Courier"/>
+                <a:cs typeface="Courier"/>
+              </a:endParaRPr>
+            </a:p>
+          </p:txBody>
+        </p:sp>
+        <p:sp>
+          <p:nvSpPr>
+            <p:cNvPr id="20" name="Oval 19"/>
+            <p:cNvSpPr/>
+            <p:nvPr/>
+          </p:nvSpPr>
+          <p:spPr>
+            <a:xfrm>
+              <a:off x="4963156" y="2296961"/>
+              <a:ext cx="217522" cy="176895"/>
+            </a:xfrm>
+            <a:prstGeom prst="ellipse">
+              <a:avLst/>
+            </a:prstGeom>
+          </p:spPr>
+          <p:style>
+            <a:lnRef idx="2">
+              <a:schemeClr val="accent3">
+                <a:shade val="50000"/>
+              </a:schemeClr>
+            </a:lnRef>
+            <a:fillRef idx="1">
+              <a:schemeClr val="accent3"/>
+            </a:fillRef>
+            <a:effectRef idx="0">
+              <a:schemeClr val="accent3"/>
+            </a:effectRef>
+            <a:fontRef idx="minor">
+              <a:schemeClr val="lt1"/>
+            </a:fontRef>
+          </p:style>
+          <p:txBody>
+            <a:bodyPr rtlCol="0" anchor="ctr"/>
+            <a:lstStyle/>
+            <a:p>
+              <a:pPr algn="ctr"/>
+              <a:endParaRPr lang="en-US"/>
+            </a:p>
+          </p:txBody>
+        </p:sp>
+        <p:sp>
+          <p:nvSpPr>
+            <p:cNvPr id="21" name="Oval 20"/>
+            <p:cNvSpPr/>
+            <p:nvPr/>
+          </p:nvSpPr>
+          <p:spPr>
+            <a:xfrm>
+              <a:off x="3462207" y="2296961"/>
+              <a:ext cx="217522" cy="176895"/>
+            </a:xfrm>
+            <a:prstGeom prst="ellipse">
+              <a:avLst/>
+            </a:prstGeom>
+          </p:spPr>
+          <p:style>
+            <a:lnRef idx="2">
+              <a:schemeClr val="accent3">
+                <a:shade val="50000"/>
+              </a:schemeClr>
+            </a:lnRef>
+            <a:fillRef idx="1">
+              <a:schemeClr val="accent3"/>
+            </a:fillRef>
+            <a:effectRef idx="0">
+              <a:schemeClr val="accent3"/>
+            </a:effectRef>
+            <a:fontRef idx="minor">
+              <a:schemeClr val="lt1"/>
+            </a:fontRef>
+          </p:style>
+          <p:txBody>
+            <a:bodyPr rtlCol="0" anchor="ctr"/>
+            <a:lstStyle/>
+            <a:p>
+              <a:pPr algn="ctr"/>
+              <a:endParaRPr lang="en-US"/>
+            </a:p>
+          </p:txBody>
+        </p:sp>
+        <p:sp>
+          <p:nvSpPr>
+            <p:cNvPr id="22" name="Oval 21"/>
+            <p:cNvSpPr/>
+            <p:nvPr/>
+          </p:nvSpPr>
+          <p:spPr>
+            <a:xfrm>
+              <a:off x="4227014" y="1045226"/>
+              <a:ext cx="217522" cy="176895"/>
+            </a:xfrm>
+            <a:prstGeom prst="ellipse">
+              <a:avLst/>
+            </a:prstGeom>
+          </p:spPr>
+          <p:style>
+            <a:lnRef idx="2">
+              <a:schemeClr val="accent3">
+                <a:shade val="50000"/>
+              </a:schemeClr>
+            </a:lnRef>
+            <a:fillRef idx="1">
+              <a:schemeClr val="accent3"/>
+            </a:fillRef>
+            <a:effectRef idx="0">
+              <a:schemeClr val="accent3"/>
+            </a:effectRef>
+            <a:fontRef idx="minor">
+              <a:schemeClr val="lt1"/>
+            </a:fontRef>
+          </p:style>
+          <p:txBody>
+            <a:bodyPr rtlCol="0" anchor="ctr"/>
+            <a:lstStyle/>
+            <a:p>
+              <a:pPr algn="ctr"/>
+              <a:endParaRPr lang="en-US"/>
+            </a:p>
+          </p:txBody>
+        </p:sp>
+        <p:sp>
+          <p:nvSpPr>
+            <p:cNvPr id="23" name="TextBox 22"/>
+            <p:cNvSpPr txBox="1"/>
+            <p:nvPr/>
+          </p:nvSpPr>
+          <p:spPr>
+            <a:xfrm>
+              <a:off x="3169802" y="2231520"/>
+              <a:ext cx="292405" cy="307777"/>
+            </a:xfrm>
+            <a:prstGeom prst="rect">
+              <a:avLst/>
+            </a:prstGeom>
+            <a:noFill/>
+            <a:ln>
+              <a:noFill/>
+            </a:ln>
+          </p:spPr>
+          <p:txBody>
+            <a:bodyPr wrap="none" rtlCol="0">
+              <a:spAutoFit/>
+            </a:bodyPr>
+            <a:lstStyle/>
+            <a:p>
+              <a:r>
+                <a:rPr lang="en-US" sz="1400" dirty="0">
+                  <a:solidFill>
+                    <a:schemeClr val="accent3"/>
+                  </a:solidFill>
+                  <a:latin typeface="Courier"/>
+                  <a:cs typeface="Courier"/>
+                </a:rPr>
+                <a:t>2</a:t>
+              </a:r>
+            </a:p>
+          </p:txBody>
+        </p:sp>
+        <p:sp>
+          <p:nvSpPr>
+            <p:cNvPr id="24" name="TextBox 23"/>
+            <p:cNvSpPr txBox="1"/>
+            <p:nvPr/>
+          </p:nvSpPr>
+          <p:spPr>
+            <a:xfrm>
+              <a:off x="5209542" y="2231520"/>
+              <a:ext cx="292405" cy="307777"/>
+            </a:xfrm>
+            <a:prstGeom prst="rect">
+              <a:avLst/>
+            </a:prstGeom>
+            <a:noFill/>
+            <a:ln>
+              <a:noFill/>
+            </a:ln>
+          </p:spPr>
+          <p:txBody>
+            <a:bodyPr wrap="none" rtlCol="0">
+              <a:spAutoFit/>
+            </a:bodyPr>
+            <a:lstStyle/>
+            <a:p>
+              <a:r>
+                <a:rPr lang="en-US" sz="1400" dirty="0">
+                  <a:solidFill>
+                    <a:schemeClr val="accent3"/>
+                  </a:solidFill>
+                  <a:latin typeface="Courier"/>
+                  <a:cs typeface="Courier"/>
+                </a:rPr>
+                <a:t>3</a:t>
+              </a:r>
+            </a:p>
+          </p:txBody>
+        </p:sp>
+      </p:grpSp>
+      <p:grpSp>
+        <p:nvGrpSpPr>
+          <p:cNvPr id="48" name="Group 47"/>
+          <p:cNvGrpSpPr/>
+          <p:nvPr/>
+        </p:nvGrpSpPr>
+        <p:grpSpPr>
+          <a:xfrm>
+            <a:off x="302612" y="3432275"/>
+            <a:ext cx="2332145" cy="1818847"/>
+            <a:chOff x="302612" y="3432275"/>
+            <a:chExt cx="2332145" cy="1818847"/>
+          </a:xfrm>
+        </p:grpSpPr>
+        <p:sp>
+          <p:nvSpPr>
+            <p:cNvPr id="25" name="Isosceles Triangle 24"/>
+            <p:cNvSpPr/>
+            <p:nvPr/>
+          </p:nvSpPr>
+          <p:spPr>
+            <a:xfrm>
+              <a:off x="703778" y="3803312"/>
+              <a:ext cx="1500949" cy="1293922"/>
+            </a:xfrm>
+            <a:prstGeom prst="triangle">
+              <a:avLst/>
+            </a:prstGeom>
+            <a:noFill/>
+          </p:spPr>
+          <p:style>
+            <a:lnRef idx="2">
+              <a:schemeClr val="accent3">
+                <a:shade val="50000"/>
+              </a:schemeClr>
+            </a:lnRef>
+            <a:fillRef idx="1">
+              <a:schemeClr val="accent3"/>
+            </a:fillRef>
+            <a:effectRef idx="0">
+              <a:schemeClr val="accent3"/>
+            </a:effectRef>
+            <a:fontRef idx="minor">
+              <a:schemeClr val="lt1"/>
+            </a:fontRef>
+          </p:style>
+          <p:txBody>
+            <a:bodyPr rtlCol="0" anchor="ctr"/>
+            <a:lstStyle/>
+            <a:p>
+              <a:pPr algn="ctr"/>
+              <a:endParaRPr lang="en-US"/>
+            </a:p>
+          </p:txBody>
+        </p:sp>
+        <p:sp>
+          <p:nvSpPr>
+            <p:cNvPr id="26" name="TextBox 25"/>
+            <p:cNvSpPr txBox="1"/>
+            <p:nvPr/>
+          </p:nvSpPr>
+          <p:spPr>
+            <a:xfrm>
+              <a:off x="1322383" y="3432275"/>
+              <a:ext cx="292405" cy="307777"/>
+            </a:xfrm>
+            <a:prstGeom prst="rect">
+              <a:avLst/>
+            </a:prstGeom>
+            <a:noFill/>
+            <a:ln>
+              <a:noFill/>
+            </a:ln>
+          </p:spPr>
+          <p:txBody>
+            <a:bodyPr wrap="none" rtlCol="0">
+              <a:spAutoFit/>
+            </a:bodyPr>
+            <a:lstStyle/>
+            <a:p>
+              <a:r>
+                <a:rPr lang="en-US" sz="1400" dirty="0">
+                  <a:solidFill>
+                    <a:schemeClr val="accent3"/>
+                  </a:solidFill>
+                  <a:latin typeface="Courier"/>
+                  <a:cs typeface="Courier"/>
+                </a:rPr>
+                <a:t>0</a:t>
+              </a:r>
+              <a:endParaRPr lang="en-US" sz="1400" dirty="0">
+                <a:solidFill>
+                  <a:schemeClr val="accent3"/>
+                </a:solidFill>
+                <a:latin typeface="Courier"/>
+                <a:cs typeface="Courier"/>
+              </a:endParaRPr>
+            </a:p>
+          </p:txBody>
+        </p:sp>
+        <p:sp>
+          <p:nvSpPr>
+            <p:cNvPr id="27" name="Oval 26"/>
+            <p:cNvSpPr/>
+            <p:nvPr/>
+          </p:nvSpPr>
+          <p:spPr>
+            <a:xfrm>
+              <a:off x="2095966" y="5008786"/>
+              <a:ext cx="217522" cy="176895"/>
+            </a:xfrm>
+            <a:prstGeom prst="ellipse">
+              <a:avLst/>
+            </a:prstGeom>
+          </p:spPr>
+          <p:style>
+            <a:lnRef idx="2">
+              <a:schemeClr val="accent3">
+                <a:shade val="50000"/>
+              </a:schemeClr>
+            </a:lnRef>
+            <a:fillRef idx="1">
+              <a:schemeClr val="accent3"/>
+            </a:fillRef>
+            <a:effectRef idx="0">
+              <a:schemeClr val="accent3"/>
+            </a:effectRef>
+            <a:fontRef idx="minor">
+              <a:schemeClr val="lt1"/>
+            </a:fontRef>
+          </p:style>
+          <p:txBody>
+            <a:bodyPr rtlCol="0" anchor="ctr"/>
+            <a:lstStyle/>
+            <a:p>
+              <a:pPr algn="ctr"/>
+              <a:endParaRPr lang="en-US"/>
+            </a:p>
+          </p:txBody>
+        </p:sp>
+        <p:sp>
+          <p:nvSpPr>
+            <p:cNvPr id="28" name="Oval 27"/>
+            <p:cNvSpPr/>
+            <p:nvPr/>
+          </p:nvSpPr>
+          <p:spPr>
+            <a:xfrm>
+              <a:off x="595017" y="5008786"/>
+              <a:ext cx="217522" cy="176895"/>
+            </a:xfrm>
+            <a:prstGeom prst="ellipse">
+              <a:avLst/>
+            </a:prstGeom>
+          </p:spPr>
+          <p:style>
+            <a:lnRef idx="2">
+              <a:schemeClr val="accent3">
+                <a:shade val="50000"/>
+              </a:schemeClr>
+            </a:lnRef>
+            <a:fillRef idx="1">
+              <a:schemeClr val="accent3"/>
+            </a:fillRef>
+            <a:effectRef idx="0">
+              <a:schemeClr val="accent3"/>
+            </a:effectRef>
+            <a:fontRef idx="minor">
+              <a:schemeClr val="lt1"/>
+            </a:fontRef>
+          </p:style>
+          <p:txBody>
+            <a:bodyPr rtlCol="0" anchor="ctr"/>
+            <a:lstStyle/>
+            <a:p>
+              <a:pPr algn="ctr"/>
+              <a:endParaRPr lang="en-US"/>
+            </a:p>
+          </p:txBody>
+        </p:sp>
+        <p:sp>
+          <p:nvSpPr>
+            <p:cNvPr id="29" name="Oval 28"/>
+            <p:cNvSpPr/>
+            <p:nvPr/>
+          </p:nvSpPr>
+          <p:spPr>
+            <a:xfrm>
+              <a:off x="1359824" y="3757051"/>
+              <a:ext cx="217522" cy="176895"/>
+            </a:xfrm>
+            <a:prstGeom prst="ellipse">
+              <a:avLst/>
+            </a:prstGeom>
+          </p:spPr>
+          <p:style>
+            <a:lnRef idx="2">
+              <a:schemeClr val="accent3">
+                <a:shade val="50000"/>
+              </a:schemeClr>
+            </a:lnRef>
+            <a:fillRef idx="1">
+              <a:schemeClr val="accent3"/>
+            </a:fillRef>
+            <a:effectRef idx="0">
+              <a:schemeClr val="accent3"/>
+            </a:effectRef>
+            <a:fontRef idx="minor">
+              <a:schemeClr val="lt1"/>
+            </a:fontRef>
+          </p:style>
+          <p:txBody>
+            <a:bodyPr rtlCol="0" anchor="ctr"/>
+            <a:lstStyle/>
+            <a:p>
+              <a:pPr algn="ctr"/>
+              <a:endParaRPr lang="en-US"/>
+            </a:p>
+          </p:txBody>
+        </p:sp>
+        <p:sp>
+          <p:nvSpPr>
+            <p:cNvPr id="30" name="TextBox 29"/>
+            <p:cNvSpPr txBox="1"/>
+            <p:nvPr/>
+          </p:nvSpPr>
+          <p:spPr>
+            <a:xfrm>
+              <a:off x="302612" y="4943345"/>
+              <a:ext cx="292405" cy="307777"/>
+            </a:xfrm>
+            <a:prstGeom prst="rect">
+              <a:avLst/>
+            </a:prstGeom>
+            <a:noFill/>
+            <a:ln>
+              <a:noFill/>
+            </a:ln>
+          </p:spPr>
+          <p:txBody>
+            <a:bodyPr wrap="none" rtlCol="0">
+              <a:spAutoFit/>
+            </a:bodyPr>
+            <a:lstStyle/>
+            <a:p>
+              <a:r>
+                <a:rPr lang="en-US" sz="1400" dirty="0">
+                  <a:solidFill>
+                    <a:schemeClr val="accent3"/>
+                  </a:solidFill>
+                  <a:latin typeface="Courier"/>
+                  <a:cs typeface="Courier"/>
+                </a:rPr>
+                <a:t>3</a:t>
+              </a:r>
+            </a:p>
+          </p:txBody>
+        </p:sp>
+        <p:sp>
+          <p:nvSpPr>
+            <p:cNvPr id="31" name="TextBox 30"/>
+            <p:cNvSpPr txBox="1"/>
+            <p:nvPr/>
+          </p:nvSpPr>
+          <p:spPr>
+            <a:xfrm>
+              <a:off x="2342352" y="4943345"/>
+              <a:ext cx="292405" cy="307777"/>
+            </a:xfrm>
+            <a:prstGeom prst="rect">
+              <a:avLst/>
+            </a:prstGeom>
+            <a:noFill/>
+            <a:ln>
+              <a:noFill/>
+            </a:ln>
+          </p:spPr>
+          <p:txBody>
+            <a:bodyPr wrap="none" rtlCol="0">
+              <a:spAutoFit/>
+            </a:bodyPr>
+            <a:lstStyle/>
+            <a:p>
+              <a:r>
+                <a:rPr lang="en-US" sz="1400" dirty="0">
+                  <a:solidFill>
+                    <a:schemeClr val="accent3"/>
+                  </a:solidFill>
+                  <a:latin typeface="Courier"/>
+                  <a:cs typeface="Courier"/>
+                </a:rPr>
+                <a:t>1</a:t>
+              </a:r>
+            </a:p>
+          </p:txBody>
+        </p:sp>
+      </p:grpSp>
+      <p:grpSp>
+        <p:nvGrpSpPr>
+          <p:cNvPr id="47" name="Group 46"/>
+          <p:cNvGrpSpPr/>
+          <p:nvPr/>
+        </p:nvGrpSpPr>
+        <p:grpSpPr>
+          <a:xfrm>
+            <a:off x="3168266" y="3432275"/>
+            <a:ext cx="2332145" cy="1818847"/>
+            <a:chOff x="3168266" y="3432275"/>
+            <a:chExt cx="2332145" cy="1818847"/>
+          </a:xfrm>
+        </p:grpSpPr>
+        <p:sp>
+          <p:nvSpPr>
+            <p:cNvPr id="32" name="Isosceles Triangle 31"/>
+            <p:cNvSpPr/>
+            <p:nvPr/>
+          </p:nvSpPr>
+          <p:spPr>
+            <a:xfrm>
+              <a:off x="3569432" y="3803312"/>
+              <a:ext cx="1500949" cy="1293922"/>
+            </a:xfrm>
+            <a:prstGeom prst="triangle">
+              <a:avLst/>
+            </a:prstGeom>
+            <a:noFill/>
+          </p:spPr>
+          <p:style>
+            <a:lnRef idx="2">
+              <a:schemeClr val="accent3">
+                <a:shade val="50000"/>
+              </a:schemeClr>
+            </a:lnRef>
+            <a:fillRef idx="1">
+              <a:schemeClr val="accent3"/>
+            </a:fillRef>
+            <a:effectRef idx="0">
+              <a:schemeClr val="accent3"/>
+            </a:effectRef>
+            <a:fontRef idx="minor">
+              <a:schemeClr val="lt1"/>
+            </a:fontRef>
+          </p:style>
+          <p:txBody>
+            <a:bodyPr rtlCol="0" anchor="ctr"/>
+            <a:lstStyle/>
+            <a:p>
+              <a:pPr algn="ctr"/>
+              <a:endParaRPr lang="en-US"/>
+            </a:p>
+          </p:txBody>
+        </p:sp>
+        <p:sp>
+          <p:nvSpPr>
+            <p:cNvPr id="33" name="TextBox 32"/>
+            <p:cNvSpPr txBox="1"/>
+            <p:nvPr/>
+          </p:nvSpPr>
+          <p:spPr>
+            <a:xfrm>
+              <a:off x="4188037" y="3432275"/>
+              <a:ext cx="292405" cy="307777"/>
+            </a:xfrm>
+            <a:prstGeom prst="rect">
+              <a:avLst/>
+            </a:prstGeom>
+            <a:noFill/>
+            <a:ln>
+              <a:noFill/>
+            </a:ln>
+          </p:spPr>
+          <p:txBody>
+            <a:bodyPr wrap="none" rtlCol="0">
+              <a:spAutoFit/>
+            </a:bodyPr>
+            <a:lstStyle/>
+            <a:p>
+              <a:r>
+                <a:rPr lang="en-US" sz="1400" dirty="0">
+                  <a:solidFill>
+                    <a:schemeClr val="accent3"/>
+                  </a:solidFill>
+                  <a:latin typeface="Courier"/>
+                  <a:cs typeface="Courier"/>
+                </a:rPr>
+                <a:t>3</a:t>
+              </a:r>
+              <a:endParaRPr lang="en-US" sz="1400" dirty="0">
+                <a:solidFill>
+                  <a:schemeClr val="accent3"/>
+                </a:solidFill>
+                <a:latin typeface="Courier"/>
+                <a:cs typeface="Courier"/>
+              </a:endParaRPr>
+            </a:p>
+          </p:txBody>
+        </p:sp>
+        <p:sp>
+          <p:nvSpPr>
+            <p:cNvPr id="34" name="Oval 33"/>
+            <p:cNvSpPr/>
+            <p:nvPr/>
+          </p:nvSpPr>
+          <p:spPr>
+            <a:xfrm>
+              <a:off x="4961620" y="5008786"/>
+              <a:ext cx="217522" cy="176895"/>
+            </a:xfrm>
+            <a:prstGeom prst="ellipse">
+              <a:avLst/>
+            </a:prstGeom>
+          </p:spPr>
+          <p:style>
+            <a:lnRef idx="2">
+              <a:schemeClr val="accent3">
+                <a:shade val="50000"/>
+              </a:schemeClr>
+            </a:lnRef>
+            <a:fillRef idx="1">
+              <a:schemeClr val="accent3"/>
+            </a:fillRef>
+            <a:effectRef idx="0">
+              <a:schemeClr val="accent3"/>
+            </a:effectRef>
+            <a:fontRef idx="minor">
+              <a:schemeClr val="lt1"/>
+            </a:fontRef>
+          </p:style>
+          <p:txBody>
+            <a:bodyPr rtlCol="0" anchor="ctr"/>
+            <a:lstStyle/>
+            <a:p>
+              <a:pPr algn="ctr"/>
+              <a:endParaRPr lang="en-US"/>
+            </a:p>
+          </p:txBody>
+        </p:sp>
+        <p:sp>
+          <p:nvSpPr>
+            <p:cNvPr id="35" name="Oval 34"/>
+            <p:cNvSpPr/>
+            <p:nvPr/>
+          </p:nvSpPr>
+          <p:spPr>
+            <a:xfrm>
+              <a:off x="3460671" y="5008786"/>
+              <a:ext cx="217522" cy="176895"/>
+            </a:xfrm>
+            <a:prstGeom prst="ellipse">
+              <a:avLst/>
+            </a:prstGeom>
+          </p:spPr>
+          <p:style>
+            <a:lnRef idx="2">
+              <a:schemeClr val="accent3">
+                <a:shade val="50000"/>
+              </a:schemeClr>
+            </a:lnRef>
+            <a:fillRef idx="1">
+              <a:schemeClr val="accent3"/>
+            </a:fillRef>
+            <a:effectRef idx="0">
+              <a:schemeClr val="accent3"/>
+            </a:effectRef>
+            <a:fontRef idx="minor">
+              <a:schemeClr val="lt1"/>
+            </a:fontRef>
+          </p:style>
+          <p:txBody>
+            <a:bodyPr rtlCol="0" anchor="ctr"/>
+            <a:lstStyle/>
+            <a:p>
+              <a:pPr algn="ctr"/>
+              <a:endParaRPr lang="en-US"/>
+            </a:p>
+          </p:txBody>
+        </p:sp>
+        <p:sp>
+          <p:nvSpPr>
+            <p:cNvPr id="36" name="Oval 35"/>
+            <p:cNvSpPr/>
+            <p:nvPr/>
+          </p:nvSpPr>
+          <p:spPr>
+            <a:xfrm>
+              <a:off x="4225478" y="3757051"/>
+              <a:ext cx="217522" cy="176895"/>
+            </a:xfrm>
+            <a:prstGeom prst="ellipse">
+              <a:avLst/>
+            </a:prstGeom>
+          </p:spPr>
+          <p:style>
+            <a:lnRef idx="2">
+              <a:schemeClr val="accent3">
+                <a:shade val="50000"/>
+              </a:schemeClr>
+            </a:lnRef>
+            <a:fillRef idx="1">
+              <a:schemeClr val="accent3"/>
+            </a:fillRef>
+            <a:effectRef idx="0">
+              <a:schemeClr val="accent3"/>
+            </a:effectRef>
+            <a:fontRef idx="minor">
+              <a:schemeClr val="lt1"/>
+            </a:fontRef>
+          </p:style>
+          <p:txBody>
+            <a:bodyPr rtlCol="0" anchor="ctr"/>
+            <a:lstStyle/>
+            <a:p>
+              <a:pPr algn="ctr"/>
+              <a:endParaRPr lang="en-US"/>
+            </a:p>
+          </p:txBody>
+        </p:sp>
+        <p:sp>
+          <p:nvSpPr>
+            <p:cNvPr id="37" name="TextBox 36"/>
+            <p:cNvSpPr txBox="1"/>
+            <p:nvPr/>
+          </p:nvSpPr>
+          <p:spPr>
+            <a:xfrm>
+              <a:off x="3168266" y="4943345"/>
+              <a:ext cx="292405" cy="307777"/>
+            </a:xfrm>
+            <a:prstGeom prst="rect">
+              <a:avLst/>
+            </a:prstGeom>
+            <a:noFill/>
+            <a:ln>
+              <a:noFill/>
+            </a:ln>
+          </p:spPr>
+          <p:txBody>
+            <a:bodyPr wrap="none" rtlCol="0">
+              <a:spAutoFit/>
+            </a:bodyPr>
+            <a:lstStyle/>
+            <a:p>
+              <a:r>
+                <a:rPr lang="en-US" sz="1400" dirty="0">
+                  <a:solidFill>
+                    <a:schemeClr val="accent3"/>
+                  </a:solidFill>
+                  <a:latin typeface="Courier"/>
+                  <a:cs typeface="Courier"/>
+                </a:rPr>
+                <a:t>1</a:t>
+              </a:r>
+            </a:p>
+          </p:txBody>
+        </p:sp>
+        <p:sp>
+          <p:nvSpPr>
+            <p:cNvPr id="38" name="TextBox 37"/>
+            <p:cNvSpPr txBox="1"/>
+            <p:nvPr/>
+          </p:nvSpPr>
+          <p:spPr>
+            <a:xfrm>
+              <a:off x="5208006" y="4943345"/>
+              <a:ext cx="292405" cy="307777"/>
+            </a:xfrm>
+            <a:prstGeom prst="rect">
+              <a:avLst/>
+            </a:prstGeom>
+            <a:noFill/>
+            <a:ln>
+              <a:noFill/>
+            </a:ln>
+          </p:spPr>
+          <p:txBody>
+            <a:bodyPr wrap="none" rtlCol="0">
+              <a:spAutoFit/>
+            </a:bodyPr>
+            <a:lstStyle/>
+            <a:p>
+              <a:r>
+                <a:rPr lang="en-US" sz="1400" dirty="0">
+                  <a:solidFill>
+                    <a:schemeClr val="accent3"/>
+                  </a:solidFill>
+                  <a:latin typeface="Courier"/>
+                  <a:cs typeface="Courier"/>
+                </a:rPr>
+                <a:t>2</a:t>
+              </a:r>
+            </a:p>
+          </p:txBody>
+        </p:sp>
+      </p:grpSp>
+      <p:sp>
+        <p:nvSpPr>
+          <p:cNvPr id="39" name="TextBox 38"/>
+          <p:cNvSpPr txBox="1"/>
+          <p:nvPr/>
+        </p:nvSpPr>
+        <p:spPr>
+          <a:xfrm>
+            <a:off x="1162409" y="1905000"/>
+            <a:ext cx="615623" cy="307777"/>
+          </a:xfrm>
+          <a:prstGeom prst="rect">
+            <a:avLst/>
+          </a:prstGeom>
+          <a:noFill/>
+          <a:ln>
+            <a:noFill/>
+          </a:ln>
+        </p:spPr>
+        <p:txBody>
+          <a:bodyPr wrap="none" rtlCol="0">
+            <a:spAutoFit/>
+          </a:bodyPr>
+          <a:lstStyle/>
+          <a:p>
+            <a:r>
+              <a:rPr lang="en-US" sz="1400" dirty="0" smtClean="0">
+                <a:solidFill>
+                  <a:schemeClr val="accent3"/>
+                </a:solidFill>
+                <a:latin typeface="Courier"/>
+                <a:cs typeface="Courier"/>
+              </a:rPr>
+              <a:t>Back</a:t>
+            </a:r>
+            <a:endParaRPr lang="en-US" sz="1400" dirty="0">
+              <a:solidFill>
+                <a:schemeClr val="accent3"/>
+              </a:solidFill>
+              <a:latin typeface="Courier"/>
+              <a:cs typeface="Courier"/>
+            </a:endParaRPr>
+          </a:p>
+        </p:txBody>
+      </p:sp>
+      <p:sp>
+        <p:nvSpPr>
+          <p:cNvPr id="40" name="TextBox 39"/>
+          <p:cNvSpPr txBox="1"/>
+          <p:nvPr/>
+        </p:nvSpPr>
+        <p:spPr>
+          <a:xfrm>
+            <a:off x="4028063" y="1904663"/>
+            <a:ext cx="615623" cy="307777"/>
+          </a:xfrm>
+          <a:prstGeom prst="rect">
+            <a:avLst/>
+          </a:prstGeom>
+          <a:noFill/>
+          <a:ln>
+            <a:noFill/>
+          </a:ln>
+        </p:spPr>
+        <p:txBody>
+          <a:bodyPr wrap="none" rtlCol="0">
+            <a:spAutoFit/>
+          </a:bodyPr>
+          <a:lstStyle/>
+          <a:p>
+            <a:r>
+              <a:rPr lang="en-US" sz="1400" dirty="0" smtClean="0">
+                <a:solidFill>
+                  <a:schemeClr val="accent3"/>
+                </a:solidFill>
+                <a:latin typeface="Courier"/>
+                <a:cs typeface="Courier"/>
+              </a:rPr>
+              <a:t>Left</a:t>
+            </a:r>
+            <a:endParaRPr lang="en-US" sz="1400" dirty="0">
+              <a:solidFill>
+                <a:schemeClr val="accent3"/>
+              </a:solidFill>
+              <a:latin typeface="Courier"/>
+              <a:cs typeface="Courier"/>
+            </a:endParaRPr>
+          </a:p>
+        </p:txBody>
+      </p:sp>
+      <p:sp>
+        <p:nvSpPr>
+          <p:cNvPr id="41" name="TextBox 40"/>
+          <p:cNvSpPr txBox="1"/>
+          <p:nvPr/>
+        </p:nvSpPr>
+        <p:spPr>
+          <a:xfrm>
+            <a:off x="1107003" y="4635568"/>
+            <a:ext cx="723363" cy="307777"/>
+          </a:xfrm>
+          <a:prstGeom prst="rect">
+            <a:avLst/>
+          </a:prstGeom>
+          <a:noFill/>
+          <a:ln>
+            <a:noFill/>
+          </a:ln>
+        </p:spPr>
+        <p:txBody>
+          <a:bodyPr wrap="none" rtlCol="0">
+            <a:spAutoFit/>
+          </a:bodyPr>
+          <a:lstStyle/>
+          <a:p>
+            <a:r>
+              <a:rPr lang="en-US" sz="1400" dirty="0" smtClean="0">
+                <a:solidFill>
+                  <a:schemeClr val="accent3"/>
+                </a:solidFill>
+                <a:latin typeface="Courier"/>
+                <a:cs typeface="Courier"/>
+              </a:rPr>
+              <a:t>Right</a:t>
+            </a:r>
+            <a:endParaRPr lang="en-US" sz="1400" dirty="0">
+              <a:solidFill>
+                <a:schemeClr val="accent3"/>
+              </a:solidFill>
+              <a:latin typeface="Courier"/>
+              <a:cs typeface="Courier"/>
+            </a:endParaRPr>
+          </a:p>
+        </p:txBody>
+      </p:sp>
+      <p:sp>
+        <p:nvSpPr>
+          <p:cNvPr id="42" name="TextBox 41"/>
+          <p:cNvSpPr txBox="1"/>
+          <p:nvPr/>
+        </p:nvSpPr>
+        <p:spPr>
+          <a:xfrm>
+            <a:off x="3914993" y="4635568"/>
+            <a:ext cx="838691" cy="307777"/>
+          </a:xfrm>
+          <a:prstGeom prst="rect">
+            <a:avLst/>
+          </a:prstGeom>
+          <a:noFill/>
+          <a:ln>
+            <a:noFill/>
+          </a:ln>
+        </p:spPr>
+        <p:txBody>
+          <a:bodyPr wrap="none" rtlCol="0">
+            <a:spAutoFit/>
+          </a:bodyPr>
+          <a:lstStyle/>
+          <a:p>
+            <a:r>
+              <a:rPr lang="en-US" sz="1400" dirty="0" smtClean="0">
+                <a:solidFill>
+                  <a:schemeClr val="accent3"/>
+                </a:solidFill>
+                <a:latin typeface="Courier"/>
+                <a:cs typeface="Courier"/>
+              </a:rPr>
+              <a:t>Bottom</a:t>
+            </a:r>
+            <a:endParaRPr lang="en-US" sz="1400" dirty="0">
+              <a:solidFill>
+                <a:schemeClr val="accent3"/>
+              </a:solidFill>
+              <a:latin typeface="Courier"/>
+              <a:cs typeface="Courier"/>
+            </a:endParaRPr>
+          </a:p>
+        </p:txBody>
+      </p:sp>
+      <p:sp>
+        <p:nvSpPr>
+          <p:cNvPr id="44" name="Curved Up Arrow 43"/>
+          <p:cNvSpPr/>
+          <p:nvPr/>
+        </p:nvSpPr>
+        <p:spPr>
+          <a:xfrm rot="5024921">
+            <a:off x="-404868" y="1590758"/>
+            <a:ext cx="1926752" cy="1028778"/>
+          </a:xfrm>
+          <a:prstGeom prst="curvedUpArrow">
+            <a:avLst>
+              <a:gd name="adj1" fmla="val 10817"/>
+              <a:gd name="adj2" fmla="val 29750"/>
+              <a:gd name="adj3" fmla="val 28092"/>
+            </a:avLst>
+          </a:prstGeom>
+        </p:spPr>
+        <p:style>
+          <a:lnRef idx="1">
+            <a:schemeClr val="accent1"/>
+          </a:lnRef>
+          <a:fillRef idx="3">
+            <a:schemeClr val="accent1"/>
+          </a:fillRef>
+          <a:effectRef idx="2">
+            <a:schemeClr val="accent1"/>
+          </a:effectRef>
+          <a:fontRef idx="minor">
+            <a:schemeClr val="lt1"/>
+          </a:fontRef>
+        </p:style>
+        <p:txBody>
+          <a:bodyPr rtlCol="0" anchor="ctr"/>
+          <a:lstStyle/>
+          <a:p>
+            <a:pPr algn="ctr"/>
+            <a:endParaRPr lang="en-US">
+              <a:solidFill>
+                <a:schemeClr val="tx1"/>
+              </a:solidFill>
+            </a:endParaRPr>
+          </a:p>
+        </p:txBody>
+      </p:sp>
+    </p:spTree>
+    <p:extLst>
+      <p:ext uri="{BB962C8B-B14F-4D97-AF65-F5344CB8AC3E}">
+        <p14:creationId xmlns:p14="http://schemas.microsoft.com/office/powerpoint/2010/main" val="1985130390"/>
       </p:ext>
     </p:extLst>
   </p:cSld>

--- a/geometryandappearances/figures.pptx
+++ b/geometryandappearances/figures.pptx
@@ -6886,7 +6886,7 @@
         </p:nvGrpSpPr>
         <p:grpSpPr>
           <a:xfrm>
-            <a:off x="302612" y="3432275"/>
+            <a:off x="302612" y="3066639"/>
             <a:ext cx="2332145" cy="1818847"/>
             <a:chOff x="302612" y="3432275"/>
             <a:chExt cx="2332145" cy="1818847"/>
@@ -7183,7 +7183,7 @@
         </p:nvGrpSpPr>
         <p:grpSpPr>
           <a:xfrm>
-            <a:off x="3168266" y="3432275"/>
+            <a:off x="3168266" y="3066639"/>
             <a:ext cx="2332145" cy="1818847"/>
             <a:chOff x="3168266" y="3432275"/>
             <a:chExt cx="2332145" cy="1818847"/>
@@ -7570,7 +7570,7 @@
         </p:nvSpPr>
         <p:spPr>
           <a:xfrm>
-            <a:off x="1107003" y="4635568"/>
+            <a:off x="1107003" y="4269932"/>
             <a:ext cx="723363" cy="307777"/>
           </a:xfrm>
           <a:prstGeom prst="rect">
@@ -7615,7 +7615,7 @@
         </p:nvSpPr>
         <p:spPr>
           <a:xfrm>
-            <a:off x="3914993" y="4635568"/>
+            <a:off x="3914993" y="4269932"/>
             <a:ext cx="838691" cy="307777"/>
           </a:xfrm>
           <a:prstGeom prst="rect">

--- a/geometryandappearances/figures.pptx
+++ b/geometryandappearances/figures.pptx
@@ -10,6 +10,9 @@
     <p:sldId id="259" r:id="rId4"/>
     <p:sldId id="260" r:id="rId5"/>
     <p:sldId id="261" r:id="rId6"/>
+    <p:sldId id="262" r:id="rId7"/>
+    <p:sldId id="263" r:id="rId8"/>
+    <p:sldId id="264" r:id="rId9"/>
   </p:sldIdLst>
   <p:sldSz cx="9144000" cy="6858000" type="screen4x3"/>
   <p:notesSz cx="6858000" cy="9144000"/>
@@ -292,7 +295,7 @@
           <a:p>
             <a:fld id="{D099881E-C376-5245-9839-40D0BEEA1124}" type="datetimeFigureOut">
               <a:rPr lang="en-US" smtClean="0"/>
-              <a:t>6/25/13</a:t>
+              <a:t>9/18/2013</a:t>
             </a:fld>
             <a:endParaRPr lang="en-US"/>
           </a:p>
@@ -462,7 +465,7 @@
           <a:p>
             <a:fld id="{D099881E-C376-5245-9839-40D0BEEA1124}" type="datetimeFigureOut">
               <a:rPr lang="en-US" smtClean="0"/>
-              <a:t>6/25/13</a:t>
+              <a:t>9/18/2013</a:t>
             </a:fld>
             <a:endParaRPr lang="en-US"/>
           </a:p>
@@ -642,7 +645,7 @@
           <a:p>
             <a:fld id="{D099881E-C376-5245-9839-40D0BEEA1124}" type="datetimeFigureOut">
               <a:rPr lang="en-US" smtClean="0"/>
-              <a:t>6/25/13</a:t>
+              <a:t>9/18/2013</a:t>
             </a:fld>
             <a:endParaRPr lang="en-US"/>
           </a:p>
@@ -812,7 +815,7 @@
           <a:p>
             <a:fld id="{D099881E-C376-5245-9839-40D0BEEA1124}" type="datetimeFigureOut">
               <a:rPr lang="en-US" smtClean="0"/>
-              <a:t>6/25/13</a:t>
+              <a:t>9/18/2013</a:t>
             </a:fld>
             <a:endParaRPr lang="en-US"/>
           </a:p>
@@ -1058,7 +1061,7 @@
           <a:p>
             <a:fld id="{D099881E-C376-5245-9839-40D0BEEA1124}" type="datetimeFigureOut">
               <a:rPr lang="en-US" smtClean="0"/>
-              <a:t>6/25/13</a:t>
+              <a:t>9/18/2013</a:t>
             </a:fld>
             <a:endParaRPr lang="en-US"/>
           </a:p>
@@ -1346,7 +1349,7 @@
           <a:p>
             <a:fld id="{D099881E-C376-5245-9839-40D0BEEA1124}" type="datetimeFigureOut">
               <a:rPr lang="en-US" smtClean="0"/>
-              <a:t>6/25/13</a:t>
+              <a:t>9/18/2013</a:t>
             </a:fld>
             <a:endParaRPr lang="en-US"/>
           </a:p>
@@ -1768,7 +1771,7 @@
           <a:p>
             <a:fld id="{D099881E-C376-5245-9839-40D0BEEA1124}" type="datetimeFigureOut">
               <a:rPr lang="en-US" smtClean="0"/>
-              <a:t>6/25/13</a:t>
+              <a:t>9/18/2013</a:t>
             </a:fld>
             <a:endParaRPr lang="en-US"/>
           </a:p>
@@ -1886,7 +1889,7 @@
           <a:p>
             <a:fld id="{D099881E-C376-5245-9839-40D0BEEA1124}" type="datetimeFigureOut">
               <a:rPr lang="en-US" smtClean="0"/>
-              <a:t>6/25/13</a:t>
+              <a:t>9/18/2013</a:t>
             </a:fld>
             <a:endParaRPr lang="en-US"/>
           </a:p>
@@ -1981,7 +1984,7 @@
           <a:p>
             <a:fld id="{D099881E-C376-5245-9839-40D0BEEA1124}" type="datetimeFigureOut">
               <a:rPr lang="en-US" smtClean="0"/>
-              <a:t>6/25/13</a:t>
+              <a:t>9/18/2013</a:t>
             </a:fld>
             <a:endParaRPr lang="en-US"/>
           </a:p>
@@ -2258,7 +2261,7 @@
           <a:p>
             <a:fld id="{D099881E-C376-5245-9839-40D0BEEA1124}" type="datetimeFigureOut">
               <a:rPr lang="en-US" smtClean="0"/>
-              <a:t>6/25/13</a:t>
+              <a:t>9/18/2013</a:t>
             </a:fld>
             <a:endParaRPr lang="en-US"/>
           </a:p>
@@ -2511,7 +2514,7 @@
           <a:p>
             <a:fld id="{D099881E-C376-5245-9839-40D0BEEA1124}" type="datetimeFigureOut">
               <a:rPr lang="en-US" smtClean="0"/>
-              <a:t>6/25/13</a:t>
+              <a:t>9/18/2013</a:t>
             </a:fld>
             <a:endParaRPr lang="en-US"/>
           </a:p>
@@ -2724,7 +2727,7 @@
           <a:p>
             <a:fld id="{D099881E-C376-5245-9839-40D0BEEA1124}" type="datetimeFigureOut">
               <a:rPr lang="en-US" smtClean="0"/>
-              <a:t>6/25/13</a:t>
+              <a:t>9/18/2013</a:t>
             </a:fld>
             <a:endParaRPr lang="en-US"/>
           </a:p>
@@ -5425,13 +5428,6 @@
               </a:rPr>
               <a:t>x</a:t>
             </a:r>
-            <a:endParaRPr lang="en-US" sz="1400" dirty="0">
-              <a:solidFill>
-                <a:schemeClr val="accent1"/>
-              </a:solidFill>
-              <a:latin typeface="Courier"/>
-              <a:cs typeface="Courier"/>
-            </a:endParaRPr>
           </a:p>
         </p:txBody>
       </p:sp>
@@ -6064,13 +6060,6 @@
               </a:rPr>
               <a:t>0</a:t>
             </a:r>
-            <a:endParaRPr lang="en-US" sz="1400" dirty="0">
-              <a:solidFill>
-                <a:schemeClr val="accent3"/>
-              </a:solidFill>
-              <a:latin typeface="Courier"/>
-              <a:cs typeface="Courier"/>
-            </a:endParaRPr>
           </a:p>
         </p:txBody>
       </p:sp>
@@ -6374,13 +6363,6 @@
                 </a:rPr>
                 <a:t>0</a:t>
               </a:r>
-              <a:endParaRPr lang="en-US" sz="1400" dirty="0">
-                <a:solidFill>
-                  <a:schemeClr val="accent3"/>
-                </a:solidFill>
-                <a:latin typeface="Courier"/>
-                <a:cs typeface="Courier"/>
-              </a:endParaRPr>
             </a:p>
           </p:txBody>
         </p:sp>
@@ -6589,7 +6571,7 @@
         </p:nvGrpSpPr>
         <p:grpSpPr>
           <a:xfrm>
-            <a:off x="3169802" y="720450"/>
+            <a:off x="2676176" y="720450"/>
             <a:ext cx="2332145" cy="1818847"/>
             <a:chOff x="3169802" y="720450"/>
             <a:chExt cx="2332145" cy="1818847"/>
@@ -6671,13 +6653,6 @@
                 </a:rPr>
                 <a:t>0</a:t>
               </a:r>
-              <a:endParaRPr lang="en-US" sz="1400" dirty="0">
-                <a:solidFill>
-                  <a:schemeClr val="accent3"/>
-                </a:solidFill>
-                <a:latin typeface="Courier"/>
-                <a:cs typeface="Courier"/>
-              </a:endParaRPr>
             </a:p>
           </p:txBody>
         </p:sp>
@@ -6886,7 +6861,7 @@
         </p:nvGrpSpPr>
         <p:grpSpPr>
           <a:xfrm>
-            <a:off x="302612" y="3066639"/>
+            <a:off x="302612" y="2658886"/>
             <a:ext cx="2332145" cy="1818847"/>
             <a:chOff x="302612" y="3432275"/>
             <a:chExt cx="2332145" cy="1818847"/>
@@ -6968,13 +6943,6 @@
                 </a:rPr>
                 <a:t>0</a:t>
               </a:r>
-              <a:endParaRPr lang="en-US" sz="1400" dirty="0">
-                <a:solidFill>
-                  <a:schemeClr val="accent3"/>
-                </a:solidFill>
-                <a:latin typeface="Courier"/>
-                <a:cs typeface="Courier"/>
-              </a:endParaRPr>
             </a:p>
           </p:txBody>
         </p:sp>
@@ -7183,7 +7151,7 @@
         </p:nvGrpSpPr>
         <p:grpSpPr>
           <a:xfrm>
-            <a:off x="3168266" y="3066639"/>
+            <a:off x="2674640" y="2658886"/>
             <a:ext cx="2332145" cy="1818847"/>
             <a:chOff x="3168266" y="3432275"/>
             <a:chExt cx="2332145" cy="1818847"/>
@@ -7265,13 +7233,6 @@
                 </a:rPr>
                 <a:t>3</a:t>
               </a:r>
-              <a:endParaRPr lang="en-US" sz="1400" dirty="0">
-                <a:solidFill>
-                  <a:schemeClr val="accent3"/>
-                </a:solidFill>
-                <a:latin typeface="Courier"/>
-                <a:cs typeface="Courier"/>
-              </a:endParaRPr>
             </a:p>
           </p:txBody>
         </p:sp>
@@ -7525,7 +7486,7 @@
         </p:nvSpPr>
         <p:spPr>
           <a:xfrm>
-            <a:off x="4028063" y="1904663"/>
+            <a:off x="3534437" y="1904663"/>
             <a:ext cx="615623" cy="307777"/>
           </a:xfrm>
           <a:prstGeom prst="rect">
@@ -7570,7 +7531,7 @@
         </p:nvSpPr>
         <p:spPr>
           <a:xfrm>
-            <a:off x="1107003" y="4269932"/>
+            <a:off x="1107003" y="3862179"/>
             <a:ext cx="723363" cy="307777"/>
           </a:xfrm>
           <a:prstGeom prst="rect">
@@ -7615,7 +7576,7 @@
         </p:nvSpPr>
         <p:spPr>
           <a:xfrm>
-            <a:off x="3914993" y="4269932"/>
+            <a:off x="3421367" y="3862179"/>
             <a:ext cx="838691" cy="307777"/>
           </a:xfrm>
           <a:prstGeom prst="rect">
@@ -7702,6 +7663,4584 @@
     <p:extLst>
       <p:ext uri="{BB962C8B-B14F-4D97-AF65-F5344CB8AC3E}">
         <p14:creationId xmlns:p14="http://schemas.microsoft.com/office/powerpoint/2010/main" val="1985130390"/>
+      </p:ext>
+    </p:extLst>
+  </p:cSld>
+  <p:clrMapOvr>
+    <a:masterClrMapping/>
+  </p:clrMapOvr>
+</p:sld>
+</file>
+
+<file path=ppt/slides/slide6.xml><?xml version="1.0" encoding="utf-8"?>
+<p:sld xmlns:a="http://schemas.openxmlformats.org/drawingml/2006/main" xmlns:r="http://schemas.openxmlformats.org/officeDocument/2006/relationships" xmlns:p="http://schemas.openxmlformats.org/presentationml/2006/main">
+  <p:cSld>
+    <p:spTree>
+      <p:nvGrpSpPr>
+        <p:cNvPr id="1" name=""/>
+        <p:cNvGrpSpPr/>
+        <p:nvPr/>
+      </p:nvGrpSpPr>
+      <p:grpSpPr>
+        <a:xfrm>
+          <a:off x="0" y="0"/>
+          <a:ext cx="0" cy="0"/>
+          <a:chOff x="0" y="0"/>
+          <a:chExt cx="0" cy="0"/>
+        </a:xfrm>
+      </p:grpSpPr>
+      <p:cxnSp>
+        <p:nvCxnSpPr>
+          <p:cNvPr id="5" name="Straight Arrow Connector 4"/>
+          <p:cNvCxnSpPr/>
+          <p:nvPr/>
+        </p:nvCxnSpPr>
+        <p:spPr>
+          <a:xfrm flipV="1">
+            <a:off x="3617671" y="3404598"/>
+            <a:ext cx="1828078" cy="9622"/>
+          </a:xfrm>
+          <a:prstGeom prst="straightConnector1">
+            <a:avLst/>
+          </a:prstGeom>
+          <a:ln>
+            <a:tailEnd type="arrow"/>
+          </a:ln>
+        </p:spPr>
+        <p:style>
+          <a:lnRef idx="2">
+            <a:schemeClr val="accent1"/>
+          </a:lnRef>
+          <a:fillRef idx="0">
+            <a:schemeClr val="accent1"/>
+          </a:fillRef>
+          <a:effectRef idx="1">
+            <a:schemeClr val="accent1"/>
+          </a:effectRef>
+          <a:fontRef idx="minor">
+            <a:schemeClr val="tx1"/>
+          </a:fontRef>
+        </p:style>
+      </p:cxnSp>
+      <p:cxnSp>
+        <p:nvCxnSpPr>
+          <p:cNvPr id="6" name="Straight Arrow Connector 5"/>
+          <p:cNvCxnSpPr/>
+          <p:nvPr/>
+        </p:nvCxnSpPr>
+        <p:spPr>
+          <a:xfrm flipV="1">
+            <a:off x="3617671" y="1577989"/>
+            <a:ext cx="0" cy="1826609"/>
+          </a:xfrm>
+          <a:prstGeom prst="straightConnector1">
+            <a:avLst/>
+          </a:prstGeom>
+          <a:ln>
+            <a:tailEnd type="arrow"/>
+          </a:ln>
+        </p:spPr>
+        <p:style>
+          <a:lnRef idx="2">
+            <a:schemeClr val="accent1"/>
+          </a:lnRef>
+          <a:fillRef idx="0">
+            <a:schemeClr val="accent1"/>
+          </a:fillRef>
+          <a:effectRef idx="1">
+            <a:schemeClr val="accent1"/>
+          </a:effectRef>
+          <a:fontRef idx="minor">
+            <a:schemeClr val="tx1"/>
+          </a:fontRef>
+        </p:style>
+      </p:cxnSp>
+      <p:cxnSp>
+        <p:nvCxnSpPr>
+          <p:cNvPr id="15" name="Straight Arrow Connector 14"/>
+          <p:cNvCxnSpPr/>
+          <p:nvPr/>
+        </p:nvCxnSpPr>
+        <p:spPr>
+          <a:xfrm flipH="1">
+            <a:off x="2453474" y="3414220"/>
+            <a:ext cx="1164197" cy="857898"/>
+          </a:xfrm>
+          <a:prstGeom prst="straightConnector1">
+            <a:avLst/>
+          </a:prstGeom>
+          <a:ln>
+            <a:tailEnd type="arrow"/>
+          </a:ln>
+        </p:spPr>
+        <p:style>
+          <a:lnRef idx="2">
+            <a:schemeClr val="accent1"/>
+          </a:lnRef>
+          <a:fillRef idx="0">
+            <a:schemeClr val="accent1"/>
+          </a:fillRef>
+          <a:effectRef idx="1">
+            <a:schemeClr val="accent1"/>
+          </a:effectRef>
+          <a:fontRef idx="minor">
+            <a:schemeClr val="tx1"/>
+          </a:fontRef>
+        </p:style>
+      </p:cxnSp>
+      <p:sp>
+        <p:nvSpPr>
+          <p:cNvPr id="17" name="TextBox 16"/>
+          <p:cNvSpPr txBox="1"/>
+          <p:nvPr/>
+        </p:nvSpPr>
+        <p:spPr>
+          <a:xfrm>
+            <a:off x="2309845" y="4272118"/>
+            <a:ext cx="292405" cy="307777"/>
+          </a:xfrm>
+          <a:prstGeom prst="rect">
+            <a:avLst/>
+          </a:prstGeom>
+          <a:noFill/>
+          <a:ln>
+            <a:noFill/>
+          </a:ln>
+        </p:spPr>
+        <p:txBody>
+          <a:bodyPr wrap="none" rtlCol="0">
+            <a:spAutoFit/>
+          </a:bodyPr>
+          <a:lstStyle/>
+          <a:p>
+            <a:r>
+              <a:rPr lang="en-US" sz="1400" dirty="0">
+                <a:solidFill>
+                  <a:schemeClr val="accent1"/>
+                </a:solidFill>
+                <a:latin typeface="Courier"/>
+                <a:cs typeface="Courier"/>
+              </a:rPr>
+              <a:t>x</a:t>
+            </a:r>
+          </a:p>
+        </p:txBody>
+      </p:sp>
+      <p:sp>
+        <p:nvSpPr>
+          <p:cNvPr id="19" name="TextBox 18"/>
+          <p:cNvSpPr txBox="1"/>
+          <p:nvPr/>
+        </p:nvSpPr>
+        <p:spPr>
+          <a:xfrm>
+            <a:off x="5445749" y="3229554"/>
+            <a:ext cx="292405" cy="307777"/>
+          </a:xfrm>
+          <a:prstGeom prst="rect">
+            <a:avLst/>
+          </a:prstGeom>
+          <a:noFill/>
+          <a:ln>
+            <a:noFill/>
+          </a:ln>
+        </p:spPr>
+        <p:txBody>
+          <a:bodyPr wrap="none" rtlCol="0">
+            <a:spAutoFit/>
+          </a:bodyPr>
+          <a:lstStyle/>
+          <a:p>
+            <a:r>
+              <a:rPr lang="en-US" sz="1400" dirty="0">
+                <a:solidFill>
+                  <a:schemeClr val="accent1"/>
+                </a:solidFill>
+                <a:latin typeface="Courier"/>
+                <a:cs typeface="Courier"/>
+              </a:rPr>
+              <a:t>y</a:t>
+            </a:r>
+          </a:p>
+        </p:txBody>
+      </p:sp>
+      <p:sp>
+        <p:nvSpPr>
+          <p:cNvPr id="20" name="TextBox 19"/>
+          <p:cNvSpPr txBox="1"/>
+          <p:nvPr/>
+        </p:nvSpPr>
+        <p:spPr>
+          <a:xfrm>
+            <a:off x="3479746" y="1208657"/>
+            <a:ext cx="292405" cy="307777"/>
+          </a:xfrm>
+          <a:prstGeom prst="rect">
+            <a:avLst/>
+          </a:prstGeom>
+          <a:noFill/>
+          <a:ln>
+            <a:noFill/>
+          </a:ln>
+        </p:spPr>
+        <p:txBody>
+          <a:bodyPr wrap="none" rtlCol="0">
+            <a:spAutoFit/>
+          </a:bodyPr>
+          <a:lstStyle/>
+          <a:p>
+            <a:r>
+              <a:rPr lang="en-US" sz="1400" dirty="0">
+                <a:solidFill>
+                  <a:schemeClr val="accent1"/>
+                </a:solidFill>
+                <a:latin typeface="Courier"/>
+                <a:cs typeface="Courier"/>
+              </a:rPr>
+              <a:t>z</a:t>
+            </a:r>
+          </a:p>
+        </p:txBody>
+      </p:sp>
+      <p:cxnSp>
+        <p:nvCxnSpPr>
+          <p:cNvPr id="26" name="Straight Connector 25"/>
+          <p:cNvCxnSpPr>
+            <a:stCxn id="77" idx="5"/>
+            <a:endCxn id="76" idx="0"/>
+          </p:cNvCxnSpPr>
+          <p:nvPr/>
+        </p:nvCxnSpPr>
+        <p:spPr>
+          <a:xfrm>
+            <a:off x="3319741" y="3173115"/>
+            <a:ext cx="178606" cy="897629"/>
+          </a:xfrm>
+          <a:prstGeom prst="line">
+            <a:avLst/>
+          </a:prstGeom>
+        </p:spPr>
+        <p:style>
+          <a:lnRef idx="2">
+            <a:schemeClr val="accent3"/>
+          </a:lnRef>
+          <a:fillRef idx="0">
+            <a:schemeClr val="accent3"/>
+          </a:fillRef>
+          <a:effectRef idx="1">
+            <a:schemeClr val="accent3"/>
+          </a:effectRef>
+          <a:fontRef idx="minor">
+            <a:schemeClr val="tx1"/>
+          </a:fontRef>
+        </p:style>
+      </p:cxnSp>
+      <p:cxnSp>
+        <p:nvCxnSpPr>
+          <p:cNvPr id="30" name="Straight Connector 29"/>
+          <p:cNvCxnSpPr>
+            <a:stCxn id="76" idx="1"/>
+            <a:endCxn id="75" idx="5"/>
+          </p:cNvCxnSpPr>
+          <p:nvPr/>
+        </p:nvCxnSpPr>
+        <p:spPr>
+          <a:xfrm flipV="1">
+            <a:off x="3482182" y="3615050"/>
+            <a:ext cx="945764" cy="462389"/>
+          </a:xfrm>
+          <a:prstGeom prst="line">
+            <a:avLst/>
+          </a:prstGeom>
+        </p:spPr>
+        <p:style>
+          <a:lnRef idx="2">
+            <a:schemeClr val="accent3"/>
+          </a:lnRef>
+          <a:fillRef idx="0">
+            <a:schemeClr val="accent3"/>
+          </a:fillRef>
+          <a:effectRef idx="1">
+            <a:schemeClr val="accent3"/>
+          </a:effectRef>
+          <a:fontRef idx="minor">
+            <a:schemeClr val="tx1"/>
+          </a:fontRef>
+        </p:style>
+      </p:cxnSp>
+      <p:cxnSp>
+        <p:nvCxnSpPr>
+          <p:cNvPr id="33" name="Straight Connector 32"/>
+          <p:cNvCxnSpPr>
+            <a:stCxn id="77" idx="5"/>
+            <a:endCxn id="75" idx="3"/>
+          </p:cNvCxnSpPr>
+          <p:nvPr/>
+        </p:nvCxnSpPr>
+        <p:spPr>
+          <a:xfrm>
+            <a:off x="3319741" y="3173115"/>
+            <a:ext cx="1075876" cy="441935"/>
+          </a:xfrm>
+          <a:prstGeom prst="line">
+            <a:avLst/>
+          </a:prstGeom>
+        </p:spPr>
+        <p:style>
+          <a:lnRef idx="2">
+            <a:schemeClr val="accent3"/>
+          </a:lnRef>
+          <a:fillRef idx="0">
+            <a:schemeClr val="accent3"/>
+          </a:fillRef>
+          <a:effectRef idx="1">
+            <a:schemeClr val="accent3"/>
+          </a:effectRef>
+          <a:fontRef idx="minor">
+            <a:schemeClr val="tx1"/>
+          </a:fontRef>
+        </p:style>
+      </p:cxnSp>
+      <p:cxnSp>
+        <p:nvCxnSpPr>
+          <p:cNvPr id="36" name="Straight Connector 35"/>
+          <p:cNvCxnSpPr>
+            <a:stCxn id="78" idx="5"/>
+            <a:endCxn id="75" idx="6"/>
+          </p:cNvCxnSpPr>
+          <p:nvPr/>
+        </p:nvCxnSpPr>
+        <p:spPr>
+          <a:xfrm>
+            <a:off x="3633836" y="2477515"/>
+            <a:ext cx="800805" cy="1121371"/>
+          </a:xfrm>
+          <a:prstGeom prst="line">
+            <a:avLst/>
+          </a:prstGeom>
+        </p:spPr>
+        <p:style>
+          <a:lnRef idx="2">
+            <a:schemeClr val="accent3"/>
+          </a:lnRef>
+          <a:fillRef idx="0">
+            <a:schemeClr val="accent3"/>
+          </a:fillRef>
+          <a:effectRef idx="1">
+            <a:schemeClr val="accent3"/>
+          </a:effectRef>
+          <a:fontRef idx="minor">
+            <a:schemeClr val="tx1"/>
+          </a:fontRef>
+        </p:style>
+      </p:cxnSp>
+      <p:cxnSp>
+        <p:nvCxnSpPr>
+          <p:cNvPr id="39" name="Straight Connector 38"/>
+          <p:cNvCxnSpPr>
+            <a:stCxn id="78" idx="4"/>
+            <a:endCxn id="76" idx="5"/>
+          </p:cNvCxnSpPr>
+          <p:nvPr/>
+        </p:nvCxnSpPr>
+        <p:spPr>
+          <a:xfrm flipH="1">
+            <a:off x="3514511" y="2484210"/>
+            <a:ext cx="103161" cy="1625558"/>
+          </a:xfrm>
+          <a:prstGeom prst="line">
+            <a:avLst/>
+          </a:prstGeom>
+        </p:spPr>
+        <p:style>
+          <a:lnRef idx="2">
+            <a:schemeClr val="accent3"/>
+          </a:lnRef>
+          <a:fillRef idx="0">
+            <a:schemeClr val="accent3"/>
+          </a:fillRef>
+          <a:effectRef idx="1">
+            <a:schemeClr val="accent3"/>
+          </a:effectRef>
+          <a:fontRef idx="minor">
+            <a:schemeClr val="tx1"/>
+          </a:fontRef>
+        </p:style>
+      </p:cxnSp>
+      <p:cxnSp>
+        <p:nvCxnSpPr>
+          <p:cNvPr id="42" name="Straight Connector 41"/>
+          <p:cNvCxnSpPr>
+            <a:stCxn id="78" idx="0"/>
+            <a:endCxn id="77" idx="7"/>
+          </p:cNvCxnSpPr>
+          <p:nvPr/>
+        </p:nvCxnSpPr>
+        <p:spPr>
+          <a:xfrm flipH="1">
+            <a:off x="3319741" y="2438491"/>
+            <a:ext cx="297931" cy="702295"/>
+          </a:xfrm>
+          <a:prstGeom prst="line">
+            <a:avLst/>
+          </a:prstGeom>
+        </p:spPr>
+        <p:style>
+          <a:lnRef idx="2">
+            <a:schemeClr val="accent3"/>
+          </a:lnRef>
+          <a:fillRef idx="0">
+            <a:schemeClr val="accent3"/>
+          </a:fillRef>
+          <a:effectRef idx="1">
+            <a:schemeClr val="accent3"/>
+          </a:effectRef>
+          <a:fontRef idx="minor">
+            <a:schemeClr val="tx1"/>
+          </a:fontRef>
+        </p:style>
+      </p:cxnSp>
+      <p:sp>
+        <p:nvSpPr>
+          <p:cNvPr id="75" name="Oval 74"/>
+          <p:cNvSpPr/>
+          <p:nvPr/>
+        </p:nvSpPr>
+        <p:spPr>
+          <a:xfrm>
+            <a:off x="4388922" y="3576026"/>
+            <a:ext cx="45719" cy="45719"/>
+          </a:xfrm>
+          <a:prstGeom prst="ellipse">
+            <a:avLst/>
+          </a:prstGeom>
+        </p:spPr>
+        <p:style>
+          <a:lnRef idx="2">
+            <a:schemeClr val="dk1">
+              <a:shade val="50000"/>
+            </a:schemeClr>
+          </a:lnRef>
+          <a:fillRef idx="1">
+            <a:schemeClr val="dk1"/>
+          </a:fillRef>
+          <a:effectRef idx="0">
+            <a:schemeClr val="dk1"/>
+          </a:effectRef>
+          <a:fontRef idx="minor">
+            <a:schemeClr val="lt1"/>
+          </a:fontRef>
+        </p:style>
+        <p:txBody>
+          <a:bodyPr rtlCol="0" anchor="ctr"/>
+          <a:lstStyle/>
+          <a:p>
+            <a:pPr algn="ctr"/>
+            <a:endParaRPr lang="en-US"/>
+          </a:p>
+        </p:txBody>
+      </p:sp>
+      <p:sp>
+        <p:nvSpPr>
+          <p:cNvPr id="76" name="Oval 75"/>
+          <p:cNvSpPr/>
+          <p:nvPr/>
+        </p:nvSpPr>
+        <p:spPr>
+          <a:xfrm>
+            <a:off x="3475487" y="4070744"/>
+            <a:ext cx="45719" cy="45719"/>
+          </a:xfrm>
+          <a:prstGeom prst="ellipse">
+            <a:avLst/>
+          </a:prstGeom>
+        </p:spPr>
+        <p:style>
+          <a:lnRef idx="2">
+            <a:schemeClr val="dk1">
+              <a:shade val="50000"/>
+            </a:schemeClr>
+          </a:lnRef>
+          <a:fillRef idx="1">
+            <a:schemeClr val="dk1"/>
+          </a:fillRef>
+          <a:effectRef idx="0">
+            <a:schemeClr val="dk1"/>
+          </a:effectRef>
+          <a:fontRef idx="minor">
+            <a:schemeClr val="lt1"/>
+          </a:fontRef>
+        </p:style>
+        <p:txBody>
+          <a:bodyPr rtlCol="0" anchor="ctr"/>
+          <a:lstStyle/>
+          <a:p>
+            <a:pPr algn="ctr"/>
+            <a:endParaRPr lang="en-US"/>
+          </a:p>
+        </p:txBody>
+      </p:sp>
+      <p:sp>
+        <p:nvSpPr>
+          <p:cNvPr id="77" name="Oval 76"/>
+          <p:cNvSpPr/>
+          <p:nvPr/>
+        </p:nvSpPr>
+        <p:spPr>
+          <a:xfrm>
+            <a:off x="3280717" y="3134091"/>
+            <a:ext cx="45719" cy="45719"/>
+          </a:xfrm>
+          <a:prstGeom prst="ellipse">
+            <a:avLst/>
+          </a:prstGeom>
+        </p:spPr>
+        <p:style>
+          <a:lnRef idx="2">
+            <a:schemeClr val="dk1">
+              <a:shade val="50000"/>
+            </a:schemeClr>
+          </a:lnRef>
+          <a:fillRef idx="1">
+            <a:schemeClr val="dk1"/>
+          </a:fillRef>
+          <a:effectRef idx="0">
+            <a:schemeClr val="dk1"/>
+          </a:effectRef>
+          <a:fontRef idx="minor">
+            <a:schemeClr val="lt1"/>
+          </a:fontRef>
+        </p:style>
+        <p:txBody>
+          <a:bodyPr rtlCol="0" anchor="ctr"/>
+          <a:lstStyle/>
+          <a:p>
+            <a:pPr algn="ctr"/>
+            <a:endParaRPr lang="en-US"/>
+          </a:p>
+        </p:txBody>
+      </p:sp>
+      <p:sp>
+        <p:nvSpPr>
+          <p:cNvPr id="78" name="Oval 77"/>
+          <p:cNvSpPr/>
+          <p:nvPr/>
+        </p:nvSpPr>
+        <p:spPr>
+          <a:xfrm>
+            <a:off x="3594812" y="2438491"/>
+            <a:ext cx="45719" cy="45719"/>
+          </a:xfrm>
+          <a:prstGeom prst="ellipse">
+            <a:avLst/>
+          </a:prstGeom>
+        </p:spPr>
+        <p:style>
+          <a:lnRef idx="2">
+            <a:schemeClr val="dk1">
+              <a:shade val="50000"/>
+            </a:schemeClr>
+          </a:lnRef>
+          <a:fillRef idx="1">
+            <a:schemeClr val="dk1"/>
+          </a:fillRef>
+          <a:effectRef idx="0">
+            <a:schemeClr val="dk1"/>
+          </a:effectRef>
+          <a:fontRef idx="minor">
+            <a:schemeClr val="lt1"/>
+          </a:fontRef>
+        </p:style>
+        <p:txBody>
+          <a:bodyPr rtlCol="0" anchor="ctr"/>
+          <a:lstStyle/>
+          <a:p>
+            <a:pPr algn="ctr"/>
+            <a:endParaRPr lang="en-US"/>
+          </a:p>
+        </p:txBody>
+      </p:sp>
+      <p:sp>
+        <p:nvSpPr>
+          <p:cNvPr id="21" name="Oval 20"/>
+          <p:cNvSpPr/>
+          <p:nvPr/>
+        </p:nvSpPr>
+        <p:spPr>
+          <a:xfrm>
+            <a:off x="3536387" y="2389067"/>
+            <a:ext cx="217522" cy="176895"/>
+          </a:xfrm>
+          <a:prstGeom prst="ellipse">
+            <a:avLst/>
+          </a:prstGeom>
+        </p:spPr>
+        <p:style>
+          <a:lnRef idx="2">
+            <a:schemeClr val="accent3">
+              <a:shade val="50000"/>
+            </a:schemeClr>
+          </a:lnRef>
+          <a:fillRef idx="1">
+            <a:schemeClr val="accent3"/>
+          </a:fillRef>
+          <a:effectRef idx="0">
+            <a:schemeClr val="accent3"/>
+          </a:effectRef>
+          <a:fontRef idx="minor">
+            <a:schemeClr val="lt1"/>
+          </a:fontRef>
+        </p:style>
+        <p:txBody>
+          <a:bodyPr rtlCol="0" anchor="ctr"/>
+          <a:lstStyle/>
+          <a:p>
+            <a:pPr algn="ctr"/>
+            <a:endParaRPr lang="en-US"/>
+          </a:p>
+        </p:txBody>
+      </p:sp>
+      <p:sp>
+        <p:nvSpPr>
+          <p:cNvPr id="22" name="Oval 21"/>
+          <p:cNvSpPr/>
+          <p:nvPr/>
+        </p:nvSpPr>
+        <p:spPr>
+          <a:xfrm>
+            <a:off x="3394868" y="3988991"/>
+            <a:ext cx="217522" cy="176895"/>
+          </a:xfrm>
+          <a:prstGeom prst="ellipse">
+            <a:avLst/>
+          </a:prstGeom>
+        </p:spPr>
+        <p:style>
+          <a:lnRef idx="2">
+            <a:schemeClr val="accent3">
+              <a:shade val="50000"/>
+            </a:schemeClr>
+          </a:lnRef>
+          <a:fillRef idx="1">
+            <a:schemeClr val="accent3"/>
+          </a:fillRef>
+          <a:effectRef idx="0">
+            <a:schemeClr val="accent3"/>
+          </a:effectRef>
+          <a:fontRef idx="minor">
+            <a:schemeClr val="lt1"/>
+          </a:fontRef>
+        </p:style>
+        <p:txBody>
+          <a:bodyPr rtlCol="0" anchor="ctr"/>
+          <a:lstStyle/>
+          <a:p>
+            <a:pPr algn="ctr"/>
+            <a:endParaRPr lang="en-US"/>
+          </a:p>
+        </p:txBody>
+      </p:sp>
+      <p:sp>
+        <p:nvSpPr>
+          <p:cNvPr id="23" name="Oval 22"/>
+          <p:cNvSpPr/>
+          <p:nvPr/>
+        </p:nvSpPr>
+        <p:spPr>
+          <a:xfrm>
+            <a:off x="4268746" y="3526602"/>
+            <a:ext cx="217522" cy="176895"/>
+          </a:xfrm>
+          <a:prstGeom prst="ellipse">
+            <a:avLst/>
+          </a:prstGeom>
+        </p:spPr>
+        <p:style>
+          <a:lnRef idx="2">
+            <a:schemeClr val="accent3">
+              <a:shade val="50000"/>
+            </a:schemeClr>
+          </a:lnRef>
+          <a:fillRef idx="1">
+            <a:schemeClr val="accent3"/>
+          </a:fillRef>
+          <a:effectRef idx="0">
+            <a:schemeClr val="accent3"/>
+          </a:effectRef>
+          <a:fontRef idx="minor">
+            <a:schemeClr val="lt1"/>
+          </a:fontRef>
+        </p:style>
+        <p:txBody>
+          <a:bodyPr rtlCol="0" anchor="ctr"/>
+          <a:lstStyle/>
+          <a:p>
+            <a:pPr algn="ctr"/>
+            <a:endParaRPr lang="en-US"/>
+          </a:p>
+        </p:txBody>
+      </p:sp>
+      <p:sp>
+        <p:nvSpPr>
+          <p:cNvPr id="24" name="Oval 23"/>
+          <p:cNvSpPr/>
+          <p:nvPr/>
+        </p:nvSpPr>
+        <p:spPr>
+          <a:xfrm>
+            <a:off x="3194815" y="3052659"/>
+            <a:ext cx="217522" cy="176895"/>
+          </a:xfrm>
+          <a:prstGeom prst="ellipse">
+            <a:avLst/>
+          </a:prstGeom>
+        </p:spPr>
+        <p:style>
+          <a:lnRef idx="2">
+            <a:schemeClr val="accent3">
+              <a:shade val="50000"/>
+            </a:schemeClr>
+          </a:lnRef>
+          <a:fillRef idx="1">
+            <a:schemeClr val="accent3"/>
+          </a:fillRef>
+          <a:effectRef idx="0">
+            <a:schemeClr val="accent3"/>
+          </a:effectRef>
+          <a:fontRef idx="minor">
+            <a:schemeClr val="lt1"/>
+          </a:fontRef>
+        </p:style>
+        <p:txBody>
+          <a:bodyPr rtlCol="0" anchor="ctr"/>
+          <a:lstStyle/>
+          <a:p>
+            <a:pPr algn="ctr"/>
+            <a:endParaRPr lang="en-US"/>
+          </a:p>
+        </p:txBody>
+      </p:sp>
+      <p:sp>
+        <p:nvSpPr>
+          <p:cNvPr id="92" name="TextBox 91"/>
+          <p:cNvSpPr txBox="1"/>
+          <p:nvPr/>
+        </p:nvSpPr>
+        <p:spPr>
+          <a:xfrm>
+            <a:off x="3704254" y="2284602"/>
+            <a:ext cx="292405" cy="307777"/>
+          </a:xfrm>
+          <a:prstGeom prst="rect">
+            <a:avLst/>
+          </a:prstGeom>
+          <a:noFill/>
+          <a:ln>
+            <a:noFill/>
+          </a:ln>
+        </p:spPr>
+        <p:txBody>
+          <a:bodyPr wrap="none" rtlCol="0">
+            <a:spAutoFit/>
+          </a:bodyPr>
+          <a:lstStyle/>
+          <a:p>
+            <a:r>
+              <a:rPr lang="en-US" sz="1400" dirty="0">
+                <a:solidFill>
+                  <a:schemeClr val="accent3"/>
+                </a:solidFill>
+                <a:latin typeface="Courier"/>
+                <a:cs typeface="Courier"/>
+              </a:rPr>
+              <a:t>0</a:t>
+            </a:r>
+          </a:p>
+        </p:txBody>
+      </p:sp>
+      <p:sp>
+        <p:nvSpPr>
+          <p:cNvPr id="93" name="TextBox 92"/>
+          <p:cNvSpPr txBox="1"/>
+          <p:nvPr/>
+        </p:nvSpPr>
+        <p:spPr>
+          <a:xfrm>
+            <a:off x="4520542" y="3444997"/>
+            <a:ext cx="292405" cy="307777"/>
+          </a:xfrm>
+          <a:prstGeom prst="rect">
+            <a:avLst/>
+          </a:prstGeom>
+          <a:noFill/>
+          <a:ln>
+            <a:noFill/>
+          </a:ln>
+        </p:spPr>
+        <p:txBody>
+          <a:bodyPr wrap="none" rtlCol="0">
+            <a:spAutoFit/>
+          </a:bodyPr>
+          <a:lstStyle/>
+          <a:p>
+            <a:r>
+              <a:rPr lang="en-US" sz="1400" dirty="0" smtClean="0">
+                <a:solidFill>
+                  <a:schemeClr val="accent3"/>
+                </a:solidFill>
+                <a:latin typeface="Courier"/>
+                <a:cs typeface="Courier"/>
+              </a:rPr>
+              <a:t>1</a:t>
+            </a:r>
+            <a:endParaRPr lang="en-US" sz="1400" dirty="0">
+              <a:solidFill>
+                <a:schemeClr val="accent3"/>
+              </a:solidFill>
+              <a:latin typeface="Courier"/>
+              <a:cs typeface="Courier"/>
+            </a:endParaRPr>
+          </a:p>
+        </p:txBody>
+      </p:sp>
+      <p:sp>
+        <p:nvSpPr>
+          <p:cNvPr id="94" name="TextBox 93"/>
+          <p:cNvSpPr txBox="1"/>
+          <p:nvPr/>
+        </p:nvSpPr>
+        <p:spPr>
+          <a:xfrm>
+            <a:off x="3092249" y="3923550"/>
+            <a:ext cx="292405" cy="307777"/>
+          </a:xfrm>
+          <a:prstGeom prst="rect">
+            <a:avLst/>
+          </a:prstGeom>
+          <a:noFill/>
+          <a:ln>
+            <a:noFill/>
+          </a:ln>
+        </p:spPr>
+        <p:txBody>
+          <a:bodyPr wrap="none" rtlCol="0">
+            <a:spAutoFit/>
+          </a:bodyPr>
+          <a:lstStyle/>
+          <a:p>
+            <a:r>
+              <a:rPr lang="en-US" sz="1400" dirty="0" smtClean="0">
+                <a:solidFill>
+                  <a:schemeClr val="accent3"/>
+                </a:solidFill>
+                <a:latin typeface="Courier"/>
+                <a:cs typeface="Courier"/>
+              </a:rPr>
+              <a:t>3</a:t>
+            </a:r>
+            <a:endParaRPr lang="en-US" sz="1400" dirty="0">
+              <a:solidFill>
+                <a:schemeClr val="accent3"/>
+              </a:solidFill>
+              <a:latin typeface="Courier"/>
+              <a:cs typeface="Courier"/>
+            </a:endParaRPr>
+          </a:p>
+        </p:txBody>
+      </p:sp>
+      <p:sp>
+        <p:nvSpPr>
+          <p:cNvPr id="95" name="TextBox 94"/>
+          <p:cNvSpPr txBox="1"/>
+          <p:nvPr/>
+        </p:nvSpPr>
+        <p:spPr>
+          <a:xfrm>
+            <a:off x="2902410" y="2986897"/>
+            <a:ext cx="292405" cy="307777"/>
+          </a:xfrm>
+          <a:prstGeom prst="rect">
+            <a:avLst/>
+          </a:prstGeom>
+          <a:noFill/>
+          <a:ln>
+            <a:noFill/>
+          </a:ln>
+        </p:spPr>
+        <p:txBody>
+          <a:bodyPr wrap="none" rtlCol="0">
+            <a:spAutoFit/>
+          </a:bodyPr>
+          <a:lstStyle/>
+          <a:p>
+            <a:r>
+              <a:rPr lang="en-US" sz="1400" dirty="0" smtClean="0">
+                <a:solidFill>
+                  <a:schemeClr val="accent3"/>
+                </a:solidFill>
+                <a:latin typeface="Courier"/>
+                <a:cs typeface="Courier"/>
+              </a:rPr>
+              <a:t>2</a:t>
+            </a:r>
+            <a:endParaRPr lang="en-US" sz="1400" dirty="0">
+              <a:solidFill>
+                <a:schemeClr val="accent3"/>
+              </a:solidFill>
+              <a:latin typeface="Courier"/>
+              <a:cs typeface="Courier"/>
+            </a:endParaRPr>
+          </a:p>
+        </p:txBody>
+      </p:sp>
+      <p:sp>
+        <p:nvSpPr>
+          <p:cNvPr id="97" name="TextBox 96"/>
+          <p:cNvSpPr txBox="1"/>
+          <p:nvPr/>
+        </p:nvSpPr>
+        <p:spPr>
+          <a:xfrm>
+            <a:off x="3968211" y="1577989"/>
+            <a:ext cx="1477538" cy="307777"/>
+          </a:xfrm>
+          <a:prstGeom prst="rect">
+            <a:avLst/>
+          </a:prstGeom>
+          <a:noFill/>
+          <a:ln>
+            <a:noFill/>
+          </a:ln>
+        </p:spPr>
+        <p:txBody>
+          <a:bodyPr wrap="none" rtlCol="0">
+            <a:spAutoFit/>
+          </a:bodyPr>
+          <a:lstStyle/>
+          <a:p>
+            <a:r>
+              <a:rPr lang="en-US" sz="1400" dirty="0" smtClean="0">
+                <a:solidFill>
+                  <a:schemeClr val="accent1"/>
+                </a:solidFill>
+                <a:latin typeface="Courier"/>
+                <a:cs typeface="Courier"/>
+              </a:rPr>
+              <a:t>Not to scale</a:t>
+            </a:r>
+            <a:endParaRPr lang="en-US" sz="1400" dirty="0">
+              <a:solidFill>
+                <a:schemeClr val="accent1"/>
+              </a:solidFill>
+              <a:latin typeface="Courier"/>
+              <a:cs typeface="Courier"/>
+            </a:endParaRPr>
+          </a:p>
+        </p:txBody>
+      </p:sp>
+      <p:cxnSp>
+        <p:nvCxnSpPr>
+          <p:cNvPr id="3" name="Straight Arrow Connector 2"/>
+          <p:cNvCxnSpPr>
+            <a:stCxn id="75" idx="5"/>
+          </p:cNvCxnSpPr>
+          <p:nvPr/>
+        </p:nvCxnSpPr>
+        <p:spPr>
+          <a:xfrm>
+            <a:off x="4427946" y="3615050"/>
+            <a:ext cx="385001" cy="114059"/>
+          </a:xfrm>
+          <a:prstGeom prst="straightConnector1">
+            <a:avLst/>
+          </a:prstGeom>
+          <a:ln>
+            <a:tailEnd type="arrow"/>
+          </a:ln>
+        </p:spPr>
+        <p:style>
+          <a:lnRef idx="2">
+            <a:schemeClr val="accent2"/>
+          </a:lnRef>
+          <a:fillRef idx="0">
+            <a:schemeClr val="accent2"/>
+          </a:fillRef>
+          <a:effectRef idx="1">
+            <a:schemeClr val="accent2"/>
+          </a:effectRef>
+          <a:fontRef idx="minor">
+            <a:schemeClr val="tx1"/>
+          </a:fontRef>
+        </p:style>
+      </p:cxnSp>
+      <p:cxnSp>
+        <p:nvCxnSpPr>
+          <p:cNvPr id="7" name="Straight Arrow Connector 6"/>
+          <p:cNvCxnSpPr>
+            <a:stCxn id="78" idx="0"/>
+          </p:cNvCxnSpPr>
+          <p:nvPr/>
+        </p:nvCxnSpPr>
+        <p:spPr>
+          <a:xfrm flipV="1">
+            <a:off x="3617672" y="2006353"/>
+            <a:ext cx="8276" cy="432138"/>
+          </a:xfrm>
+          <a:prstGeom prst="straightConnector1">
+            <a:avLst/>
+          </a:prstGeom>
+          <a:ln>
+            <a:tailEnd type="arrow"/>
+          </a:ln>
+        </p:spPr>
+        <p:style>
+          <a:lnRef idx="2">
+            <a:schemeClr val="accent2"/>
+          </a:lnRef>
+          <a:fillRef idx="0">
+            <a:schemeClr val="accent2"/>
+          </a:fillRef>
+          <a:effectRef idx="1">
+            <a:schemeClr val="accent2"/>
+          </a:effectRef>
+          <a:fontRef idx="minor">
+            <a:schemeClr val="tx1"/>
+          </a:fontRef>
+        </p:style>
+      </p:cxnSp>
+      <p:cxnSp>
+        <p:nvCxnSpPr>
+          <p:cNvPr id="9" name="Straight Arrow Connector 8"/>
+          <p:cNvCxnSpPr>
+            <a:stCxn id="76" idx="4"/>
+          </p:cNvCxnSpPr>
+          <p:nvPr/>
+        </p:nvCxnSpPr>
+        <p:spPr>
+          <a:xfrm flipH="1">
+            <a:off x="3412392" y="4116463"/>
+            <a:ext cx="85955" cy="396444"/>
+          </a:xfrm>
+          <a:prstGeom prst="straightConnector1">
+            <a:avLst/>
+          </a:prstGeom>
+          <a:ln>
+            <a:tailEnd type="arrow"/>
+          </a:ln>
+        </p:spPr>
+        <p:style>
+          <a:lnRef idx="2">
+            <a:schemeClr val="accent2"/>
+          </a:lnRef>
+          <a:fillRef idx="0">
+            <a:schemeClr val="accent2"/>
+          </a:fillRef>
+          <a:effectRef idx="1">
+            <a:schemeClr val="accent2"/>
+          </a:effectRef>
+          <a:fontRef idx="minor">
+            <a:schemeClr val="tx1"/>
+          </a:fontRef>
+        </p:style>
+      </p:cxnSp>
+      <p:cxnSp>
+        <p:nvCxnSpPr>
+          <p:cNvPr id="11" name="Straight Arrow Connector 10"/>
+          <p:cNvCxnSpPr>
+            <a:stCxn id="77" idx="7"/>
+          </p:cNvCxnSpPr>
+          <p:nvPr/>
+        </p:nvCxnSpPr>
+        <p:spPr>
+          <a:xfrm flipH="1" flipV="1">
+            <a:off x="2902410" y="2902998"/>
+            <a:ext cx="417331" cy="237788"/>
+          </a:xfrm>
+          <a:prstGeom prst="straightConnector1">
+            <a:avLst/>
+          </a:prstGeom>
+          <a:ln>
+            <a:tailEnd type="arrow"/>
+          </a:ln>
+        </p:spPr>
+        <p:style>
+          <a:lnRef idx="2">
+            <a:schemeClr val="accent2"/>
+          </a:lnRef>
+          <a:fillRef idx="0">
+            <a:schemeClr val="accent2"/>
+          </a:fillRef>
+          <a:effectRef idx="1">
+            <a:schemeClr val="accent2"/>
+          </a:effectRef>
+          <a:fontRef idx="minor">
+            <a:schemeClr val="tx1"/>
+          </a:fontRef>
+        </p:style>
+      </p:cxnSp>
+    </p:spTree>
+    <p:extLst>
+      <p:ext uri="{BB962C8B-B14F-4D97-AF65-F5344CB8AC3E}">
+        <p14:creationId xmlns:p14="http://schemas.microsoft.com/office/powerpoint/2010/main" val="1808898995"/>
+      </p:ext>
+    </p:extLst>
+  </p:cSld>
+  <p:clrMapOvr>
+    <a:masterClrMapping/>
+  </p:clrMapOvr>
+</p:sld>
+</file>
+
+<file path=ppt/slides/slide7.xml><?xml version="1.0" encoding="utf-8"?>
+<p:sld xmlns:a="http://schemas.openxmlformats.org/drawingml/2006/main" xmlns:r="http://schemas.openxmlformats.org/officeDocument/2006/relationships" xmlns:p="http://schemas.openxmlformats.org/presentationml/2006/main">
+  <p:cSld>
+    <p:spTree>
+      <p:nvGrpSpPr>
+        <p:cNvPr id="1" name=""/>
+        <p:cNvGrpSpPr/>
+        <p:nvPr/>
+      </p:nvGrpSpPr>
+      <p:grpSpPr>
+        <a:xfrm>
+          <a:off x="0" y="0"/>
+          <a:ext cx="0" cy="0"/>
+          <a:chOff x="0" y="0"/>
+          <a:chExt cx="0" cy="0"/>
+        </a:xfrm>
+      </p:grpSpPr>
+      <p:cxnSp>
+        <p:nvCxnSpPr>
+          <p:cNvPr id="5" name="Straight Arrow Connector 4"/>
+          <p:cNvCxnSpPr/>
+          <p:nvPr/>
+        </p:nvCxnSpPr>
+        <p:spPr>
+          <a:xfrm flipV="1">
+            <a:off x="3617671" y="3404598"/>
+            <a:ext cx="1828078" cy="9622"/>
+          </a:xfrm>
+          <a:prstGeom prst="straightConnector1">
+            <a:avLst/>
+          </a:prstGeom>
+          <a:ln>
+            <a:tailEnd type="arrow"/>
+          </a:ln>
+        </p:spPr>
+        <p:style>
+          <a:lnRef idx="2">
+            <a:schemeClr val="accent1"/>
+          </a:lnRef>
+          <a:fillRef idx="0">
+            <a:schemeClr val="accent1"/>
+          </a:fillRef>
+          <a:effectRef idx="1">
+            <a:schemeClr val="accent1"/>
+          </a:effectRef>
+          <a:fontRef idx="minor">
+            <a:schemeClr val="tx1"/>
+          </a:fontRef>
+        </p:style>
+      </p:cxnSp>
+      <p:cxnSp>
+        <p:nvCxnSpPr>
+          <p:cNvPr id="6" name="Straight Arrow Connector 5"/>
+          <p:cNvCxnSpPr/>
+          <p:nvPr/>
+        </p:nvCxnSpPr>
+        <p:spPr>
+          <a:xfrm flipV="1">
+            <a:off x="3617671" y="1577989"/>
+            <a:ext cx="0" cy="1826609"/>
+          </a:xfrm>
+          <a:prstGeom prst="straightConnector1">
+            <a:avLst/>
+          </a:prstGeom>
+          <a:ln>
+            <a:tailEnd type="arrow"/>
+          </a:ln>
+        </p:spPr>
+        <p:style>
+          <a:lnRef idx="2">
+            <a:schemeClr val="accent1"/>
+          </a:lnRef>
+          <a:fillRef idx="0">
+            <a:schemeClr val="accent1"/>
+          </a:fillRef>
+          <a:effectRef idx="1">
+            <a:schemeClr val="accent1"/>
+          </a:effectRef>
+          <a:fontRef idx="minor">
+            <a:schemeClr val="tx1"/>
+          </a:fontRef>
+        </p:style>
+      </p:cxnSp>
+      <p:cxnSp>
+        <p:nvCxnSpPr>
+          <p:cNvPr id="15" name="Straight Arrow Connector 14"/>
+          <p:cNvCxnSpPr/>
+          <p:nvPr/>
+        </p:nvCxnSpPr>
+        <p:spPr>
+          <a:xfrm flipH="1">
+            <a:off x="2453474" y="3414220"/>
+            <a:ext cx="1164197" cy="857898"/>
+          </a:xfrm>
+          <a:prstGeom prst="straightConnector1">
+            <a:avLst/>
+          </a:prstGeom>
+          <a:ln>
+            <a:tailEnd type="arrow"/>
+          </a:ln>
+        </p:spPr>
+        <p:style>
+          <a:lnRef idx="2">
+            <a:schemeClr val="accent1"/>
+          </a:lnRef>
+          <a:fillRef idx="0">
+            <a:schemeClr val="accent1"/>
+          </a:fillRef>
+          <a:effectRef idx="1">
+            <a:schemeClr val="accent1"/>
+          </a:effectRef>
+          <a:fontRef idx="minor">
+            <a:schemeClr val="tx1"/>
+          </a:fontRef>
+        </p:style>
+      </p:cxnSp>
+      <p:sp>
+        <p:nvSpPr>
+          <p:cNvPr id="17" name="TextBox 16"/>
+          <p:cNvSpPr txBox="1"/>
+          <p:nvPr/>
+        </p:nvSpPr>
+        <p:spPr>
+          <a:xfrm>
+            <a:off x="2309845" y="4272118"/>
+            <a:ext cx="292405" cy="307777"/>
+          </a:xfrm>
+          <a:prstGeom prst="rect">
+            <a:avLst/>
+          </a:prstGeom>
+          <a:noFill/>
+          <a:ln>
+            <a:noFill/>
+          </a:ln>
+        </p:spPr>
+        <p:txBody>
+          <a:bodyPr wrap="none" rtlCol="0">
+            <a:spAutoFit/>
+          </a:bodyPr>
+          <a:lstStyle/>
+          <a:p>
+            <a:r>
+              <a:rPr lang="en-US" sz="1400" dirty="0">
+                <a:solidFill>
+                  <a:schemeClr val="accent1"/>
+                </a:solidFill>
+                <a:latin typeface="Courier"/>
+                <a:cs typeface="Courier"/>
+              </a:rPr>
+              <a:t>x</a:t>
+            </a:r>
+          </a:p>
+        </p:txBody>
+      </p:sp>
+      <p:sp>
+        <p:nvSpPr>
+          <p:cNvPr id="19" name="TextBox 18"/>
+          <p:cNvSpPr txBox="1"/>
+          <p:nvPr/>
+        </p:nvSpPr>
+        <p:spPr>
+          <a:xfrm>
+            <a:off x="5445749" y="3229554"/>
+            <a:ext cx="292405" cy="307777"/>
+          </a:xfrm>
+          <a:prstGeom prst="rect">
+            <a:avLst/>
+          </a:prstGeom>
+          <a:noFill/>
+          <a:ln>
+            <a:noFill/>
+          </a:ln>
+        </p:spPr>
+        <p:txBody>
+          <a:bodyPr wrap="none" rtlCol="0">
+            <a:spAutoFit/>
+          </a:bodyPr>
+          <a:lstStyle/>
+          <a:p>
+            <a:r>
+              <a:rPr lang="en-US" sz="1400" dirty="0">
+                <a:solidFill>
+                  <a:schemeClr val="accent1"/>
+                </a:solidFill>
+                <a:latin typeface="Courier"/>
+                <a:cs typeface="Courier"/>
+              </a:rPr>
+              <a:t>y</a:t>
+            </a:r>
+          </a:p>
+        </p:txBody>
+      </p:sp>
+      <p:sp>
+        <p:nvSpPr>
+          <p:cNvPr id="20" name="TextBox 19"/>
+          <p:cNvSpPr txBox="1"/>
+          <p:nvPr/>
+        </p:nvSpPr>
+        <p:spPr>
+          <a:xfrm>
+            <a:off x="3479746" y="1208657"/>
+            <a:ext cx="292405" cy="307777"/>
+          </a:xfrm>
+          <a:prstGeom prst="rect">
+            <a:avLst/>
+          </a:prstGeom>
+          <a:noFill/>
+          <a:ln>
+            <a:noFill/>
+          </a:ln>
+        </p:spPr>
+        <p:txBody>
+          <a:bodyPr wrap="none" rtlCol="0">
+            <a:spAutoFit/>
+          </a:bodyPr>
+          <a:lstStyle/>
+          <a:p>
+            <a:r>
+              <a:rPr lang="en-US" sz="1400" dirty="0">
+                <a:solidFill>
+                  <a:schemeClr val="accent1"/>
+                </a:solidFill>
+                <a:latin typeface="Courier"/>
+                <a:cs typeface="Courier"/>
+              </a:rPr>
+              <a:t>z</a:t>
+            </a:r>
+          </a:p>
+        </p:txBody>
+      </p:sp>
+      <p:cxnSp>
+        <p:nvCxnSpPr>
+          <p:cNvPr id="26" name="Straight Connector 25"/>
+          <p:cNvCxnSpPr/>
+          <p:nvPr/>
+        </p:nvCxnSpPr>
+        <p:spPr>
+          <a:xfrm>
+            <a:off x="3295650" y="3173115"/>
+            <a:ext cx="202697" cy="897629"/>
+          </a:xfrm>
+          <a:prstGeom prst="line">
+            <a:avLst/>
+          </a:prstGeom>
+        </p:spPr>
+        <p:style>
+          <a:lnRef idx="2">
+            <a:schemeClr val="accent4"/>
+          </a:lnRef>
+          <a:fillRef idx="0">
+            <a:schemeClr val="accent4"/>
+          </a:fillRef>
+          <a:effectRef idx="1">
+            <a:schemeClr val="accent4"/>
+          </a:effectRef>
+          <a:fontRef idx="minor">
+            <a:schemeClr val="tx1"/>
+          </a:fontRef>
+        </p:style>
+      </p:cxnSp>
+      <p:cxnSp>
+        <p:nvCxnSpPr>
+          <p:cNvPr id="33" name="Straight Connector 32"/>
+          <p:cNvCxnSpPr/>
+          <p:nvPr/>
+        </p:nvCxnSpPr>
+        <p:spPr>
+          <a:xfrm>
+            <a:off x="3295650" y="3173115"/>
+            <a:ext cx="1162672" cy="425770"/>
+          </a:xfrm>
+          <a:prstGeom prst="line">
+            <a:avLst/>
+          </a:prstGeom>
+        </p:spPr>
+        <p:style>
+          <a:lnRef idx="2">
+            <a:schemeClr val="accent4"/>
+          </a:lnRef>
+          <a:fillRef idx="0">
+            <a:schemeClr val="accent4"/>
+          </a:fillRef>
+          <a:effectRef idx="1">
+            <a:schemeClr val="accent4"/>
+          </a:effectRef>
+          <a:fontRef idx="minor">
+            <a:schemeClr val="tx1"/>
+          </a:fontRef>
+        </p:style>
+      </p:cxnSp>
+      <p:sp>
+        <p:nvSpPr>
+          <p:cNvPr id="97" name="TextBox 96"/>
+          <p:cNvSpPr txBox="1"/>
+          <p:nvPr/>
+        </p:nvSpPr>
+        <p:spPr>
+          <a:xfrm>
+            <a:off x="3968211" y="1577989"/>
+            <a:ext cx="1477538" cy="307777"/>
+          </a:xfrm>
+          <a:prstGeom prst="rect">
+            <a:avLst/>
+          </a:prstGeom>
+          <a:noFill/>
+          <a:ln>
+            <a:noFill/>
+          </a:ln>
+        </p:spPr>
+        <p:txBody>
+          <a:bodyPr wrap="none" rtlCol="0">
+            <a:spAutoFit/>
+          </a:bodyPr>
+          <a:lstStyle/>
+          <a:p>
+            <a:r>
+              <a:rPr lang="en-US" sz="1400" dirty="0" smtClean="0">
+                <a:solidFill>
+                  <a:schemeClr val="accent1"/>
+                </a:solidFill>
+                <a:latin typeface="Courier"/>
+                <a:cs typeface="Courier"/>
+              </a:rPr>
+              <a:t>Not to scale</a:t>
+            </a:r>
+            <a:endParaRPr lang="en-US" sz="1400" dirty="0">
+              <a:solidFill>
+                <a:schemeClr val="accent1"/>
+              </a:solidFill>
+              <a:latin typeface="Courier"/>
+              <a:cs typeface="Courier"/>
+            </a:endParaRPr>
+          </a:p>
+        </p:txBody>
+      </p:sp>
+      <p:cxnSp>
+        <p:nvCxnSpPr>
+          <p:cNvPr id="27" name="Straight Connector 26"/>
+          <p:cNvCxnSpPr/>
+          <p:nvPr/>
+        </p:nvCxnSpPr>
+        <p:spPr>
+          <a:xfrm flipH="1">
+            <a:off x="3238451" y="2438490"/>
+            <a:ext cx="312318" cy="734625"/>
+          </a:xfrm>
+          <a:prstGeom prst="line">
+            <a:avLst/>
+          </a:prstGeom>
+        </p:spPr>
+        <p:style>
+          <a:lnRef idx="2">
+            <a:schemeClr val="accent6"/>
+          </a:lnRef>
+          <a:fillRef idx="0">
+            <a:schemeClr val="accent6"/>
+          </a:fillRef>
+          <a:effectRef idx="1">
+            <a:schemeClr val="accent6"/>
+          </a:effectRef>
+          <a:fontRef idx="minor">
+            <a:schemeClr val="tx1"/>
+          </a:fontRef>
+        </p:style>
+      </p:cxnSp>
+      <p:cxnSp>
+        <p:nvCxnSpPr>
+          <p:cNvPr id="28" name="Straight Connector 27"/>
+          <p:cNvCxnSpPr/>
+          <p:nvPr/>
+        </p:nvCxnSpPr>
+        <p:spPr>
+          <a:xfrm flipH="1">
+            <a:off x="3346822" y="2372969"/>
+            <a:ext cx="258390" cy="760756"/>
+          </a:xfrm>
+          <a:prstGeom prst="line">
+            <a:avLst/>
+          </a:prstGeom>
+        </p:spPr>
+        <p:style>
+          <a:lnRef idx="2">
+            <a:schemeClr val="accent3"/>
+          </a:lnRef>
+          <a:fillRef idx="0">
+            <a:schemeClr val="accent3"/>
+          </a:fillRef>
+          <a:effectRef idx="1">
+            <a:schemeClr val="accent3"/>
+          </a:effectRef>
+          <a:fontRef idx="minor">
+            <a:schemeClr val="tx1"/>
+          </a:fontRef>
+        </p:style>
+      </p:cxnSp>
+      <p:cxnSp>
+        <p:nvCxnSpPr>
+          <p:cNvPr id="32" name="Straight Connector 31"/>
+          <p:cNvCxnSpPr/>
+          <p:nvPr/>
+        </p:nvCxnSpPr>
+        <p:spPr>
+          <a:xfrm>
+            <a:off x="3238451" y="3173115"/>
+            <a:ext cx="216743" cy="951011"/>
+          </a:xfrm>
+          <a:prstGeom prst="line">
+            <a:avLst/>
+          </a:prstGeom>
+        </p:spPr>
+        <p:style>
+          <a:lnRef idx="2">
+            <a:schemeClr val="accent6"/>
+          </a:lnRef>
+          <a:fillRef idx="0">
+            <a:schemeClr val="accent6"/>
+          </a:fillRef>
+          <a:effectRef idx="1">
+            <a:schemeClr val="accent6"/>
+          </a:effectRef>
+          <a:fontRef idx="minor">
+            <a:schemeClr val="tx1"/>
+          </a:fontRef>
+        </p:style>
+      </p:cxnSp>
+      <p:cxnSp>
+        <p:nvCxnSpPr>
+          <p:cNvPr id="35" name="Straight Connector 34"/>
+          <p:cNvCxnSpPr/>
+          <p:nvPr/>
+        </p:nvCxnSpPr>
+        <p:spPr>
+          <a:xfrm>
+            <a:off x="3608707" y="2371725"/>
+            <a:ext cx="903900" cy="1175857"/>
+          </a:xfrm>
+          <a:prstGeom prst="line">
+            <a:avLst/>
+          </a:prstGeom>
+        </p:spPr>
+        <p:style>
+          <a:lnRef idx="2">
+            <a:schemeClr val="accent3"/>
+          </a:lnRef>
+          <a:fillRef idx="0">
+            <a:schemeClr val="accent3"/>
+          </a:fillRef>
+          <a:effectRef idx="1">
+            <a:schemeClr val="accent3"/>
+          </a:effectRef>
+          <a:fontRef idx="minor">
+            <a:schemeClr val="tx1"/>
+          </a:fontRef>
+        </p:style>
+      </p:cxnSp>
+      <p:cxnSp>
+        <p:nvCxnSpPr>
+          <p:cNvPr id="38" name="Straight Connector 37"/>
+          <p:cNvCxnSpPr/>
+          <p:nvPr/>
+        </p:nvCxnSpPr>
+        <p:spPr>
+          <a:xfrm>
+            <a:off x="3328988" y="3133725"/>
+            <a:ext cx="1158198" cy="413857"/>
+          </a:xfrm>
+          <a:prstGeom prst="line">
+            <a:avLst/>
+          </a:prstGeom>
+        </p:spPr>
+        <p:style>
+          <a:lnRef idx="2">
+            <a:schemeClr val="accent3"/>
+          </a:lnRef>
+          <a:fillRef idx="0">
+            <a:schemeClr val="accent3"/>
+          </a:fillRef>
+          <a:effectRef idx="1">
+            <a:schemeClr val="accent3"/>
+          </a:effectRef>
+          <a:fontRef idx="minor">
+            <a:schemeClr val="tx1"/>
+          </a:fontRef>
+        </p:style>
+      </p:cxnSp>
+      <p:cxnSp>
+        <p:nvCxnSpPr>
+          <p:cNvPr id="44" name="Straight Connector 43"/>
+          <p:cNvCxnSpPr/>
+          <p:nvPr/>
+        </p:nvCxnSpPr>
+        <p:spPr>
+          <a:xfrm flipV="1">
+            <a:off x="3512558" y="3601673"/>
+            <a:ext cx="945764" cy="462389"/>
+          </a:xfrm>
+          <a:prstGeom prst="line">
+            <a:avLst/>
+          </a:prstGeom>
+        </p:spPr>
+        <p:style>
+          <a:lnRef idx="2">
+            <a:schemeClr val="accent4"/>
+          </a:lnRef>
+          <a:fillRef idx="0">
+            <a:schemeClr val="accent4"/>
+          </a:fillRef>
+          <a:effectRef idx="1">
+            <a:schemeClr val="accent4"/>
+          </a:effectRef>
+          <a:fontRef idx="minor">
+            <a:schemeClr val="tx1"/>
+          </a:fontRef>
+        </p:style>
+      </p:cxnSp>
+      <p:cxnSp>
+        <p:nvCxnSpPr>
+          <p:cNvPr id="45" name="Straight Connector 44"/>
+          <p:cNvCxnSpPr/>
+          <p:nvPr/>
+        </p:nvCxnSpPr>
+        <p:spPr>
+          <a:xfrm flipH="1">
+            <a:off x="3455194" y="2438490"/>
+            <a:ext cx="106565" cy="1677974"/>
+          </a:xfrm>
+          <a:prstGeom prst="line">
+            <a:avLst/>
+          </a:prstGeom>
+        </p:spPr>
+        <p:style>
+          <a:lnRef idx="2">
+            <a:schemeClr val="accent6"/>
+          </a:lnRef>
+          <a:fillRef idx="0">
+            <a:schemeClr val="accent6"/>
+          </a:fillRef>
+          <a:effectRef idx="1">
+            <a:schemeClr val="accent6"/>
+          </a:effectRef>
+          <a:fontRef idx="minor">
+            <a:schemeClr val="tx1"/>
+          </a:fontRef>
+        </p:style>
+      </p:cxnSp>
+      <p:cxnSp>
+        <p:nvCxnSpPr>
+          <p:cNvPr id="46" name="Straight Connector 45"/>
+          <p:cNvCxnSpPr/>
+          <p:nvPr/>
+        </p:nvCxnSpPr>
+        <p:spPr>
+          <a:xfrm>
+            <a:off x="3617671" y="2491293"/>
+            <a:ext cx="914039" cy="1130636"/>
+          </a:xfrm>
+          <a:prstGeom prst="line">
+            <a:avLst/>
+          </a:prstGeom>
+        </p:spPr>
+        <p:style>
+          <a:lnRef idx="2">
+            <a:schemeClr val="accent2"/>
+          </a:lnRef>
+          <a:fillRef idx="0">
+            <a:schemeClr val="accent2"/>
+          </a:fillRef>
+          <a:effectRef idx="1">
+            <a:schemeClr val="accent2"/>
+          </a:effectRef>
+          <a:fontRef idx="minor">
+            <a:schemeClr val="tx1"/>
+          </a:fontRef>
+        </p:style>
+      </p:cxnSp>
+      <p:cxnSp>
+        <p:nvCxnSpPr>
+          <p:cNvPr id="51" name="Straight Connector 50"/>
+          <p:cNvCxnSpPr/>
+          <p:nvPr/>
+        </p:nvCxnSpPr>
+        <p:spPr>
+          <a:xfrm flipH="1">
+            <a:off x="3514813" y="2491293"/>
+            <a:ext cx="90399" cy="1651862"/>
+          </a:xfrm>
+          <a:prstGeom prst="line">
+            <a:avLst/>
+          </a:prstGeom>
+        </p:spPr>
+        <p:style>
+          <a:lnRef idx="2">
+            <a:schemeClr val="accent2"/>
+          </a:lnRef>
+          <a:fillRef idx="0">
+            <a:schemeClr val="accent2"/>
+          </a:fillRef>
+          <a:effectRef idx="1">
+            <a:schemeClr val="accent2"/>
+          </a:effectRef>
+          <a:fontRef idx="minor">
+            <a:schemeClr val="tx1"/>
+          </a:fontRef>
+        </p:style>
+      </p:cxnSp>
+      <p:cxnSp>
+        <p:nvCxnSpPr>
+          <p:cNvPr id="61" name="Straight Connector 60"/>
+          <p:cNvCxnSpPr/>
+          <p:nvPr/>
+        </p:nvCxnSpPr>
+        <p:spPr>
+          <a:xfrm flipV="1">
+            <a:off x="3514813" y="3621929"/>
+            <a:ext cx="1016897" cy="521226"/>
+          </a:xfrm>
+          <a:prstGeom prst="line">
+            <a:avLst/>
+          </a:prstGeom>
+        </p:spPr>
+        <p:style>
+          <a:lnRef idx="2">
+            <a:schemeClr val="accent2"/>
+          </a:lnRef>
+          <a:fillRef idx="0">
+            <a:schemeClr val="accent2"/>
+          </a:fillRef>
+          <a:effectRef idx="1">
+            <a:schemeClr val="accent2"/>
+          </a:effectRef>
+          <a:fontRef idx="minor">
+            <a:schemeClr val="tx1"/>
+          </a:fontRef>
+        </p:style>
+      </p:cxnSp>
+    </p:spTree>
+    <p:extLst>
+      <p:ext uri="{BB962C8B-B14F-4D97-AF65-F5344CB8AC3E}">
+        <p14:creationId xmlns:p14="http://schemas.microsoft.com/office/powerpoint/2010/main" val="2110258827"/>
+      </p:ext>
+    </p:extLst>
+  </p:cSld>
+  <p:clrMapOvr>
+    <a:masterClrMapping/>
+  </p:clrMapOvr>
+</p:sld>
+</file>
+
+<file path=ppt/slides/slide8.xml><?xml version="1.0" encoding="utf-8"?>
+<p:sld xmlns:a="http://schemas.openxmlformats.org/drawingml/2006/main" xmlns:r="http://schemas.openxmlformats.org/officeDocument/2006/relationships" xmlns:p="http://schemas.openxmlformats.org/presentationml/2006/main">
+  <p:cSld>
+    <p:spTree>
+      <p:nvGrpSpPr>
+        <p:cNvPr id="1" name=""/>
+        <p:cNvGrpSpPr/>
+        <p:nvPr/>
+      </p:nvGrpSpPr>
+      <p:grpSpPr>
+        <a:xfrm>
+          <a:off x="0" y="0"/>
+          <a:ext cx="0" cy="0"/>
+          <a:chOff x="0" y="0"/>
+          <a:chExt cx="0" cy="0"/>
+        </a:xfrm>
+      </p:grpSpPr>
+      <p:grpSp>
+        <p:nvGrpSpPr>
+          <p:cNvPr id="46" name="Group 45"/>
+          <p:cNvGrpSpPr/>
+          <p:nvPr/>
+        </p:nvGrpSpPr>
+        <p:grpSpPr>
+          <a:xfrm>
+            <a:off x="304148" y="720450"/>
+            <a:ext cx="2332145" cy="1818847"/>
+            <a:chOff x="304148" y="720450"/>
+            <a:chExt cx="2332145" cy="1818847"/>
+          </a:xfrm>
+        </p:grpSpPr>
+        <p:sp>
+          <p:nvSpPr>
+            <p:cNvPr id="4" name="Isosceles Triangle 3"/>
+            <p:cNvSpPr/>
+            <p:nvPr/>
+          </p:nvSpPr>
+          <p:spPr>
+            <a:xfrm>
+              <a:off x="705314" y="1091487"/>
+              <a:ext cx="1500949" cy="1293922"/>
+            </a:xfrm>
+            <a:prstGeom prst="triangle">
+              <a:avLst/>
+            </a:prstGeom>
+            <a:noFill/>
+          </p:spPr>
+          <p:style>
+            <a:lnRef idx="2">
+              <a:schemeClr val="accent3">
+                <a:shade val="50000"/>
+              </a:schemeClr>
+            </a:lnRef>
+            <a:fillRef idx="1">
+              <a:schemeClr val="accent3"/>
+            </a:fillRef>
+            <a:effectRef idx="0">
+              <a:schemeClr val="accent3"/>
+            </a:effectRef>
+            <a:fontRef idx="minor">
+              <a:schemeClr val="lt1"/>
+            </a:fontRef>
+          </p:style>
+          <p:txBody>
+            <a:bodyPr rtlCol="0" anchor="ctr"/>
+            <a:lstStyle/>
+            <a:p>
+              <a:pPr algn="ctr"/>
+              <a:endParaRPr lang="en-US"/>
+            </a:p>
+          </p:txBody>
+        </p:sp>
+        <p:sp>
+          <p:nvSpPr>
+            <p:cNvPr id="5" name="TextBox 4"/>
+            <p:cNvSpPr txBox="1"/>
+            <p:nvPr/>
+          </p:nvSpPr>
+          <p:spPr>
+            <a:xfrm>
+              <a:off x="1323919" y="720450"/>
+              <a:ext cx="292405" cy="307777"/>
+            </a:xfrm>
+            <a:prstGeom prst="rect">
+              <a:avLst/>
+            </a:prstGeom>
+            <a:noFill/>
+            <a:ln>
+              <a:noFill/>
+            </a:ln>
+          </p:spPr>
+          <p:txBody>
+            <a:bodyPr wrap="none" rtlCol="0">
+              <a:spAutoFit/>
+            </a:bodyPr>
+            <a:lstStyle/>
+            <a:p>
+              <a:r>
+                <a:rPr lang="en-US" sz="1400" dirty="0">
+                  <a:solidFill>
+                    <a:schemeClr val="accent3"/>
+                  </a:solidFill>
+                  <a:latin typeface="Courier"/>
+                  <a:cs typeface="Courier"/>
+                </a:rPr>
+                <a:t>0</a:t>
+              </a:r>
+            </a:p>
+          </p:txBody>
+        </p:sp>
+        <p:sp>
+          <p:nvSpPr>
+            <p:cNvPr id="6" name="Oval 5"/>
+            <p:cNvSpPr/>
+            <p:nvPr/>
+          </p:nvSpPr>
+          <p:spPr>
+            <a:xfrm>
+              <a:off x="2097502" y="2296961"/>
+              <a:ext cx="217522" cy="176895"/>
+            </a:xfrm>
+            <a:prstGeom prst="ellipse">
+              <a:avLst/>
+            </a:prstGeom>
+          </p:spPr>
+          <p:style>
+            <a:lnRef idx="2">
+              <a:schemeClr val="accent3">
+                <a:shade val="50000"/>
+              </a:schemeClr>
+            </a:lnRef>
+            <a:fillRef idx="1">
+              <a:schemeClr val="accent3"/>
+            </a:fillRef>
+            <a:effectRef idx="0">
+              <a:schemeClr val="accent3"/>
+            </a:effectRef>
+            <a:fontRef idx="minor">
+              <a:schemeClr val="lt1"/>
+            </a:fontRef>
+          </p:style>
+          <p:txBody>
+            <a:bodyPr rtlCol="0" anchor="ctr"/>
+            <a:lstStyle/>
+            <a:p>
+              <a:pPr algn="ctr"/>
+              <a:endParaRPr lang="en-US"/>
+            </a:p>
+          </p:txBody>
+        </p:sp>
+        <p:sp>
+          <p:nvSpPr>
+            <p:cNvPr id="7" name="Oval 6"/>
+            <p:cNvSpPr/>
+            <p:nvPr/>
+          </p:nvSpPr>
+          <p:spPr>
+            <a:xfrm>
+              <a:off x="596553" y="2296961"/>
+              <a:ext cx="217522" cy="176895"/>
+            </a:xfrm>
+            <a:prstGeom prst="ellipse">
+              <a:avLst/>
+            </a:prstGeom>
+          </p:spPr>
+          <p:style>
+            <a:lnRef idx="2">
+              <a:schemeClr val="accent3">
+                <a:shade val="50000"/>
+              </a:schemeClr>
+            </a:lnRef>
+            <a:fillRef idx="1">
+              <a:schemeClr val="accent3"/>
+            </a:fillRef>
+            <a:effectRef idx="0">
+              <a:schemeClr val="accent3"/>
+            </a:effectRef>
+            <a:fontRef idx="minor">
+              <a:schemeClr val="lt1"/>
+            </a:fontRef>
+          </p:style>
+          <p:txBody>
+            <a:bodyPr rtlCol="0" anchor="ctr"/>
+            <a:lstStyle/>
+            <a:p>
+              <a:pPr algn="ctr"/>
+              <a:endParaRPr lang="en-US"/>
+            </a:p>
+          </p:txBody>
+        </p:sp>
+        <p:sp>
+          <p:nvSpPr>
+            <p:cNvPr id="8" name="Oval 7"/>
+            <p:cNvSpPr/>
+            <p:nvPr/>
+          </p:nvSpPr>
+          <p:spPr>
+            <a:xfrm>
+              <a:off x="1361360" y="1045226"/>
+              <a:ext cx="217522" cy="176895"/>
+            </a:xfrm>
+            <a:prstGeom prst="ellipse">
+              <a:avLst/>
+            </a:prstGeom>
+          </p:spPr>
+          <p:style>
+            <a:lnRef idx="2">
+              <a:schemeClr val="accent3">
+                <a:shade val="50000"/>
+              </a:schemeClr>
+            </a:lnRef>
+            <a:fillRef idx="1">
+              <a:schemeClr val="accent3"/>
+            </a:fillRef>
+            <a:effectRef idx="0">
+              <a:schemeClr val="accent3"/>
+            </a:effectRef>
+            <a:fontRef idx="minor">
+              <a:schemeClr val="lt1"/>
+            </a:fontRef>
+          </p:style>
+          <p:txBody>
+            <a:bodyPr rtlCol="0" anchor="ctr"/>
+            <a:lstStyle/>
+            <a:p>
+              <a:pPr algn="ctr"/>
+              <a:endParaRPr lang="en-US"/>
+            </a:p>
+          </p:txBody>
+        </p:sp>
+        <p:sp>
+          <p:nvSpPr>
+            <p:cNvPr id="9" name="TextBox 8"/>
+            <p:cNvSpPr txBox="1"/>
+            <p:nvPr/>
+          </p:nvSpPr>
+          <p:spPr>
+            <a:xfrm>
+              <a:off x="304148" y="2231520"/>
+              <a:ext cx="292405" cy="307777"/>
+            </a:xfrm>
+            <a:prstGeom prst="rect">
+              <a:avLst/>
+            </a:prstGeom>
+            <a:noFill/>
+            <a:ln>
+              <a:noFill/>
+            </a:ln>
+          </p:spPr>
+          <p:txBody>
+            <a:bodyPr wrap="none" rtlCol="0">
+              <a:spAutoFit/>
+            </a:bodyPr>
+            <a:lstStyle/>
+            <a:p>
+              <a:r>
+                <a:rPr lang="en-US" sz="1400" dirty="0">
+                  <a:solidFill>
+                    <a:schemeClr val="accent3"/>
+                  </a:solidFill>
+                  <a:latin typeface="Courier"/>
+                  <a:cs typeface="Courier"/>
+                </a:rPr>
+                <a:t>1</a:t>
+              </a:r>
+            </a:p>
+          </p:txBody>
+        </p:sp>
+        <p:sp>
+          <p:nvSpPr>
+            <p:cNvPr id="10" name="TextBox 9"/>
+            <p:cNvSpPr txBox="1"/>
+            <p:nvPr/>
+          </p:nvSpPr>
+          <p:spPr>
+            <a:xfrm>
+              <a:off x="2343888" y="2231520"/>
+              <a:ext cx="292405" cy="307777"/>
+            </a:xfrm>
+            <a:prstGeom prst="rect">
+              <a:avLst/>
+            </a:prstGeom>
+            <a:noFill/>
+            <a:ln>
+              <a:noFill/>
+            </a:ln>
+          </p:spPr>
+          <p:txBody>
+            <a:bodyPr wrap="none" rtlCol="0">
+              <a:spAutoFit/>
+            </a:bodyPr>
+            <a:lstStyle/>
+            <a:p>
+              <a:r>
+                <a:rPr lang="en-US" sz="1400" dirty="0">
+                  <a:solidFill>
+                    <a:schemeClr val="accent3"/>
+                  </a:solidFill>
+                  <a:latin typeface="Courier"/>
+                  <a:cs typeface="Courier"/>
+                </a:rPr>
+                <a:t>2</a:t>
+              </a:r>
+            </a:p>
+          </p:txBody>
+        </p:sp>
+      </p:grpSp>
+      <p:grpSp>
+        <p:nvGrpSpPr>
+          <p:cNvPr id="45" name="Group 44"/>
+          <p:cNvGrpSpPr/>
+          <p:nvPr/>
+        </p:nvGrpSpPr>
+        <p:grpSpPr>
+          <a:xfrm>
+            <a:off x="2692187" y="720450"/>
+            <a:ext cx="2332145" cy="1818847"/>
+            <a:chOff x="3169802" y="720450"/>
+            <a:chExt cx="2332145" cy="1818847"/>
+          </a:xfrm>
+        </p:grpSpPr>
+        <p:sp>
+          <p:nvSpPr>
+            <p:cNvPr id="18" name="Isosceles Triangle 17"/>
+            <p:cNvSpPr/>
+            <p:nvPr/>
+          </p:nvSpPr>
+          <p:spPr>
+            <a:xfrm>
+              <a:off x="3570968" y="1091487"/>
+              <a:ext cx="1500949" cy="1293922"/>
+            </a:xfrm>
+            <a:prstGeom prst="triangle">
+              <a:avLst/>
+            </a:prstGeom>
+          </p:spPr>
+          <p:style>
+            <a:lnRef idx="2">
+              <a:schemeClr val="accent6"/>
+            </a:lnRef>
+            <a:fillRef idx="1">
+              <a:schemeClr val="lt1"/>
+            </a:fillRef>
+            <a:effectRef idx="0">
+              <a:schemeClr val="accent6"/>
+            </a:effectRef>
+            <a:fontRef idx="minor">
+              <a:schemeClr val="dk1"/>
+            </a:fontRef>
+          </p:style>
+          <p:txBody>
+            <a:bodyPr rtlCol="0" anchor="ctr"/>
+            <a:lstStyle/>
+            <a:p>
+              <a:pPr algn="ctr"/>
+              <a:endParaRPr lang="en-US"/>
+            </a:p>
+          </p:txBody>
+        </p:sp>
+        <p:sp>
+          <p:nvSpPr>
+            <p:cNvPr id="19" name="TextBox 18"/>
+            <p:cNvSpPr txBox="1"/>
+            <p:nvPr/>
+          </p:nvSpPr>
+          <p:spPr>
+            <a:xfrm>
+              <a:off x="4189573" y="720450"/>
+              <a:ext cx="292405" cy="307777"/>
+            </a:xfrm>
+            <a:prstGeom prst="rect">
+              <a:avLst/>
+            </a:prstGeom>
+            <a:noFill/>
+            <a:ln>
+              <a:noFill/>
+            </a:ln>
+          </p:spPr>
+          <p:txBody>
+            <a:bodyPr wrap="none" rtlCol="0">
+              <a:spAutoFit/>
+            </a:bodyPr>
+            <a:lstStyle/>
+            <a:p>
+              <a:r>
+                <a:rPr lang="en-US" sz="1400" dirty="0" smtClean="0">
+                  <a:solidFill>
+                    <a:schemeClr val="accent6"/>
+                  </a:solidFill>
+                  <a:latin typeface="Courier"/>
+                  <a:cs typeface="Courier"/>
+                </a:rPr>
+                <a:t>3</a:t>
+              </a:r>
+              <a:endParaRPr lang="en-US" sz="1400" dirty="0">
+                <a:solidFill>
+                  <a:schemeClr val="accent6"/>
+                </a:solidFill>
+                <a:latin typeface="Courier"/>
+                <a:cs typeface="Courier"/>
+              </a:endParaRPr>
+            </a:p>
+          </p:txBody>
+        </p:sp>
+        <p:sp>
+          <p:nvSpPr>
+            <p:cNvPr id="20" name="Oval 19"/>
+            <p:cNvSpPr/>
+            <p:nvPr/>
+          </p:nvSpPr>
+          <p:spPr>
+            <a:xfrm>
+              <a:off x="4963156" y="2296961"/>
+              <a:ext cx="217522" cy="176895"/>
+            </a:xfrm>
+            <a:prstGeom prst="ellipse">
+              <a:avLst/>
+            </a:prstGeom>
+          </p:spPr>
+          <p:style>
+            <a:lnRef idx="2">
+              <a:schemeClr val="accent6">
+                <a:shade val="50000"/>
+              </a:schemeClr>
+            </a:lnRef>
+            <a:fillRef idx="1">
+              <a:schemeClr val="accent6"/>
+            </a:fillRef>
+            <a:effectRef idx="0">
+              <a:schemeClr val="accent6"/>
+            </a:effectRef>
+            <a:fontRef idx="minor">
+              <a:schemeClr val="lt1"/>
+            </a:fontRef>
+          </p:style>
+          <p:txBody>
+            <a:bodyPr rtlCol="0" anchor="ctr"/>
+            <a:lstStyle/>
+            <a:p>
+              <a:pPr algn="ctr"/>
+              <a:endParaRPr lang="en-US"/>
+            </a:p>
+          </p:txBody>
+        </p:sp>
+        <p:sp>
+          <p:nvSpPr>
+            <p:cNvPr id="21" name="Oval 20"/>
+            <p:cNvSpPr/>
+            <p:nvPr/>
+          </p:nvSpPr>
+          <p:spPr>
+            <a:xfrm>
+              <a:off x="3462207" y="2296961"/>
+              <a:ext cx="217522" cy="176895"/>
+            </a:xfrm>
+            <a:prstGeom prst="ellipse">
+              <a:avLst/>
+            </a:prstGeom>
+          </p:spPr>
+          <p:style>
+            <a:lnRef idx="2">
+              <a:schemeClr val="accent6">
+                <a:shade val="50000"/>
+              </a:schemeClr>
+            </a:lnRef>
+            <a:fillRef idx="1">
+              <a:schemeClr val="accent6"/>
+            </a:fillRef>
+            <a:effectRef idx="0">
+              <a:schemeClr val="accent6"/>
+            </a:effectRef>
+            <a:fontRef idx="minor">
+              <a:schemeClr val="lt1"/>
+            </a:fontRef>
+          </p:style>
+          <p:txBody>
+            <a:bodyPr rtlCol="0" anchor="ctr"/>
+            <a:lstStyle/>
+            <a:p>
+              <a:pPr algn="ctr"/>
+              <a:endParaRPr lang="en-US"/>
+            </a:p>
+          </p:txBody>
+        </p:sp>
+        <p:sp>
+          <p:nvSpPr>
+            <p:cNvPr id="22" name="Oval 21"/>
+            <p:cNvSpPr/>
+            <p:nvPr/>
+          </p:nvSpPr>
+          <p:spPr>
+            <a:xfrm>
+              <a:off x="4227014" y="1045226"/>
+              <a:ext cx="217522" cy="176895"/>
+            </a:xfrm>
+            <a:prstGeom prst="ellipse">
+              <a:avLst/>
+            </a:prstGeom>
+          </p:spPr>
+          <p:style>
+            <a:lnRef idx="2">
+              <a:schemeClr val="accent6">
+                <a:shade val="50000"/>
+              </a:schemeClr>
+            </a:lnRef>
+            <a:fillRef idx="1">
+              <a:schemeClr val="accent6"/>
+            </a:fillRef>
+            <a:effectRef idx="0">
+              <a:schemeClr val="accent6"/>
+            </a:effectRef>
+            <a:fontRef idx="minor">
+              <a:schemeClr val="lt1"/>
+            </a:fontRef>
+          </p:style>
+          <p:txBody>
+            <a:bodyPr rtlCol="0" anchor="ctr"/>
+            <a:lstStyle/>
+            <a:p>
+              <a:pPr algn="ctr"/>
+              <a:endParaRPr lang="en-US"/>
+            </a:p>
+          </p:txBody>
+        </p:sp>
+        <p:sp>
+          <p:nvSpPr>
+            <p:cNvPr id="23" name="TextBox 22"/>
+            <p:cNvSpPr txBox="1"/>
+            <p:nvPr/>
+          </p:nvSpPr>
+          <p:spPr>
+            <a:xfrm>
+              <a:off x="3169802" y="2231520"/>
+              <a:ext cx="292405" cy="307777"/>
+            </a:xfrm>
+            <a:prstGeom prst="rect">
+              <a:avLst/>
+            </a:prstGeom>
+            <a:noFill/>
+            <a:ln>
+              <a:noFill/>
+            </a:ln>
+          </p:spPr>
+          <p:txBody>
+            <a:bodyPr wrap="none" rtlCol="0">
+              <a:spAutoFit/>
+            </a:bodyPr>
+            <a:lstStyle/>
+            <a:p>
+              <a:r>
+                <a:rPr lang="en-US" sz="1400" dirty="0" smtClean="0">
+                  <a:solidFill>
+                    <a:schemeClr val="accent6"/>
+                  </a:solidFill>
+                  <a:latin typeface="Courier"/>
+                  <a:cs typeface="Courier"/>
+                </a:rPr>
+                <a:t>4</a:t>
+              </a:r>
+              <a:endParaRPr lang="en-US" sz="1400" dirty="0">
+                <a:solidFill>
+                  <a:schemeClr val="accent6"/>
+                </a:solidFill>
+                <a:latin typeface="Courier"/>
+                <a:cs typeface="Courier"/>
+              </a:endParaRPr>
+            </a:p>
+          </p:txBody>
+        </p:sp>
+        <p:sp>
+          <p:nvSpPr>
+            <p:cNvPr id="24" name="TextBox 23"/>
+            <p:cNvSpPr txBox="1"/>
+            <p:nvPr/>
+          </p:nvSpPr>
+          <p:spPr>
+            <a:xfrm>
+              <a:off x="5209542" y="2231520"/>
+              <a:ext cx="292405" cy="307777"/>
+            </a:xfrm>
+            <a:prstGeom prst="rect">
+              <a:avLst/>
+            </a:prstGeom>
+            <a:noFill/>
+            <a:ln>
+              <a:noFill/>
+            </a:ln>
+          </p:spPr>
+          <p:txBody>
+            <a:bodyPr wrap="none" rtlCol="0">
+              <a:spAutoFit/>
+            </a:bodyPr>
+            <a:lstStyle/>
+            <a:p>
+              <a:r>
+                <a:rPr lang="en-US" sz="1400" dirty="0" smtClean="0">
+                  <a:solidFill>
+                    <a:schemeClr val="accent6"/>
+                  </a:solidFill>
+                  <a:latin typeface="Courier"/>
+                  <a:cs typeface="Courier"/>
+                </a:rPr>
+                <a:t>5</a:t>
+              </a:r>
+              <a:endParaRPr lang="en-US" sz="1400" dirty="0">
+                <a:solidFill>
+                  <a:schemeClr val="accent6"/>
+                </a:solidFill>
+                <a:latin typeface="Courier"/>
+                <a:cs typeface="Courier"/>
+              </a:endParaRPr>
+            </a:p>
+          </p:txBody>
+        </p:sp>
+      </p:grpSp>
+      <p:grpSp>
+        <p:nvGrpSpPr>
+          <p:cNvPr id="48" name="Group 47"/>
+          <p:cNvGrpSpPr/>
+          <p:nvPr/>
+        </p:nvGrpSpPr>
+        <p:grpSpPr>
+          <a:xfrm>
+            <a:off x="291831" y="2658886"/>
+            <a:ext cx="2332145" cy="1818847"/>
+            <a:chOff x="302612" y="3432275"/>
+            <a:chExt cx="2332145" cy="1818847"/>
+          </a:xfrm>
+        </p:grpSpPr>
+        <p:sp>
+          <p:nvSpPr>
+            <p:cNvPr id="25" name="Isosceles Triangle 24"/>
+            <p:cNvSpPr/>
+            <p:nvPr/>
+          </p:nvSpPr>
+          <p:spPr>
+            <a:xfrm>
+              <a:off x="703778" y="3803312"/>
+              <a:ext cx="1500949" cy="1293922"/>
+            </a:xfrm>
+            <a:prstGeom prst="triangle">
+              <a:avLst/>
+            </a:prstGeom>
+            <a:ln/>
+          </p:spPr>
+          <p:style>
+            <a:lnRef idx="2">
+              <a:schemeClr val="accent2"/>
+            </a:lnRef>
+            <a:fillRef idx="1">
+              <a:schemeClr val="lt1"/>
+            </a:fillRef>
+            <a:effectRef idx="0">
+              <a:schemeClr val="accent2"/>
+            </a:effectRef>
+            <a:fontRef idx="minor">
+              <a:schemeClr val="dk1"/>
+            </a:fontRef>
+          </p:style>
+          <p:txBody>
+            <a:bodyPr rtlCol="0" anchor="ctr"/>
+            <a:lstStyle/>
+            <a:p>
+              <a:pPr algn="ctr"/>
+              <a:endParaRPr lang="en-US"/>
+            </a:p>
+          </p:txBody>
+        </p:sp>
+        <p:sp>
+          <p:nvSpPr>
+            <p:cNvPr id="26" name="TextBox 25"/>
+            <p:cNvSpPr txBox="1"/>
+            <p:nvPr/>
+          </p:nvSpPr>
+          <p:spPr>
+            <a:xfrm>
+              <a:off x="1322383" y="3432275"/>
+              <a:ext cx="292405" cy="307777"/>
+            </a:xfrm>
+            <a:prstGeom prst="rect">
+              <a:avLst/>
+            </a:prstGeom>
+            <a:noFill/>
+            <a:ln>
+              <a:noFill/>
+            </a:ln>
+          </p:spPr>
+          <p:txBody>
+            <a:bodyPr wrap="none" rtlCol="0">
+              <a:spAutoFit/>
+            </a:bodyPr>
+            <a:lstStyle/>
+            <a:p>
+              <a:r>
+                <a:rPr lang="en-US" sz="1400" dirty="0" smtClean="0">
+                  <a:solidFill>
+                    <a:schemeClr val="accent2"/>
+                  </a:solidFill>
+                  <a:latin typeface="Courier"/>
+                  <a:cs typeface="Courier"/>
+                </a:rPr>
+                <a:t>6</a:t>
+              </a:r>
+              <a:endParaRPr lang="en-US" sz="1400" dirty="0">
+                <a:solidFill>
+                  <a:schemeClr val="accent2"/>
+                </a:solidFill>
+                <a:latin typeface="Courier"/>
+                <a:cs typeface="Courier"/>
+              </a:endParaRPr>
+            </a:p>
+          </p:txBody>
+        </p:sp>
+        <p:sp>
+          <p:nvSpPr>
+            <p:cNvPr id="27" name="Oval 26"/>
+            <p:cNvSpPr/>
+            <p:nvPr/>
+          </p:nvSpPr>
+          <p:spPr>
+            <a:xfrm>
+              <a:off x="2095966" y="5008786"/>
+              <a:ext cx="217522" cy="176895"/>
+            </a:xfrm>
+            <a:prstGeom prst="ellipse">
+              <a:avLst/>
+            </a:prstGeom>
+          </p:spPr>
+          <p:style>
+            <a:lnRef idx="2">
+              <a:schemeClr val="accent2">
+                <a:shade val="50000"/>
+              </a:schemeClr>
+            </a:lnRef>
+            <a:fillRef idx="1">
+              <a:schemeClr val="accent2"/>
+            </a:fillRef>
+            <a:effectRef idx="0">
+              <a:schemeClr val="accent2"/>
+            </a:effectRef>
+            <a:fontRef idx="minor">
+              <a:schemeClr val="lt1"/>
+            </a:fontRef>
+          </p:style>
+          <p:txBody>
+            <a:bodyPr rtlCol="0" anchor="ctr"/>
+            <a:lstStyle/>
+            <a:p>
+              <a:pPr algn="ctr"/>
+              <a:endParaRPr lang="en-US"/>
+            </a:p>
+          </p:txBody>
+        </p:sp>
+        <p:sp>
+          <p:nvSpPr>
+            <p:cNvPr id="28" name="Oval 27"/>
+            <p:cNvSpPr/>
+            <p:nvPr/>
+          </p:nvSpPr>
+          <p:spPr>
+            <a:xfrm>
+              <a:off x="595017" y="5008786"/>
+              <a:ext cx="217522" cy="176895"/>
+            </a:xfrm>
+            <a:prstGeom prst="ellipse">
+              <a:avLst/>
+            </a:prstGeom>
+          </p:spPr>
+          <p:style>
+            <a:lnRef idx="2">
+              <a:schemeClr val="accent2">
+                <a:shade val="50000"/>
+              </a:schemeClr>
+            </a:lnRef>
+            <a:fillRef idx="1">
+              <a:schemeClr val="accent2"/>
+            </a:fillRef>
+            <a:effectRef idx="0">
+              <a:schemeClr val="accent2"/>
+            </a:effectRef>
+            <a:fontRef idx="minor">
+              <a:schemeClr val="lt1"/>
+            </a:fontRef>
+          </p:style>
+          <p:txBody>
+            <a:bodyPr rtlCol="0" anchor="ctr"/>
+            <a:lstStyle/>
+            <a:p>
+              <a:pPr algn="ctr"/>
+              <a:endParaRPr lang="en-US"/>
+            </a:p>
+          </p:txBody>
+        </p:sp>
+        <p:sp>
+          <p:nvSpPr>
+            <p:cNvPr id="29" name="Oval 28"/>
+            <p:cNvSpPr/>
+            <p:nvPr/>
+          </p:nvSpPr>
+          <p:spPr>
+            <a:xfrm>
+              <a:off x="1359824" y="3757051"/>
+              <a:ext cx="217522" cy="176895"/>
+            </a:xfrm>
+            <a:prstGeom prst="ellipse">
+              <a:avLst/>
+            </a:prstGeom>
+          </p:spPr>
+          <p:style>
+            <a:lnRef idx="2">
+              <a:schemeClr val="accent2">
+                <a:shade val="50000"/>
+              </a:schemeClr>
+            </a:lnRef>
+            <a:fillRef idx="1">
+              <a:schemeClr val="accent2"/>
+            </a:fillRef>
+            <a:effectRef idx="0">
+              <a:schemeClr val="accent2"/>
+            </a:effectRef>
+            <a:fontRef idx="minor">
+              <a:schemeClr val="lt1"/>
+            </a:fontRef>
+          </p:style>
+          <p:txBody>
+            <a:bodyPr rtlCol="0" anchor="ctr"/>
+            <a:lstStyle/>
+            <a:p>
+              <a:pPr algn="ctr"/>
+              <a:endParaRPr lang="en-US"/>
+            </a:p>
+          </p:txBody>
+        </p:sp>
+        <p:sp>
+          <p:nvSpPr>
+            <p:cNvPr id="30" name="TextBox 29"/>
+            <p:cNvSpPr txBox="1"/>
+            <p:nvPr/>
+          </p:nvSpPr>
+          <p:spPr>
+            <a:xfrm>
+              <a:off x="302612" y="4943345"/>
+              <a:ext cx="292405" cy="307777"/>
+            </a:xfrm>
+            <a:prstGeom prst="rect">
+              <a:avLst/>
+            </a:prstGeom>
+            <a:noFill/>
+            <a:ln>
+              <a:noFill/>
+            </a:ln>
+          </p:spPr>
+          <p:txBody>
+            <a:bodyPr wrap="none" rtlCol="0">
+              <a:spAutoFit/>
+            </a:bodyPr>
+            <a:lstStyle/>
+            <a:p>
+              <a:r>
+                <a:rPr lang="en-US" sz="1400" dirty="0" smtClean="0">
+                  <a:solidFill>
+                    <a:schemeClr val="accent2"/>
+                  </a:solidFill>
+                  <a:latin typeface="Courier"/>
+                  <a:cs typeface="Courier"/>
+                </a:rPr>
+                <a:t>7</a:t>
+              </a:r>
+              <a:endParaRPr lang="en-US" sz="1400" dirty="0">
+                <a:solidFill>
+                  <a:schemeClr val="accent2"/>
+                </a:solidFill>
+                <a:latin typeface="Courier"/>
+                <a:cs typeface="Courier"/>
+              </a:endParaRPr>
+            </a:p>
+          </p:txBody>
+        </p:sp>
+        <p:sp>
+          <p:nvSpPr>
+            <p:cNvPr id="31" name="TextBox 30"/>
+            <p:cNvSpPr txBox="1"/>
+            <p:nvPr/>
+          </p:nvSpPr>
+          <p:spPr>
+            <a:xfrm>
+              <a:off x="2342352" y="4943345"/>
+              <a:ext cx="292405" cy="307777"/>
+            </a:xfrm>
+            <a:prstGeom prst="rect">
+              <a:avLst/>
+            </a:prstGeom>
+            <a:noFill/>
+            <a:ln>
+              <a:noFill/>
+            </a:ln>
+          </p:spPr>
+          <p:txBody>
+            <a:bodyPr wrap="none" rtlCol="0">
+              <a:spAutoFit/>
+            </a:bodyPr>
+            <a:lstStyle/>
+            <a:p>
+              <a:r>
+                <a:rPr lang="en-US" sz="1400" dirty="0" smtClean="0">
+                  <a:solidFill>
+                    <a:schemeClr val="accent2"/>
+                  </a:solidFill>
+                  <a:latin typeface="Courier"/>
+                  <a:cs typeface="Courier"/>
+                </a:rPr>
+                <a:t>8</a:t>
+              </a:r>
+              <a:endParaRPr lang="en-US" sz="1400" dirty="0">
+                <a:solidFill>
+                  <a:schemeClr val="accent2"/>
+                </a:solidFill>
+                <a:latin typeface="Courier"/>
+                <a:cs typeface="Courier"/>
+              </a:endParaRPr>
+            </a:p>
+          </p:txBody>
+        </p:sp>
+      </p:grpSp>
+      <p:grpSp>
+        <p:nvGrpSpPr>
+          <p:cNvPr id="47" name="Group 46"/>
+          <p:cNvGrpSpPr/>
+          <p:nvPr/>
+        </p:nvGrpSpPr>
+        <p:grpSpPr>
+          <a:xfrm>
+            <a:off x="2613195" y="2658886"/>
+            <a:ext cx="2447941" cy="1818847"/>
+            <a:chOff x="3101591" y="3432275"/>
+            <a:chExt cx="2447941" cy="1818847"/>
+          </a:xfrm>
+        </p:grpSpPr>
+        <p:sp>
+          <p:nvSpPr>
+            <p:cNvPr id="32" name="Isosceles Triangle 31"/>
+            <p:cNvSpPr/>
+            <p:nvPr/>
+          </p:nvSpPr>
+          <p:spPr>
+            <a:xfrm>
+              <a:off x="3569432" y="3803312"/>
+              <a:ext cx="1500949" cy="1293922"/>
+            </a:xfrm>
+            <a:prstGeom prst="triangle">
+              <a:avLst/>
+            </a:prstGeom>
+          </p:spPr>
+          <p:style>
+            <a:lnRef idx="2">
+              <a:schemeClr val="accent4"/>
+            </a:lnRef>
+            <a:fillRef idx="1">
+              <a:schemeClr val="lt1"/>
+            </a:fillRef>
+            <a:effectRef idx="0">
+              <a:schemeClr val="accent4"/>
+            </a:effectRef>
+            <a:fontRef idx="minor">
+              <a:schemeClr val="dk1"/>
+            </a:fontRef>
+          </p:style>
+          <p:txBody>
+            <a:bodyPr rtlCol="0" anchor="ctr"/>
+            <a:lstStyle/>
+            <a:p>
+              <a:pPr algn="ctr"/>
+              <a:endParaRPr lang="en-US"/>
+            </a:p>
+          </p:txBody>
+        </p:sp>
+        <p:sp>
+          <p:nvSpPr>
+            <p:cNvPr id="33" name="TextBox 32"/>
+            <p:cNvSpPr txBox="1"/>
+            <p:nvPr/>
+          </p:nvSpPr>
+          <p:spPr>
+            <a:xfrm>
+              <a:off x="4188037" y="3432275"/>
+              <a:ext cx="292405" cy="307777"/>
+            </a:xfrm>
+            <a:prstGeom prst="rect">
+              <a:avLst/>
+            </a:prstGeom>
+            <a:noFill/>
+            <a:ln>
+              <a:noFill/>
+            </a:ln>
+          </p:spPr>
+          <p:txBody>
+            <a:bodyPr wrap="none" rtlCol="0">
+              <a:spAutoFit/>
+            </a:bodyPr>
+            <a:lstStyle/>
+            <a:p>
+              <a:r>
+                <a:rPr lang="en-US" sz="1400" dirty="0" smtClean="0">
+                  <a:solidFill>
+                    <a:schemeClr val="accent4"/>
+                  </a:solidFill>
+                  <a:latin typeface="Courier"/>
+                  <a:cs typeface="Courier"/>
+                </a:rPr>
+                <a:t>9</a:t>
+              </a:r>
+              <a:endParaRPr lang="en-US" sz="1400" dirty="0">
+                <a:solidFill>
+                  <a:schemeClr val="accent4"/>
+                </a:solidFill>
+                <a:latin typeface="Courier"/>
+                <a:cs typeface="Courier"/>
+              </a:endParaRPr>
+            </a:p>
+          </p:txBody>
+        </p:sp>
+        <p:sp>
+          <p:nvSpPr>
+            <p:cNvPr id="34" name="Oval 33"/>
+            <p:cNvSpPr/>
+            <p:nvPr/>
+          </p:nvSpPr>
+          <p:spPr>
+            <a:xfrm>
+              <a:off x="4961620" y="5008786"/>
+              <a:ext cx="217522" cy="176895"/>
+            </a:xfrm>
+            <a:prstGeom prst="ellipse">
+              <a:avLst/>
+            </a:prstGeom>
+          </p:spPr>
+          <p:style>
+            <a:lnRef idx="2">
+              <a:schemeClr val="accent4">
+                <a:shade val="50000"/>
+              </a:schemeClr>
+            </a:lnRef>
+            <a:fillRef idx="1">
+              <a:schemeClr val="accent4"/>
+            </a:fillRef>
+            <a:effectRef idx="0">
+              <a:schemeClr val="accent4"/>
+            </a:effectRef>
+            <a:fontRef idx="minor">
+              <a:schemeClr val="lt1"/>
+            </a:fontRef>
+          </p:style>
+          <p:txBody>
+            <a:bodyPr rtlCol="0" anchor="ctr"/>
+            <a:lstStyle/>
+            <a:p>
+              <a:pPr algn="ctr"/>
+              <a:endParaRPr lang="en-US"/>
+            </a:p>
+          </p:txBody>
+        </p:sp>
+        <p:sp>
+          <p:nvSpPr>
+            <p:cNvPr id="35" name="Oval 34"/>
+            <p:cNvSpPr/>
+            <p:nvPr/>
+          </p:nvSpPr>
+          <p:spPr>
+            <a:xfrm>
+              <a:off x="3460671" y="5008786"/>
+              <a:ext cx="217522" cy="176895"/>
+            </a:xfrm>
+            <a:prstGeom prst="ellipse">
+              <a:avLst/>
+            </a:prstGeom>
+          </p:spPr>
+          <p:style>
+            <a:lnRef idx="2">
+              <a:schemeClr val="accent4">
+                <a:shade val="50000"/>
+              </a:schemeClr>
+            </a:lnRef>
+            <a:fillRef idx="1">
+              <a:schemeClr val="accent4"/>
+            </a:fillRef>
+            <a:effectRef idx="0">
+              <a:schemeClr val="accent4"/>
+            </a:effectRef>
+            <a:fontRef idx="minor">
+              <a:schemeClr val="lt1"/>
+            </a:fontRef>
+          </p:style>
+          <p:txBody>
+            <a:bodyPr rtlCol="0" anchor="ctr"/>
+            <a:lstStyle/>
+            <a:p>
+              <a:pPr algn="ctr"/>
+              <a:endParaRPr lang="en-US"/>
+            </a:p>
+          </p:txBody>
+        </p:sp>
+        <p:sp>
+          <p:nvSpPr>
+            <p:cNvPr id="36" name="Oval 35"/>
+            <p:cNvSpPr/>
+            <p:nvPr/>
+          </p:nvSpPr>
+          <p:spPr>
+            <a:xfrm>
+              <a:off x="4225478" y="3757051"/>
+              <a:ext cx="217522" cy="176895"/>
+            </a:xfrm>
+            <a:prstGeom prst="ellipse">
+              <a:avLst/>
+            </a:prstGeom>
+          </p:spPr>
+          <p:style>
+            <a:lnRef idx="2">
+              <a:schemeClr val="accent4">
+                <a:shade val="50000"/>
+              </a:schemeClr>
+            </a:lnRef>
+            <a:fillRef idx="1">
+              <a:schemeClr val="accent4"/>
+            </a:fillRef>
+            <a:effectRef idx="0">
+              <a:schemeClr val="accent4"/>
+            </a:effectRef>
+            <a:fontRef idx="minor">
+              <a:schemeClr val="lt1"/>
+            </a:fontRef>
+          </p:style>
+          <p:txBody>
+            <a:bodyPr rtlCol="0" anchor="ctr"/>
+            <a:lstStyle/>
+            <a:p>
+              <a:pPr algn="ctr"/>
+              <a:endParaRPr lang="en-US"/>
+            </a:p>
+          </p:txBody>
+        </p:sp>
+        <p:sp>
+          <p:nvSpPr>
+            <p:cNvPr id="37" name="TextBox 36"/>
+            <p:cNvSpPr txBox="1"/>
+            <p:nvPr/>
+          </p:nvSpPr>
+          <p:spPr>
+            <a:xfrm>
+              <a:off x="3101591" y="4943345"/>
+              <a:ext cx="383438" cy="307777"/>
+            </a:xfrm>
+            <a:prstGeom prst="rect">
+              <a:avLst/>
+            </a:prstGeom>
+            <a:noFill/>
+            <a:ln>
+              <a:noFill/>
+            </a:ln>
+          </p:spPr>
+          <p:txBody>
+            <a:bodyPr wrap="none" rtlCol="0">
+              <a:spAutoFit/>
+            </a:bodyPr>
+            <a:lstStyle/>
+            <a:p>
+              <a:r>
+                <a:rPr lang="en-US" sz="1400" dirty="0" smtClean="0">
+                  <a:solidFill>
+                    <a:schemeClr val="accent4"/>
+                  </a:solidFill>
+                  <a:latin typeface="Courier"/>
+                  <a:cs typeface="Courier"/>
+                </a:rPr>
+                <a:t>10</a:t>
+              </a:r>
+              <a:endParaRPr lang="en-US" sz="1400" dirty="0">
+                <a:solidFill>
+                  <a:schemeClr val="accent4"/>
+                </a:solidFill>
+                <a:latin typeface="Courier"/>
+                <a:cs typeface="Courier"/>
+              </a:endParaRPr>
+            </a:p>
+          </p:txBody>
+        </p:sp>
+        <p:sp>
+          <p:nvSpPr>
+            <p:cNvPr id="38" name="TextBox 37"/>
+            <p:cNvSpPr txBox="1"/>
+            <p:nvPr/>
+          </p:nvSpPr>
+          <p:spPr>
+            <a:xfrm>
+              <a:off x="5179431" y="4943345"/>
+              <a:ext cx="370101" cy="307777"/>
+            </a:xfrm>
+            <a:prstGeom prst="rect">
+              <a:avLst/>
+            </a:prstGeom>
+            <a:noFill/>
+            <a:ln>
+              <a:noFill/>
+            </a:ln>
+          </p:spPr>
+          <p:txBody>
+            <a:bodyPr wrap="none" rtlCol="0">
+              <a:spAutoFit/>
+            </a:bodyPr>
+            <a:lstStyle/>
+            <a:p>
+              <a:r>
+                <a:rPr lang="en-US" sz="1400" dirty="0" smtClean="0">
+                  <a:solidFill>
+                    <a:schemeClr val="accent4"/>
+                  </a:solidFill>
+                  <a:latin typeface="Courier"/>
+                  <a:cs typeface="Courier"/>
+                </a:rPr>
+                <a:t>11</a:t>
+              </a:r>
+              <a:endParaRPr lang="en-US" sz="1400" dirty="0">
+                <a:solidFill>
+                  <a:schemeClr val="accent4"/>
+                </a:solidFill>
+                <a:latin typeface="Courier"/>
+                <a:cs typeface="Courier"/>
+              </a:endParaRPr>
+            </a:p>
+          </p:txBody>
+        </p:sp>
+      </p:grpSp>
+      <p:sp>
+        <p:nvSpPr>
+          <p:cNvPr id="39" name="TextBox 38"/>
+          <p:cNvSpPr txBox="1"/>
+          <p:nvPr/>
+        </p:nvSpPr>
+        <p:spPr>
+          <a:xfrm>
+            <a:off x="1162409" y="1905000"/>
+            <a:ext cx="615623" cy="307777"/>
+          </a:xfrm>
+          <a:prstGeom prst="rect">
+            <a:avLst/>
+          </a:prstGeom>
+          <a:noFill/>
+          <a:ln>
+            <a:noFill/>
+          </a:ln>
+        </p:spPr>
+        <p:txBody>
+          <a:bodyPr wrap="none" rtlCol="0">
+            <a:spAutoFit/>
+          </a:bodyPr>
+          <a:lstStyle/>
+          <a:p>
+            <a:r>
+              <a:rPr lang="en-US" sz="1400" dirty="0" smtClean="0">
+                <a:solidFill>
+                  <a:schemeClr val="accent3"/>
+                </a:solidFill>
+                <a:latin typeface="Courier"/>
+                <a:cs typeface="Courier"/>
+              </a:rPr>
+              <a:t>Back</a:t>
+            </a:r>
+            <a:endParaRPr lang="en-US" sz="1400" dirty="0">
+              <a:solidFill>
+                <a:schemeClr val="accent3"/>
+              </a:solidFill>
+              <a:latin typeface="Courier"/>
+              <a:cs typeface="Courier"/>
+            </a:endParaRPr>
+          </a:p>
+        </p:txBody>
+      </p:sp>
+      <p:sp>
+        <p:nvSpPr>
+          <p:cNvPr id="40" name="TextBox 39"/>
+          <p:cNvSpPr txBox="1"/>
+          <p:nvPr/>
+        </p:nvSpPr>
+        <p:spPr>
+          <a:xfrm>
+            <a:off x="3550448" y="1904663"/>
+            <a:ext cx="482824" cy="307777"/>
+          </a:xfrm>
+          <a:prstGeom prst="rect">
+            <a:avLst/>
+          </a:prstGeom>
+          <a:noFill/>
+          <a:ln>
+            <a:noFill/>
+          </a:ln>
+        </p:spPr>
+        <p:txBody>
+          <a:bodyPr wrap="none" rtlCol="0">
+            <a:spAutoFit/>
+          </a:bodyPr>
+          <a:lstStyle/>
+          <a:p>
+            <a:r>
+              <a:rPr lang="en-US" sz="1400" dirty="0" smtClean="0">
+                <a:solidFill>
+                  <a:schemeClr val="accent6"/>
+                </a:solidFill>
+                <a:latin typeface="Courier"/>
+                <a:cs typeface="Courier"/>
+              </a:rPr>
+              <a:t>Left</a:t>
+            </a:r>
+            <a:endParaRPr lang="en-US" sz="1400" dirty="0">
+              <a:solidFill>
+                <a:schemeClr val="accent6"/>
+              </a:solidFill>
+              <a:latin typeface="Courier"/>
+              <a:cs typeface="Courier"/>
+            </a:endParaRPr>
+          </a:p>
+        </p:txBody>
+      </p:sp>
+      <p:sp>
+        <p:nvSpPr>
+          <p:cNvPr id="41" name="TextBox 40"/>
+          <p:cNvSpPr txBox="1"/>
+          <p:nvPr/>
+        </p:nvSpPr>
+        <p:spPr>
+          <a:xfrm>
+            <a:off x="1096222" y="3862179"/>
+            <a:ext cx="603050" cy="307777"/>
+          </a:xfrm>
+          <a:prstGeom prst="rect">
+            <a:avLst/>
+          </a:prstGeom>
+          <a:noFill/>
+          <a:ln>
+            <a:noFill/>
+          </a:ln>
+        </p:spPr>
+        <p:txBody>
+          <a:bodyPr wrap="none" rtlCol="0">
+            <a:spAutoFit/>
+          </a:bodyPr>
+          <a:lstStyle/>
+          <a:p>
+            <a:r>
+              <a:rPr lang="en-US" sz="1400" dirty="0" smtClean="0">
+                <a:solidFill>
+                  <a:schemeClr val="accent2"/>
+                </a:solidFill>
+                <a:latin typeface="Courier"/>
+                <a:cs typeface="Courier"/>
+              </a:rPr>
+              <a:t>Right</a:t>
+            </a:r>
+            <a:endParaRPr lang="en-US" sz="1400" dirty="0">
+              <a:solidFill>
+                <a:schemeClr val="accent2"/>
+              </a:solidFill>
+              <a:latin typeface="Courier"/>
+              <a:cs typeface="Courier"/>
+            </a:endParaRPr>
+          </a:p>
+        </p:txBody>
+      </p:sp>
+      <p:sp>
+        <p:nvSpPr>
+          <p:cNvPr id="42" name="TextBox 41"/>
+          <p:cNvSpPr txBox="1"/>
+          <p:nvPr/>
+        </p:nvSpPr>
+        <p:spPr>
+          <a:xfrm>
+            <a:off x="3426597" y="3862179"/>
+            <a:ext cx="752129" cy="307777"/>
+          </a:xfrm>
+          <a:prstGeom prst="rect">
+            <a:avLst/>
+          </a:prstGeom>
+          <a:noFill/>
+          <a:ln>
+            <a:noFill/>
+          </a:ln>
+        </p:spPr>
+        <p:txBody>
+          <a:bodyPr wrap="none" rtlCol="0">
+            <a:spAutoFit/>
+          </a:bodyPr>
+          <a:lstStyle/>
+          <a:p>
+            <a:r>
+              <a:rPr lang="en-US" sz="1400" dirty="0" smtClean="0">
+                <a:solidFill>
+                  <a:schemeClr val="accent4"/>
+                </a:solidFill>
+                <a:latin typeface="Courier"/>
+                <a:cs typeface="Courier"/>
+              </a:rPr>
+              <a:t>Bottom</a:t>
+            </a:r>
+            <a:endParaRPr lang="en-US" sz="1400" dirty="0">
+              <a:solidFill>
+                <a:schemeClr val="accent4"/>
+              </a:solidFill>
+              <a:latin typeface="Courier"/>
+              <a:cs typeface="Courier"/>
+            </a:endParaRPr>
+          </a:p>
+        </p:txBody>
+      </p:sp>
+      <p:sp>
+        <p:nvSpPr>
+          <p:cNvPr id="44" name="Curved Up Arrow 43"/>
+          <p:cNvSpPr/>
+          <p:nvPr/>
+        </p:nvSpPr>
+        <p:spPr>
+          <a:xfrm rot="5024921">
+            <a:off x="-404868" y="1590758"/>
+            <a:ext cx="1926752" cy="1028778"/>
+          </a:xfrm>
+          <a:prstGeom prst="curvedUpArrow">
+            <a:avLst>
+              <a:gd name="adj1" fmla="val 10817"/>
+              <a:gd name="adj2" fmla="val 29750"/>
+              <a:gd name="adj3" fmla="val 28092"/>
+            </a:avLst>
+          </a:prstGeom>
+        </p:spPr>
+        <p:style>
+          <a:lnRef idx="1">
+            <a:schemeClr val="accent1"/>
+          </a:lnRef>
+          <a:fillRef idx="3">
+            <a:schemeClr val="accent1"/>
+          </a:fillRef>
+          <a:effectRef idx="2">
+            <a:schemeClr val="accent1"/>
+          </a:effectRef>
+          <a:fontRef idx="minor">
+            <a:schemeClr val="lt1"/>
+          </a:fontRef>
+        </p:style>
+        <p:txBody>
+          <a:bodyPr rtlCol="0" anchor="ctr"/>
+          <a:lstStyle/>
+          <a:p>
+            <a:pPr algn="ctr"/>
+            <a:endParaRPr lang="en-US">
+              <a:solidFill>
+                <a:schemeClr val="tx1"/>
+              </a:solidFill>
+            </a:endParaRPr>
+          </a:p>
+        </p:txBody>
+      </p:sp>
+      <p:grpSp>
+        <p:nvGrpSpPr>
+          <p:cNvPr id="43" name="Group 42"/>
+          <p:cNvGrpSpPr/>
+          <p:nvPr/>
+        </p:nvGrpSpPr>
+        <p:grpSpPr>
+          <a:xfrm>
+            <a:off x="4509384" y="2030959"/>
+            <a:ext cx="2332145" cy="1818847"/>
+            <a:chOff x="304148" y="720450"/>
+            <a:chExt cx="2332145" cy="1818847"/>
+          </a:xfrm>
+        </p:grpSpPr>
+        <p:sp>
+          <p:nvSpPr>
+            <p:cNvPr id="49" name="Isosceles Triangle 48"/>
+            <p:cNvSpPr/>
+            <p:nvPr/>
+          </p:nvSpPr>
+          <p:spPr>
+            <a:xfrm>
+              <a:off x="705314" y="1091487"/>
+              <a:ext cx="1500949" cy="1293922"/>
+            </a:xfrm>
+            <a:prstGeom prst="triangle">
+              <a:avLst/>
+            </a:prstGeom>
+            <a:noFill/>
+          </p:spPr>
+          <p:style>
+            <a:lnRef idx="2">
+              <a:schemeClr val="accent3">
+                <a:shade val="50000"/>
+              </a:schemeClr>
+            </a:lnRef>
+            <a:fillRef idx="1">
+              <a:schemeClr val="accent3"/>
+            </a:fillRef>
+            <a:effectRef idx="0">
+              <a:schemeClr val="accent3"/>
+            </a:effectRef>
+            <a:fontRef idx="minor">
+              <a:schemeClr val="lt1"/>
+            </a:fontRef>
+          </p:style>
+          <p:txBody>
+            <a:bodyPr rtlCol="0" anchor="ctr"/>
+            <a:lstStyle/>
+            <a:p>
+              <a:pPr algn="ctr"/>
+              <a:endParaRPr lang="en-US"/>
+            </a:p>
+          </p:txBody>
+        </p:sp>
+        <p:sp>
+          <p:nvSpPr>
+            <p:cNvPr id="50" name="TextBox 49"/>
+            <p:cNvSpPr txBox="1"/>
+            <p:nvPr/>
+          </p:nvSpPr>
+          <p:spPr>
+            <a:xfrm>
+              <a:off x="1323919" y="720450"/>
+              <a:ext cx="292405" cy="307777"/>
+            </a:xfrm>
+            <a:prstGeom prst="rect">
+              <a:avLst/>
+            </a:prstGeom>
+            <a:noFill/>
+            <a:ln>
+              <a:noFill/>
+            </a:ln>
+          </p:spPr>
+          <p:txBody>
+            <a:bodyPr wrap="none" rtlCol="0">
+              <a:spAutoFit/>
+            </a:bodyPr>
+            <a:lstStyle/>
+            <a:p>
+              <a:r>
+                <a:rPr lang="en-US" sz="1400" dirty="0">
+                  <a:solidFill>
+                    <a:schemeClr val="accent3"/>
+                  </a:solidFill>
+                  <a:latin typeface="Courier"/>
+                  <a:cs typeface="Courier"/>
+                </a:rPr>
+                <a:t>0</a:t>
+              </a:r>
+            </a:p>
+          </p:txBody>
+        </p:sp>
+        <p:sp>
+          <p:nvSpPr>
+            <p:cNvPr id="51" name="Oval 50"/>
+            <p:cNvSpPr/>
+            <p:nvPr/>
+          </p:nvSpPr>
+          <p:spPr>
+            <a:xfrm>
+              <a:off x="2097502" y="2296961"/>
+              <a:ext cx="217522" cy="176895"/>
+            </a:xfrm>
+            <a:prstGeom prst="ellipse">
+              <a:avLst/>
+            </a:prstGeom>
+          </p:spPr>
+          <p:style>
+            <a:lnRef idx="2">
+              <a:schemeClr val="accent3">
+                <a:shade val="50000"/>
+              </a:schemeClr>
+            </a:lnRef>
+            <a:fillRef idx="1">
+              <a:schemeClr val="accent3"/>
+            </a:fillRef>
+            <a:effectRef idx="0">
+              <a:schemeClr val="accent3"/>
+            </a:effectRef>
+            <a:fontRef idx="minor">
+              <a:schemeClr val="lt1"/>
+            </a:fontRef>
+          </p:style>
+          <p:txBody>
+            <a:bodyPr rtlCol="0" anchor="ctr"/>
+            <a:lstStyle/>
+            <a:p>
+              <a:pPr algn="ctr"/>
+              <a:endParaRPr lang="en-US"/>
+            </a:p>
+          </p:txBody>
+        </p:sp>
+        <p:sp>
+          <p:nvSpPr>
+            <p:cNvPr id="52" name="Oval 51"/>
+            <p:cNvSpPr/>
+            <p:nvPr/>
+          </p:nvSpPr>
+          <p:spPr>
+            <a:xfrm>
+              <a:off x="596553" y="2296961"/>
+              <a:ext cx="217522" cy="176895"/>
+            </a:xfrm>
+            <a:prstGeom prst="ellipse">
+              <a:avLst/>
+            </a:prstGeom>
+          </p:spPr>
+          <p:style>
+            <a:lnRef idx="2">
+              <a:schemeClr val="accent3">
+                <a:shade val="50000"/>
+              </a:schemeClr>
+            </a:lnRef>
+            <a:fillRef idx="1">
+              <a:schemeClr val="accent3"/>
+            </a:fillRef>
+            <a:effectRef idx="0">
+              <a:schemeClr val="accent3"/>
+            </a:effectRef>
+            <a:fontRef idx="minor">
+              <a:schemeClr val="lt1"/>
+            </a:fontRef>
+          </p:style>
+          <p:txBody>
+            <a:bodyPr rtlCol="0" anchor="ctr"/>
+            <a:lstStyle/>
+            <a:p>
+              <a:pPr algn="ctr"/>
+              <a:endParaRPr lang="en-US"/>
+            </a:p>
+          </p:txBody>
+        </p:sp>
+        <p:sp>
+          <p:nvSpPr>
+            <p:cNvPr id="53" name="Oval 52"/>
+            <p:cNvSpPr/>
+            <p:nvPr/>
+          </p:nvSpPr>
+          <p:spPr>
+            <a:xfrm>
+              <a:off x="1361360" y="1045226"/>
+              <a:ext cx="217522" cy="176895"/>
+            </a:xfrm>
+            <a:prstGeom prst="ellipse">
+              <a:avLst/>
+            </a:prstGeom>
+          </p:spPr>
+          <p:style>
+            <a:lnRef idx="2">
+              <a:schemeClr val="accent3">
+                <a:shade val="50000"/>
+              </a:schemeClr>
+            </a:lnRef>
+            <a:fillRef idx="1">
+              <a:schemeClr val="accent3"/>
+            </a:fillRef>
+            <a:effectRef idx="0">
+              <a:schemeClr val="accent3"/>
+            </a:effectRef>
+            <a:fontRef idx="minor">
+              <a:schemeClr val="lt1"/>
+            </a:fontRef>
+          </p:style>
+          <p:txBody>
+            <a:bodyPr rtlCol="0" anchor="ctr"/>
+            <a:lstStyle/>
+            <a:p>
+              <a:pPr algn="ctr"/>
+              <a:endParaRPr lang="en-US"/>
+            </a:p>
+          </p:txBody>
+        </p:sp>
+        <p:sp>
+          <p:nvSpPr>
+            <p:cNvPr id="54" name="TextBox 53"/>
+            <p:cNvSpPr txBox="1"/>
+            <p:nvPr/>
+          </p:nvSpPr>
+          <p:spPr>
+            <a:xfrm>
+              <a:off x="304148" y="2231520"/>
+              <a:ext cx="292405" cy="307777"/>
+            </a:xfrm>
+            <a:prstGeom prst="rect">
+              <a:avLst/>
+            </a:prstGeom>
+            <a:noFill/>
+            <a:ln>
+              <a:noFill/>
+            </a:ln>
+          </p:spPr>
+          <p:txBody>
+            <a:bodyPr wrap="none" rtlCol="0">
+              <a:spAutoFit/>
+            </a:bodyPr>
+            <a:lstStyle/>
+            <a:p>
+              <a:r>
+                <a:rPr lang="en-US" sz="1400" dirty="0">
+                  <a:solidFill>
+                    <a:schemeClr val="accent3"/>
+                  </a:solidFill>
+                  <a:latin typeface="Courier"/>
+                  <a:cs typeface="Courier"/>
+                </a:rPr>
+                <a:t>1</a:t>
+              </a:r>
+            </a:p>
+          </p:txBody>
+        </p:sp>
+        <p:sp>
+          <p:nvSpPr>
+            <p:cNvPr id="55" name="TextBox 54"/>
+            <p:cNvSpPr txBox="1"/>
+            <p:nvPr/>
+          </p:nvSpPr>
+          <p:spPr>
+            <a:xfrm>
+              <a:off x="2343888" y="2231520"/>
+              <a:ext cx="292405" cy="307777"/>
+            </a:xfrm>
+            <a:prstGeom prst="rect">
+              <a:avLst/>
+            </a:prstGeom>
+            <a:noFill/>
+            <a:ln>
+              <a:noFill/>
+            </a:ln>
+          </p:spPr>
+          <p:txBody>
+            <a:bodyPr wrap="none" rtlCol="0">
+              <a:spAutoFit/>
+            </a:bodyPr>
+            <a:lstStyle/>
+            <a:p>
+              <a:r>
+                <a:rPr lang="en-US" sz="1400" dirty="0">
+                  <a:solidFill>
+                    <a:schemeClr val="accent3"/>
+                  </a:solidFill>
+                  <a:latin typeface="Courier"/>
+                  <a:cs typeface="Courier"/>
+                </a:rPr>
+                <a:t>2</a:t>
+              </a:r>
+            </a:p>
+          </p:txBody>
+        </p:sp>
+      </p:grpSp>
+      <p:grpSp>
+        <p:nvGrpSpPr>
+          <p:cNvPr id="56" name="Group 55"/>
+          <p:cNvGrpSpPr/>
+          <p:nvPr/>
+        </p:nvGrpSpPr>
+        <p:grpSpPr>
+          <a:xfrm>
+            <a:off x="6881412" y="2030959"/>
+            <a:ext cx="2332145" cy="1818847"/>
+            <a:chOff x="3169802" y="720450"/>
+            <a:chExt cx="2332145" cy="1818847"/>
+          </a:xfrm>
+        </p:grpSpPr>
+        <p:sp>
+          <p:nvSpPr>
+            <p:cNvPr id="57" name="Isosceles Triangle 56"/>
+            <p:cNvSpPr/>
+            <p:nvPr/>
+          </p:nvSpPr>
+          <p:spPr>
+            <a:xfrm>
+              <a:off x="3570968" y="1091487"/>
+              <a:ext cx="1500949" cy="1293922"/>
+            </a:xfrm>
+            <a:prstGeom prst="triangle">
+              <a:avLst/>
+            </a:prstGeom>
+            <a:noFill/>
+          </p:spPr>
+          <p:style>
+            <a:lnRef idx="2">
+              <a:schemeClr val="accent3">
+                <a:shade val="50000"/>
+              </a:schemeClr>
+            </a:lnRef>
+            <a:fillRef idx="1">
+              <a:schemeClr val="accent3"/>
+            </a:fillRef>
+            <a:effectRef idx="0">
+              <a:schemeClr val="accent3"/>
+            </a:effectRef>
+            <a:fontRef idx="minor">
+              <a:schemeClr val="lt1"/>
+            </a:fontRef>
+          </p:style>
+          <p:txBody>
+            <a:bodyPr rtlCol="0" anchor="ctr"/>
+            <a:lstStyle/>
+            <a:p>
+              <a:pPr algn="ctr"/>
+              <a:endParaRPr lang="en-US"/>
+            </a:p>
+          </p:txBody>
+        </p:sp>
+        <p:sp>
+          <p:nvSpPr>
+            <p:cNvPr id="58" name="TextBox 57"/>
+            <p:cNvSpPr txBox="1"/>
+            <p:nvPr/>
+          </p:nvSpPr>
+          <p:spPr>
+            <a:xfrm>
+              <a:off x="4189573" y="720450"/>
+              <a:ext cx="292405" cy="307777"/>
+            </a:xfrm>
+            <a:prstGeom prst="rect">
+              <a:avLst/>
+            </a:prstGeom>
+            <a:noFill/>
+            <a:ln>
+              <a:noFill/>
+            </a:ln>
+          </p:spPr>
+          <p:txBody>
+            <a:bodyPr wrap="none" rtlCol="0">
+              <a:spAutoFit/>
+            </a:bodyPr>
+            <a:lstStyle/>
+            <a:p>
+              <a:r>
+                <a:rPr lang="en-US" sz="1400" dirty="0">
+                  <a:solidFill>
+                    <a:schemeClr val="accent3"/>
+                  </a:solidFill>
+                  <a:latin typeface="Courier"/>
+                  <a:cs typeface="Courier"/>
+                </a:rPr>
+                <a:t>0</a:t>
+              </a:r>
+            </a:p>
+          </p:txBody>
+        </p:sp>
+        <p:sp>
+          <p:nvSpPr>
+            <p:cNvPr id="59" name="Oval 58"/>
+            <p:cNvSpPr/>
+            <p:nvPr/>
+          </p:nvSpPr>
+          <p:spPr>
+            <a:xfrm>
+              <a:off x="4963156" y="2296961"/>
+              <a:ext cx="217522" cy="176895"/>
+            </a:xfrm>
+            <a:prstGeom prst="ellipse">
+              <a:avLst/>
+            </a:prstGeom>
+          </p:spPr>
+          <p:style>
+            <a:lnRef idx="2">
+              <a:schemeClr val="accent3">
+                <a:shade val="50000"/>
+              </a:schemeClr>
+            </a:lnRef>
+            <a:fillRef idx="1">
+              <a:schemeClr val="accent3"/>
+            </a:fillRef>
+            <a:effectRef idx="0">
+              <a:schemeClr val="accent3"/>
+            </a:effectRef>
+            <a:fontRef idx="minor">
+              <a:schemeClr val="lt1"/>
+            </a:fontRef>
+          </p:style>
+          <p:txBody>
+            <a:bodyPr rtlCol="0" anchor="ctr"/>
+            <a:lstStyle/>
+            <a:p>
+              <a:pPr algn="ctr"/>
+              <a:endParaRPr lang="en-US"/>
+            </a:p>
+          </p:txBody>
+        </p:sp>
+        <p:sp>
+          <p:nvSpPr>
+            <p:cNvPr id="60" name="Oval 59"/>
+            <p:cNvSpPr/>
+            <p:nvPr/>
+          </p:nvSpPr>
+          <p:spPr>
+            <a:xfrm>
+              <a:off x="3462207" y="2296961"/>
+              <a:ext cx="217522" cy="176895"/>
+            </a:xfrm>
+            <a:prstGeom prst="ellipse">
+              <a:avLst/>
+            </a:prstGeom>
+          </p:spPr>
+          <p:style>
+            <a:lnRef idx="2">
+              <a:schemeClr val="accent3">
+                <a:shade val="50000"/>
+              </a:schemeClr>
+            </a:lnRef>
+            <a:fillRef idx="1">
+              <a:schemeClr val="accent3"/>
+            </a:fillRef>
+            <a:effectRef idx="0">
+              <a:schemeClr val="accent3"/>
+            </a:effectRef>
+            <a:fontRef idx="minor">
+              <a:schemeClr val="lt1"/>
+            </a:fontRef>
+          </p:style>
+          <p:txBody>
+            <a:bodyPr rtlCol="0" anchor="ctr"/>
+            <a:lstStyle/>
+            <a:p>
+              <a:pPr algn="ctr"/>
+              <a:endParaRPr lang="en-US"/>
+            </a:p>
+          </p:txBody>
+        </p:sp>
+        <p:sp>
+          <p:nvSpPr>
+            <p:cNvPr id="61" name="Oval 60"/>
+            <p:cNvSpPr/>
+            <p:nvPr/>
+          </p:nvSpPr>
+          <p:spPr>
+            <a:xfrm>
+              <a:off x="4227014" y="1045226"/>
+              <a:ext cx="217522" cy="176895"/>
+            </a:xfrm>
+            <a:prstGeom prst="ellipse">
+              <a:avLst/>
+            </a:prstGeom>
+          </p:spPr>
+          <p:style>
+            <a:lnRef idx="2">
+              <a:schemeClr val="accent3">
+                <a:shade val="50000"/>
+              </a:schemeClr>
+            </a:lnRef>
+            <a:fillRef idx="1">
+              <a:schemeClr val="accent3"/>
+            </a:fillRef>
+            <a:effectRef idx="0">
+              <a:schemeClr val="accent3"/>
+            </a:effectRef>
+            <a:fontRef idx="minor">
+              <a:schemeClr val="lt1"/>
+            </a:fontRef>
+          </p:style>
+          <p:txBody>
+            <a:bodyPr rtlCol="0" anchor="ctr"/>
+            <a:lstStyle/>
+            <a:p>
+              <a:pPr algn="ctr"/>
+              <a:endParaRPr lang="en-US"/>
+            </a:p>
+          </p:txBody>
+        </p:sp>
+        <p:sp>
+          <p:nvSpPr>
+            <p:cNvPr id="62" name="TextBox 61"/>
+            <p:cNvSpPr txBox="1"/>
+            <p:nvPr/>
+          </p:nvSpPr>
+          <p:spPr>
+            <a:xfrm>
+              <a:off x="3169802" y="2231520"/>
+              <a:ext cx="292405" cy="307777"/>
+            </a:xfrm>
+            <a:prstGeom prst="rect">
+              <a:avLst/>
+            </a:prstGeom>
+            <a:noFill/>
+            <a:ln>
+              <a:noFill/>
+            </a:ln>
+          </p:spPr>
+          <p:txBody>
+            <a:bodyPr wrap="none" rtlCol="0">
+              <a:spAutoFit/>
+            </a:bodyPr>
+            <a:lstStyle/>
+            <a:p>
+              <a:r>
+                <a:rPr lang="en-US" sz="1400" dirty="0">
+                  <a:solidFill>
+                    <a:schemeClr val="accent3"/>
+                  </a:solidFill>
+                  <a:latin typeface="Courier"/>
+                  <a:cs typeface="Courier"/>
+                </a:rPr>
+                <a:t>2</a:t>
+              </a:r>
+            </a:p>
+          </p:txBody>
+        </p:sp>
+        <p:sp>
+          <p:nvSpPr>
+            <p:cNvPr id="63" name="TextBox 62"/>
+            <p:cNvSpPr txBox="1"/>
+            <p:nvPr/>
+          </p:nvSpPr>
+          <p:spPr>
+            <a:xfrm>
+              <a:off x="5209542" y="2231520"/>
+              <a:ext cx="292405" cy="307777"/>
+            </a:xfrm>
+            <a:prstGeom prst="rect">
+              <a:avLst/>
+            </a:prstGeom>
+            <a:noFill/>
+            <a:ln>
+              <a:noFill/>
+            </a:ln>
+          </p:spPr>
+          <p:txBody>
+            <a:bodyPr wrap="none" rtlCol="0">
+              <a:spAutoFit/>
+            </a:bodyPr>
+            <a:lstStyle/>
+            <a:p>
+              <a:r>
+                <a:rPr lang="en-US" sz="1400" dirty="0">
+                  <a:solidFill>
+                    <a:schemeClr val="accent3"/>
+                  </a:solidFill>
+                  <a:latin typeface="Courier"/>
+                  <a:cs typeface="Courier"/>
+                </a:rPr>
+                <a:t>3</a:t>
+              </a:r>
+            </a:p>
+          </p:txBody>
+        </p:sp>
+      </p:grpSp>
+      <p:grpSp>
+        <p:nvGrpSpPr>
+          <p:cNvPr id="64" name="Group 63"/>
+          <p:cNvGrpSpPr/>
+          <p:nvPr/>
+        </p:nvGrpSpPr>
+        <p:grpSpPr>
+          <a:xfrm>
+            <a:off x="4507848" y="3969395"/>
+            <a:ext cx="2332145" cy="1818847"/>
+            <a:chOff x="302612" y="3432275"/>
+            <a:chExt cx="2332145" cy="1818847"/>
+          </a:xfrm>
+        </p:grpSpPr>
+        <p:sp>
+          <p:nvSpPr>
+            <p:cNvPr id="65" name="Isosceles Triangle 64"/>
+            <p:cNvSpPr/>
+            <p:nvPr/>
+          </p:nvSpPr>
+          <p:spPr>
+            <a:xfrm>
+              <a:off x="703778" y="3803312"/>
+              <a:ext cx="1500949" cy="1293922"/>
+            </a:xfrm>
+            <a:prstGeom prst="triangle">
+              <a:avLst/>
+            </a:prstGeom>
+            <a:noFill/>
+          </p:spPr>
+          <p:style>
+            <a:lnRef idx="2">
+              <a:schemeClr val="accent3">
+                <a:shade val="50000"/>
+              </a:schemeClr>
+            </a:lnRef>
+            <a:fillRef idx="1">
+              <a:schemeClr val="accent3"/>
+            </a:fillRef>
+            <a:effectRef idx="0">
+              <a:schemeClr val="accent3"/>
+            </a:effectRef>
+            <a:fontRef idx="minor">
+              <a:schemeClr val="lt1"/>
+            </a:fontRef>
+          </p:style>
+          <p:txBody>
+            <a:bodyPr rtlCol="0" anchor="ctr"/>
+            <a:lstStyle/>
+            <a:p>
+              <a:pPr algn="ctr"/>
+              <a:endParaRPr lang="en-US"/>
+            </a:p>
+          </p:txBody>
+        </p:sp>
+        <p:sp>
+          <p:nvSpPr>
+            <p:cNvPr id="66" name="TextBox 65"/>
+            <p:cNvSpPr txBox="1"/>
+            <p:nvPr/>
+          </p:nvSpPr>
+          <p:spPr>
+            <a:xfrm>
+              <a:off x="1322383" y="3432275"/>
+              <a:ext cx="292405" cy="307777"/>
+            </a:xfrm>
+            <a:prstGeom prst="rect">
+              <a:avLst/>
+            </a:prstGeom>
+            <a:noFill/>
+            <a:ln>
+              <a:noFill/>
+            </a:ln>
+          </p:spPr>
+          <p:txBody>
+            <a:bodyPr wrap="none" rtlCol="0">
+              <a:spAutoFit/>
+            </a:bodyPr>
+            <a:lstStyle/>
+            <a:p>
+              <a:r>
+                <a:rPr lang="en-US" sz="1400" dirty="0">
+                  <a:solidFill>
+                    <a:schemeClr val="accent3"/>
+                  </a:solidFill>
+                  <a:latin typeface="Courier"/>
+                  <a:cs typeface="Courier"/>
+                </a:rPr>
+                <a:t>0</a:t>
+              </a:r>
+            </a:p>
+          </p:txBody>
+        </p:sp>
+        <p:sp>
+          <p:nvSpPr>
+            <p:cNvPr id="67" name="Oval 66"/>
+            <p:cNvSpPr/>
+            <p:nvPr/>
+          </p:nvSpPr>
+          <p:spPr>
+            <a:xfrm>
+              <a:off x="2095966" y="5008786"/>
+              <a:ext cx="217522" cy="176895"/>
+            </a:xfrm>
+            <a:prstGeom prst="ellipse">
+              <a:avLst/>
+            </a:prstGeom>
+          </p:spPr>
+          <p:style>
+            <a:lnRef idx="2">
+              <a:schemeClr val="accent3">
+                <a:shade val="50000"/>
+              </a:schemeClr>
+            </a:lnRef>
+            <a:fillRef idx="1">
+              <a:schemeClr val="accent3"/>
+            </a:fillRef>
+            <a:effectRef idx="0">
+              <a:schemeClr val="accent3"/>
+            </a:effectRef>
+            <a:fontRef idx="minor">
+              <a:schemeClr val="lt1"/>
+            </a:fontRef>
+          </p:style>
+          <p:txBody>
+            <a:bodyPr rtlCol="0" anchor="ctr"/>
+            <a:lstStyle/>
+            <a:p>
+              <a:pPr algn="ctr"/>
+              <a:endParaRPr lang="en-US"/>
+            </a:p>
+          </p:txBody>
+        </p:sp>
+        <p:sp>
+          <p:nvSpPr>
+            <p:cNvPr id="68" name="Oval 67"/>
+            <p:cNvSpPr/>
+            <p:nvPr/>
+          </p:nvSpPr>
+          <p:spPr>
+            <a:xfrm>
+              <a:off x="595017" y="5008786"/>
+              <a:ext cx="217522" cy="176895"/>
+            </a:xfrm>
+            <a:prstGeom prst="ellipse">
+              <a:avLst/>
+            </a:prstGeom>
+          </p:spPr>
+          <p:style>
+            <a:lnRef idx="2">
+              <a:schemeClr val="accent3">
+                <a:shade val="50000"/>
+              </a:schemeClr>
+            </a:lnRef>
+            <a:fillRef idx="1">
+              <a:schemeClr val="accent3"/>
+            </a:fillRef>
+            <a:effectRef idx="0">
+              <a:schemeClr val="accent3"/>
+            </a:effectRef>
+            <a:fontRef idx="minor">
+              <a:schemeClr val="lt1"/>
+            </a:fontRef>
+          </p:style>
+          <p:txBody>
+            <a:bodyPr rtlCol="0" anchor="ctr"/>
+            <a:lstStyle/>
+            <a:p>
+              <a:pPr algn="ctr"/>
+              <a:endParaRPr lang="en-US"/>
+            </a:p>
+          </p:txBody>
+        </p:sp>
+        <p:sp>
+          <p:nvSpPr>
+            <p:cNvPr id="69" name="Oval 68"/>
+            <p:cNvSpPr/>
+            <p:nvPr/>
+          </p:nvSpPr>
+          <p:spPr>
+            <a:xfrm>
+              <a:off x="1359824" y="3757051"/>
+              <a:ext cx="217522" cy="176895"/>
+            </a:xfrm>
+            <a:prstGeom prst="ellipse">
+              <a:avLst/>
+            </a:prstGeom>
+          </p:spPr>
+          <p:style>
+            <a:lnRef idx="2">
+              <a:schemeClr val="accent3">
+                <a:shade val="50000"/>
+              </a:schemeClr>
+            </a:lnRef>
+            <a:fillRef idx="1">
+              <a:schemeClr val="accent3"/>
+            </a:fillRef>
+            <a:effectRef idx="0">
+              <a:schemeClr val="accent3"/>
+            </a:effectRef>
+            <a:fontRef idx="minor">
+              <a:schemeClr val="lt1"/>
+            </a:fontRef>
+          </p:style>
+          <p:txBody>
+            <a:bodyPr rtlCol="0" anchor="ctr"/>
+            <a:lstStyle/>
+            <a:p>
+              <a:pPr algn="ctr"/>
+              <a:endParaRPr lang="en-US"/>
+            </a:p>
+          </p:txBody>
+        </p:sp>
+        <p:sp>
+          <p:nvSpPr>
+            <p:cNvPr id="70" name="TextBox 69"/>
+            <p:cNvSpPr txBox="1"/>
+            <p:nvPr/>
+          </p:nvSpPr>
+          <p:spPr>
+            <a:xfrm>
+              <a:off x="302612" y="4943345"/>
+              <a:ext cx="292405" cy="307777"/>
+            </a:xfrm>
+            <a:prstGeom prst="rect">
+              <a:avLst/>
+            </a:prstGeom>
+            <a:noFill/>
+            <a:ln>
+              <a:noFill/>
+            </a:ln>
+          </p:spPr>
+          <p:txBody>
+            <a:bodyPr wrap="none" rtlCol="0">
+              <a:spAutoFit/>
+            </a:bodyPr>
+            <a:lstStyle/>
+            <a:p>
+              <a:r>
+                <a:rPr lang="en-US" sz="1400" dirty="0">
+                  <a:solidFill>
+                    <a:schemeClr val="accent3"/>
+                  </a:solidFill>
+                  <a:latin typeface="Courier"/>
+                  <a:cs typeface="Courier"/>
+                </a:rPr>
+                <a:t>3</a:t>
+              </a:r>
+            </a:p>
+          </p:txBody>
+        </p:sp>
+        <p:sp>
+          <p:nvSpPr>
+            <p:cNvPr id="71" name="TextBox 70"/>
+            <p:cNvSpPr txBox="1"/>
+            <p:nvPr/>
+          </p:nvSpPr>
+          <p:spPr>
+            <a:xfrm>
+              <a:off x="2342352" y="4943345"/>
+              <a:ext cx="292405" cy="307777"/>
+            </a:xfrm>
+            <a:prstGeom prst="rect">
+              <a:avLst/>
+            </a:prstGeom>
+            <a:noFill/>
+            <a:ln>
+              <a:noFill/>
+            </a:ln>
+          </p:spPr>
+          <p:txBody>
+            <a:bodyPr wrap="none" rtlCol="0">
+              <a:spAutoFit/>
+            </a:bodyPr>
+            <a:lstStyle/>
+            <a:p>
+              <a:r>
+                <a:rPr lang="en-US" sz="1400" dirty="0">
+                  <a:solidFill>
+                    <a:schemeClr val="accent3"/>
+                  </a:solidFill>
+                  <a:latin typeface="Courier"/>
+                  <a:cs typeface="Courier"/>
+                </a:rPr>
+                <a:t>1</a:t>
+              </a:r>
+            </a:p>
+          </p:txBody>
+        </p:sp>
+      </p:grpSp>
+      <p:grpSp>
+        <p:nvGrpSpPr>
+          <p:cNvPr id="72" name="Group 71"/>
+          <p:cNvGrpSpPr/>
+          <p:nvPr/>
+        </p:nvGrpSpPr>
+        <p:grpSpPr>
+          <a:xfrm>
+            <a:off x="6879876" y="3969395"/>
+            <a:ext cx="2332145" cy="1818847"/>
+            <a:chOff x="3168266" y="3432275"/>
+            <a:chExt cx="2332145" cy="1818847"/>
+          </a:xfrm>
+        </p:grpSpPr>
+        <p:sp>
+          <p:nvSpPr>
+            <p:cNvPr id="73" name="Isosceles Triangle 72"/>
+            <p:cNvSpPr/>
+            <p:nvPr/>
+          </p:nvSpPr>
+          <p:spPr>
+            <a:xfrm>
+              <a:off x="3569432" y="3803312"/>
+              <a:ext cx="1500949" cy="1293922"/>
+            </a:xfrm>
+            <a:prstGeom prst="triangle">
+              <a:avLst/>
+            </a:prstGeom>
+            <a:noFill/>
+          </p:spPr>
+          <p:style>
+            <a:lnRef idx="2">
+              <a:schemeClr val="accent3">
+                <a:shade val="50000"/>
+              </a:schemeClr>
+            </a:lnRef>
+            <a:fillRef idx="1">
+              <a:schemeClr val="accent3"/>
+            </a:fillRef>
+            <a:effectRef idx="0">
+              <a:schemeClr val="accent3"/>
+            </a:effectRef>
+            <a:fontRef idx="minor">
+              <a:schemeClr val="lt1"/>
+            </a:fontRef>
+          </p:style>
+          <p:txBody>
+            <a:bodyPr rtlCol="0" anchor="ctr"/>
+            <a:lstStyle/>
+            <a:p>
+              <a:pPr algn="ctr"/>
+              <a:endParaRPr lang="en-US"/>
+            </a:p>
+          </p:txBody>
+        </p:sp>
+        <p:sp>
+          <p:nvSpPr>
+            <p:cNvPr id="74" name="TextBox 73"/>
+            <p:cNvSpPr txBox="1"/>
+            <p:nvPr/>
+          </p:nvSpPr>
+          <p:spPr>
+            <a:xfrm>
+              <a:off x="4188037" y="3432275"/>
+              <a:ext cx="292405" cy="307777"/>
+            </a:xfrm>
+            <a:prstGeom prst="rect">
+              <a:avLst/>
+            </a:prstGeom>
+            <a:noFill/>
+            <a:ln>
+              <a:noFill/>
+            </a:ln>
+          </p:spPr>
+          <p:txBody>
+            <a:bodyPr wrap="none" rtlCol="0">
+              <a:spAutoFit/>
+            </a:bodyPr>
+            <a:lstStyle/>
+            <a:p>
+              <a:r>
+                <a:rPr lang="en-US" sz="1400" dirty="0">
+                  <a:solidFill>
+                    <a:schemeClr val="accent3"/>
+                  </a:solidFill>
+                  <a:latin typeface="Courier"/>
+                  <a:cs typeface="Courier"/>
+                </a:rPr>
+                <a:t>3</a:t>
+              </a:r>
+            </a:p>
+          </p:txBody>
+        </p:sp>
+        <p:sp>
+          <p:nvSpPr>
+            <p:cNvPr id="75" name="Oval 74"/>
+            <p:cNvSpPr/>
+            <p:nvPr/>
+          </p:nvSpPr>
+          <p:spPr>
+            <a:xfrm>
+              <a:off x="4961620" y="5008786"/>
+              <a:ext cx="217522" cy="176895"/>
+            </a:xfrm>
+            <a:prstGeom prst="ellipse">
+              <a:avLst/>
+            </a:prstGeom>
+          </p:spPr>
+          <p:style>
+            <a:lnRef idx="2">
+              <a:schemeClr val="accent3">
+                <a:shade val="50000"/>
+              </a:schemeClr>
+            </a:lnRef>
+            <a:fillRef idx="1">
+              <a:schemeClr val="accent3"/>
+            </a:fillRef>
+            <a:effectRef idx="0">
+              <a:schemeClr val="accent3"/>
+            </a:effectRef>
+            <a:fontRef idx="minor">
+              <a:schemeClr val="lt1"/>
+            </a:fontRef>
+          </p:style>
+          <p:txBody>
+            <a:bodyPr rtlCol="0" anchor="ctr"/>
+            <a:lstStyle/>
+            <a:p>
+              <a:pPr algn="ctr"/>
+              <a:endParaRPr lang="en-US"/>
+            </a:p>
+          </p:txBody>
+        </p:sp>
+        <p:sp>
+          <p:nvSpPr>
+            <p:cNvPr id="76" name="Oval 75"/>
+            <p:cNvSpPr/>
+            <p:nvPr/>
+          </p:nvSpPr>
+          <p:spPr>
+            <a:xfrm>
+              <a:off x="3460671" y="5008786"/>
+              <a:ext cx="217522" cy="176895"/>
+            </a:xfrm>
+            <a:prstGeom prst="ellipse">
+              <a:avLst/>
+            </a:prstGeom>
+          </p:spPr>
+          <p:style>
+            <a:lnRef idx="2">
+              <a:schemeClr val="accent3">
+                <a:shade val="50000"/>
+              </a:schemeClr>
+            </a:lnRef>
+            <a:fillRef idx="1">
+              <a:schemeClr val="accent3"/>
+            </a:fillRef>
+            <a:effectRef idx="0">
+              <a:schemeClr val="accent3"/>
+            </a:effectRef>
+            <a:fontRef idx="minor">
+              <a:schemeClr val="lt1"/>
+            </a:fontRef>
+          </p:style>
+          <p:txBody>
+            <a:bodyPr rtlCol="0" anchor="ctr"/>
+            <a:lstStyle/>
+            <a:p>
+              <a:pPr algn="ctr"/>
+              <a:endParaRPr lang="en-US"/>
+            </a:p>
+          </p:txBody>
+        </p:sp>
+        <p:sp>
+          <p:nvSpPr>
+            <p:cNvPr id="77" name="Oval 76"/>
+            <p:cNvSpPr/>
+            <p:nvPr/>
+          </p:nvSpPr>
+          <p:spPr>
+            <a:xfrm>
+              <a:off x="4225478" y="3757051"/>
+              <a:ext cx="217522" cy="176895"/>
+            </a:xfrm>
+            <a:prstGeom prst="ellipse">
+              <a:avLst/>
+            </a:prstGeom>
+          </p:spPr>
+          <p:style>
+            <a:lnRef idx="2">
+              <a:schemeClr val="accent3">
+                <a:shade val="50000"/>
+              </a:schemeClr>
+            </a:lnRef>
+            <a:fillRef idx="1">
+              <a:schemeClr val="accent3"/>
+            </a:fillRef>
+            <a:effectRef idx="0">
+              <a:schemeClr val="accent3"/>
+            </a:effectRef>
+            <a:fontRef idx="minor">
+              <a:schemeClr val="lt1"/>
+            </a:fontRef>
+          </p:style>
+          <p:txBody>
+            <a:bodyPr rtlCol="0" anchor="ctr"/>
+            <a:lstStyle/>
+            <a:p>
+              <a:pPr algn="ctr"/>
+              <a:endParaRPr lang="en-US"/>
+            </a:p>
+          </p:txBody>
+        </p:sp>
+        <p:sp>
+          <p:nvSpPr>
+            <p:cNvPr id="78" name="TextBox 77"/>
+            <p:cNvSpPr txBox="1"/>
+            <p:nvPr/>
+          </p:nvSpPr>
+          <p:spPr>
+            <a:xfrm>
+              <a:off x="3168266" y="4943345"/>
+              <a:ext cx="292405" cy="307777"/>
+            </a:xfrm>
+            <a:prstGeom prst="rect">
+              <a:avLst/>
+            </a:prstGeom>
+            <a:noFill/>
+            <a:ln>
+              <a:noFill/>
+            </a:ln>
+          </p:spPr>
+          <p:txBody>
+            <a:bodyPr wrap="none" rtlCol="0">
+              <a:spAutoFit/>
+            </a:bodyPr>
+            <a:lstStyle/>
+            <a:p>
+              <a:r>
+                <a:rPr lang="en-US" sz="1400" dirty="0">
+                  <a:solidFill>
+                    <a:schemeClr val="accent3"/>
+                  </a:solidFill>
+                  <a:latin typeface="Courier"/>
+                  <a:cs typeface="Courier"/>
+                </a:rPr>
+                <a:t>1</a:t>
+              </a:r>
+            </a:p>
+          </p:txBody>
+        </p:sp>
+        <p:sp>
+          <p:nvSpPr>
+            <p:cNvPr id="79" name="TextBox 78"/>
+            <p:cNvSpPr txBox="1"/>
+            <p:nvPr/>
+          </p:nvSpPr>
+          <p:spPr>
+            <a:xfrm>
+              <a:off x="5208006" y="4943345"/>
+              <a:ext cx="292405" cy="307777"/>
+            </a:xfrm>
+            <a:prstGeom prst="rect">
+              <a:avLst/>
+            </a:prstGeom>
+            <a:noFill/>
+            <a:ln>
+              <a:noFill/>
+            </a:ln>
+          </p:spPr>
+          <p:txBody>
+            <a:bodyPr wrap="none" rtlCol="0">
+              <a:spAutoFit/>
+            </a:bodyPr>
+            <a:lstStyle/>
+            <a:p>
+              <a:r>
+                <a:rPr lang="en-US" sz="1400" dirty="0">
+                  <a:solidFill>
+                    <a:schemeClr val="accent3"/>
+                  </a:solidFill>
+                  <a:latin typeface="Courier"/>
+                  <a:cs typeface="Courier"/>
+                </a:rPr>
+                <a:t>2</a:t>
+              </a:r>
+            </a:p>
+          </p:txBody>
+        </p:sp>
+      </p:grpSp>
+      <p:sp>
+        <p:nvSpPr>
+          <p:cNvPr id="80" name="TextBox 79"/>
+          <p:cNvSpPr txBox="1"/>
+          <p:nvPr/>
+        </p:nvSpPr>
+        <p:spPr>
+          <a:xfrm>
+            <a:off x="5367645" y="3215509"/>
+            <a:ext cx="615623" cy="307777"/>
+          </a:xfrm>
+          <a:prstGeom prst="rect">
+            <a:avLst/>
+          </a:prstGeom>
+          <a:noFill/>
+          <a:ln>
+            <a:noFill/>
+          </a:ln>
+        </p:spPr>
+        <p:txBody>
+          <a:bodyPr wrap="none" rtlCol="0">
+            <a:spAutoFit/>
+          </a:bodyPr>
+          <a:lstStyle/>
+          <a:p>
+            <a:r>
+              <a:rPr lang="en-US" sz="1400" dirty="0" smtClean="0">
+                <a:solidFill>
+                  <a:schemeClr val="accent3"/>
+                </a:solidFill>
+                <a:latin typeface="Courier"/>
+                <a:cs typeface="Courier"/>
+              </a:rPr>
+              <a:t>Back</a:t>
+            </a:r>
+            <a:endParaRPr lang="en-US" sz="1400" dirty="0">
+              <a:solidFill>
+                <a:schemeClr val="accent3"/>
+              </a:solidFill>
+              <a:latin typeface="Courier"/>
+              <a:cs typeface="Courier"/>
+            </a:endParaRPr>
+          </a:p>
+        </p:txBody>
+      </p:sp>
+      <p:sp>
+        <p:nvSpPr>
+          <p:cNvPr id="81" name="TextBox 80"/>
+          <p:cNvSpPr txBox="1"/>
+          <p:nvPr/>
+        </p:nvSpPr>
+        <p:spPr>
+          <a:xfrm>
+            <a:off x="7739673" y="3215172"/>
+            <a:ext cx="615623" cy="307777"/>
+          </a:xfrm>
+          <a:prstGeom prst="rect">
+            <a:avLst/>
+          </a:prstGeom>
+          <a:noFill/>
+          <a:ln>
+            <a:noFill/>
+          </a:ln>
+        </p:spPr>
+        <p:txBody>
+          <a:bodyPr wrap="none" rtlCol="0">
+            <a:spAutoFit/>
+          </a:bodyPr>
+          <a:lstStyle/>
+          <a:p>
+            <a:r>
+              <a:rPr lang="en-US" sz="1400" dirty="0" smtClean="0">
+                <a:solidFill>
+                  <a:schemeClr val="accent3"/>
+                </a:solidFill>
+                <a:latin typeface="Courier"/>
+                <a:cs typeface="Courier"/>
+              </a:rPr>
+              <a:t>Left</a:t>
+            </a:r>
+            <a:endParaRPr lang="en-US" sz="1400" dirty="0">
+              <a:solidFill>
+                <a:schemeClr val="accent3"/>
+              </a:solidFill>
+              <a:latin typeface="Courier"/>
+              <a:cs typeface="Courier"/>
+            </a:endParaRPr>
+          </a:p>
+        </p:txBody>
+      </p:sp>
+      <p:sp>
+        <p:nvSpPr>
+          <p:cNvPr id="82" name="TextBox 81"/>
+          <p:cNvSpPr txBox="1"/>
+          <p:nvPr/>
+        </p:nvSpPr>
+        <p:spPr>
+          <a:xfrm>
+            <a:off x="5312239" y="5172688"/>
+            <a:ext cx="723363" cy="307777"/>
+          </a:xfrm>
+          <a:prstGeom prst="rect">
+            <a:avLst/>
+          </a:prstGeom>
+          <a:noFill/>
+          <a:ln>
+            <a:noFill/>
+          </a:ln>
+        </p:spPr>
+        <p:txBody>
+          <a:bodyPr wrap="none" rtlCol="0">
+            <a:spAutoFit/>
+          </a:bodyPr>
+          <a:lstStyle/>
+          <a:p>
+            <a:r>
+              <a:rPr lang="en-US" sz="1400" dirty="0" smtClean="0">
+                <a:solidFill>
+                  <a:schemeClr val="accent3"/>
+                </a:solidFill>
+                <a:latin typeface="Courier"/>
+                <a:cs typeface="Courier"/>
+              </a:rPr>
+              <a:t>Right</a:t>
+            </a:r>
+            <a:endParaRPr lang="en-US" sz="1400" dirty="0">
+              <a:solidFill>
+                <a:schemeClr val="accent3"/>
+              </a:solidFill>
+              <a:latin typeface="Courier"/>
+              <a:cs typeface="Courier"/>
+            </a:endParaRPr>
+          </a:p>
+        </p:txBody>
+      </p:sp>
+      <p:sp>
+        <p:nvSpPr>
+          <p:cNvPr id="83" name="TextBox 82"/>
+          <p:cNvSpPr txBox="1"/>
+          <p:nvPr/>
+        </p:nvSpPr>
+        <p:spPr>
+          <a:xfrm>
+            <a:off x="7626603" y="5172688"/>
+            <a:ext cx="838691" cy="307777"/>
+          </a:xfrm>
+          <a:prstGeom prst="rect">
+            <a:avLst/>
+          </a:prstGeom>
+          <a:noFill/>
+          <a:ln>
+            <a:noFill/>
+          </a:ln>
+        </p:spPr>
+        <p:txBody>
+          <a:bodyPr wrap="none" rtlCol="0">
+            <a:spAutoFit/>
+          </a:bodyPr>
+          <a:lstStyle/>
+          <a:p>
+            <a:r>
+              <a:rPr lang="en-US" sz="1400" dirty="0" smtClean="0">
+                <a:solidFill>
+                  <a:schemeClr val="accent3"/>
+                </a:solidFill>
+                <a:latin typeface="Courier"/>
+                <a:cs typeface="Courier"/>
+              </a:rPr>
+              <a:t>Bottom</a:t>
+            </a:r>
+            <a:endParaRPr lang="en-US" sz="1400" dirty="0">
+              <a:solidFill>
+                <a:schemeClr val="accent3"/>
+              </a:solidFill>
+              <a:latin typeface="Courier"/>
+              <a:cs typeface="Courier"/>
+            </a:endParaRPr>
+          </a:p>
+        </p:txBody>
+      </p:sp>
+    </p:spTree>
+    <p:extLst>
+      <p:ext uri="{BB962C8B-B14F-4D97-AF65-F5344CB8AC3E}">
+        <p14:creationId xmlns:p14="http://schemas.microsoft.com/office/powerpoint/2010/main" val="1321588322"/>
       </p:ext>
     </p:extLst>
   </p:cSld>
